--- a/datasets/metrics/metrics_figures.pptx
+++ b/datasets/metrics/metrics_figures.pptx
@@ -5,14 +5,15 @@
     <p:sldMasterId id="2147483648" r:id="rId1"/>
   </p:sldMasterIdLst>
   <p:notesMasterIdLst>
-    <p:notesMasterId r:id="rId7"/>
+    <p:notesMasterId r:id="rId8"/>
   </p:notesMasterIdLst>
   <p:sldIdLst>
     <p:sldId id="257" r:id="rId2"/>
     <p:sldId id="261" r:id="rId3"/>
-    <p:sldId id="262" r:id="rId4"/>
-    <p:sldId id="264" r:id="rId5"/>
-    <p:sldId id="263" r:id="rId6"/>
+    <p:sldId id="265" r:id="rId4"/>
+    <p:sldId id="262" r:id="rId5"/>
+    <p:sldId id="264" r:id="rId6"/>
+    <p:sldId id="263" r:id="rId7"/>
   </p:sldIdLst>
   <p:sldSz cx="12192000" cy="6858000"/>
   <p:notesSz cx="6858000" cy="9144000"/>
@@ -201,7 +202,7 @@
           <a:p>
             <a:fld id="{AF893291-45D8-D541-935E-8339902000C7}" type="datetimeFigureOut">
               <a:rPr lang="en-US" smtClean="0"/>
-              <a:t>5/2/20</a:t>
+              <a:t>5/8/20</a:t>
             </a:fld>
             <a:endParaRPr lang="en-US"/>
           </a:p>
@@ -769,10 +770,93 @@
           <a:bodyPr/>
           <a:lstStyle/>
           <a:p>
+            <a:pPr marL="0" marR="0" lvl="0" indent="0" algn="l" defTabSz="914400" rtl="0" eaLnBrk="1" fontAlgn="auto" latinLnBrk="0" hangingPunct="1">
+              <a:lnSpc>
+                <a:spcPct val="100000"/>
+              </a:lnSpc>
+              <a:spcBef>
+                <a:spcPts val="0"/>
+              </a:spcBef>
+              <a:spcAft>
+                <a:spcPts val="0"/>
+              </a:spcAft>
+              <a:buClrTx/>
+              <a:buSzTx/>
+              <a:buFontTx/>
+              <a:buNone/>
+              <a:tabLst/>
+              <a:defRPr/>
+            </a:pPr>
             <a:r>
               <a:rPr lang="en-US" dirty="0"/>
-              <a:t>MAE</a:t>
+              <a:t>Precision or the positive predictive value is the percentage of all positive</a:t>
             </a:r>
+            <a:r>
+              <a:rPr lang="en-US" i="1" dirty="0"/>
+              <a:t>ly</a:t>
+            </a:r>
+            <a:r>
+              <a:rPr lang="en-US" dirty="0"/>
+              <a:t> predicted samples that are in fact positive. </a:t>
+            </a:r>
+          </a:p>
+          <a:p>
+            <a:pPr marL="0" marR="0" lvl="0" indent="0" algn="l" defTabSz="914400" rtl="0" eaLnBrk="1" fontAlgn="auto" latinLnBrk="0" hangingPunct="1">
+              <a:lnSpc>
+                <a:spcPct val="100000"/>
+              </a:lnSpc>
+              <a:spcBef>
+                <a:spcPts val="0"/>
+              </a:spcBef>
+              <a:spcAft>
+                <a:spcPts val="0"/>
+              </a:spcAft>
+              <a:buClrTx/>
+              <a:buSzTx/>
+              <a:buFontTx/>
+              <a:buNone/>
+              <a:tabLst/>
+              <a:defRPr/>
+            </a:pPr>
+            <a:endParaRPr lang="en-US" dirty="0"/>
+          </a:p>
+          <a:p>
+            <a:pPr marL="0" marR="0" lvl="0" indent="0" algn="l" defTabSz="914400" rtl="0" eaLnBrk="1" fontAlgn="auto" latinLnBrk="0" hangingPunct="1">
+              <a:lnSpc>
+                <a:spcPct val="100000"/>
+              </a:lnSpc>
+              <a:spcBef>
+                <a:spcPts val="0"/>
+              </a:spcBef>
+              <a:spcAft>
+                <a:spcPts val="0"/>
+              </a:spcAft>
+              <a:buClrTx/>
+              <a:buSzTx/>
+              <a:buFontTx/>
+              <a:buNone/>
+              <a:tabLst/>
+              <a:defRPr/>
+            </a:pPr>
+            <a:r>
+              <a:rPr lang="en-US" dirty="0"/>
+              <a:t>Sensitivity or recall is the percentage of positive cases that was correctly classified as positive cases (In medicine, how many patients that have a specific disease will be detected with the model)</a:t>
+            </a:r>
+          </a:p>
+          <a:p>
+            <a:endParaRPr lang="en-US" dirty="0"/>
+          </a:p>
+          <a:p>
+            <a:r>
+              <a:rPr lang="en-US" dirty="0"/>
+              <a:t>Specificity is the percentage of negative cases that are correctly classified as negative cases. (In medicine, the percentage of healthy patient that are detected as healthy by the model. </a:t>
+            </a:r>
+          </a:p>
+          <a:p>
+            <a:endParaRPr lang="en-US" dirty="0"/>
+          </a:p>
+          <a:p>
+            <a:endParaRPr lang="en-US" dirty="0"/>
           </a:p>
         </p:txBody>
       </p:sp>
@@ -802,7 +886,7 @@
     </p:spTree>
     <p:extLst>
       <p:ext uri="{BB962C8B-B14F-4D97-AF65-F5344CB8AC3E}">
-        <p14:creationId xmlns:p14="http://schemas.microsoft.com/office/powerpoint/2010/main" val="2805014889"/>
+        <p14:creationId xmlns:p14="http://schemas.microsoft.com/office/powerpoint/2010/main" val="326417046"/>
       </p:ext>
     </p:extLst>
   </p:cSld>
@@ -881,6 +965,93 @@
             <a:fld id="{3E62EEC7-A735-B840-8CE1-B0CFD11D3FAF}" type="slidenum">
               <a:rPr lang="en-US" smtClean="0"/>
               <a:t>4</a:t>
+            </a:fld>
+            <a:endParaRPr lang="en-US"/>
+          </a:p>
+        </p:txBody>
+      </p:sp>
+    </p:spTree>
+    <p:extLst>
+      <p:ext uri="{BB962C8B-B14F-4D97-AF65-F5344CB8AC3E}">
+        <p14:creationId xmlns:p14="http://schemas.microsoft.com/office/powerpoint/2010/main" val="2805014889"/>
+      </p:ext>
+    </p:extLst>
+  </p:cSld>
+  <p:clrMapOvr>
+    <a:masterClrMapping/>
+  </p:clrMapOvr>
+</p:notes>
+</file>
+
+<file path=ppt/notesSlides/notesSlide5.xml><?xml version="1.0" encoding="utf-8"?>
+<p:notes xmlns:a="http://schemas.openxmlformats.org/drawingml/2006/main" xmlns:r="http://schemas.openxmlformats.org/officeDocument/2006/relationships" xmlns:p="http://schemas.openxmlformats.org/presentationml/2006/main">
+  <p:cSld>
+    <p:spTree>
+      <p:nvGrpSpPr>
+        <p:cNvPr id="1" name=""/>
+        <p:cNvGrpSpPr/>
+        <p:nvPr/>
+      </p:nvGrpSpPr>
+      <p:grpSpPr>
+        <a:xfrm>
+          <a:off x="0" y="0"/>
+          <a:ext cx="0" cy="0"/>
+          <a:chOff x="0" y="0"/>
+          <a:chExt cx="0" cy="0"/>
+        </a:xfrm>
+      </p:grpSpPr>
+      <p:sp>
+        <p:nvSpPr>
+          <p:cNvPr id="2" name="Slide Image Placeholder 1"/>
+          <p:cNvSpPr>
+            <a:spLocks noGrp="1" noRot="1" noChangeAspect="1"/>
+          </p:cNvSpPr>
+          <p:nvPr>
+            <p:ph type="sldImg"/>
+          </p:nvPr>
+        </p:nvSpPr>
+        <p:spPr/>
+      </p:sp>
+      <p:sp>
+        <p:nvSpPr>
+          <p:cNvPr id="3" name="Notes Placeholder 2"/>
+          <p:cNvSpPr>
+            <a:spLocks noGrp="1"/>
+          </p:cNvSpPr>
+          <p:nvPr>
+            <p:ph type="body" idx="1"/>
+          </p:nvPr>
+        </p:nvSpPr>
+        <p:spPr/>
+        <p:txBody>
+          <a:bodyPr/>
+          <a:lstStyle/>
+          <a:p>
+            <a:r>
+              <a:rPr lang="en-US" dirty="0"/>
+              <a:t>MAE</a:t>
+            </a:r>
+          </a:p>
+        </p:txBody>
+      </p:sp>
+      <p:sp>
+        <p:nvSpPr>
+          <p:cNvPr id="4" name="Slide Number Placeholder 3"/>
+          <p:cNvSpPr>
+            <a:spLocks noGrp="1"/>
+          </p:cNvSpPr>
+          <p:nvPr>
+            <p:ph type="sldNum" sz="quarter" idx="5"/>
+          </p:nvPr>
+        </p:nvSpPr>
+        <p:spPr/>
+        <p:txBody>
+          <a:bodyPr/>
+          <a:lstStyle/>
+          <a:p>
+            <a:fld id="{3E62EEC7-A735-B840-8CE1-B0CFD11D3FAF}" type="slidenum">
+              <a:rPr lang="en-US" smtClean="0"/>
+              <a:t>5</a:t>
             </a:fld>
             <a:endParaRPr lang="en-US"/>
           </a:p>
@@ -1046,7 +1217,7 @@
           <a:p>
             <a:fld id="{7A2D6D92-7A1D-5044-8041-347960C529AC}" type="datetimeFigureOut">
               <a:rPr lang="en-US" smtClean="0"/>
-              <a:t>5/2/20</a:t>
+              <a:t>5/8/20</a:t>
             </a:fld>
             <a:endParaRPr lang="en-US"/>
           </a:p>
@@ -1244,7 +1415,7 @@
           <a:p>
             <a:fld id="{7A2D6D92-7A1D-5044-8041-347960C529AC}" type="datetimeFigureOut">
               <a:rPr lang="en-US" smtClean="0"/>
-              <a:t>5/2/20</a:t>
+              <a:t>5/8/20</a:t>
             </a:fld>
             <a:endParaRPr lang="en-US"/>
           </a:p>
@@ -1452,7 +1623,7 @@
           <a:p>
             <a:fld id="{7A2D6D92-7A1D-5044-8041-347960C529AC}" type="datetimeFigureOut">
               <a:rPr lang="en-US" smtClean="0"/>
-              <a:t>5/2/20</a:t>
+              <a:t>5/8/20</a:t>
             </a:fld>
             <a:endParaRPr lang="en-US"/>
           </a:p>
@@ -1650,7 +1821,7 @@
           <a:p>
             <a:fld id="{7A2D6D92-7A1D-5044-8041-347960C529AC}" type="datetimeFigureOut">
               <a:rPr lang="en-US" smtClean="0"/>
-              <a:t>5/2/20</a:t>
+              <a:t>5/8/20</a:t>
             </a:fld>
             <a:endParaRPr lang="en-US"/>
           </a:p>
@@ -1925,7 +2096,7 @@
           <a:p>
             <a:fld id="{7A2D6D92-7A1D-5044-8041-347960C529AC}" type="datetimeFigureOut">
               <a:rPr lang="en-US" smtClean="0"/>
-              <a:t>5/2/20</a:t>
+              <a:t>5/8/20</a:t>
             </a:fld>
             <a:endParaRPr lang="en-US"/>
           </a:p>
@@ -2190,7 +2361,7 @@
           <a:p>
             <a:fld id="{7A2D6D92-7A1D-5044-8041-347960C529AC}" type="datetimeFigureOut">
               <a:rPr lang="en-US" smtClean="0"/>
-              <a:t>5/2/20</a:t>
+              <a:t>5/8/20</a:t>
             </a:fld>
             <a:endParaRPr lang="en-US"/>
           </a:p>
@@ -2602,7 +2773,7 @@
           <a:p>
             <a:fld id="{7A2D6D92-7A1D-5044-8041-347960C529AC}" type="datetimeFigureOut">
               <a:rPr lang="en-US" smtClean="0"/>
-              <a:t>5/2/20</a:t>
+              <a:t>5/8/20</a:t>
             </a:fld>
             <a:endParaRPr lang="en-US"/>
           </a:p>
@@ -2743,7 +2914,7 @@
           <a:p>
             <a:fld id="{7A2D6D92-7A1D-5044-8041-347960C529AC}" type="datetimeFigureOut">
               <a:rPr lang="en-US" smtClean="0"/>
-              <a:t>5/2/20</a:t>
+              <a:t>5/8/20</a:t>
             </a:fld>
             <a:endParaRPr lang="en-US"/>
           </a:p>
@@ -2856,7 +3027,7 @@
           <a:p>
             <a:fld id="{7A2D6D92-7A1D-5044-8041-347960C529AC}" type="datetimeFigureOut">
               <a:rPr lang="en-US" smtClean="0"/>
-              <a:t>5/2/20</a:t>
+              <a:t>5/8/20</a:t>
             </a:fld>
             <a:endParaRPr lang="en-US"/>
           </a:p>
@@ -3167,7 +3338,7 @@
           <a:p>
             <a:fld id="{7A2D6D92-7A1D-5044-8041-347960C529AC}" type="datetimeFigureOut">
               <a:rPr lang="en-US" smtClean="0"/>
-              <a:t>5/2/20</a:t>
+              <a:t>5/8/20</a:t>
             </a:fld>
             <a:endParaRPr lang="en-US"/>
           </a:p>
@@ -3455,7 +3626,7 @@
           <a:p>
             <a:fld id="{7A2D6D92-7A1D-5044-8041-347960C529AC}" type="datetimeFigureOut">
               <a:rPr lang="en-US" smtClean="0"/>
-              <a:t>5/2/20</a:t>
+              <a:t>5/8/20</a:t>
             </a:fld>
             <a:endParaRPr lang="en-US"/>
           </a:p>
@@ -3696,7 +3867,7 @@
           <a:p>
             <a:fld id="{7A2D6D92-7A1D-5044-8041-347960C529AC}" type="datetimeFigureOut">
               <a:rPr lang="en-US" smtClean="0"/>
-              <a:t>5/2/20</a:t>
+              <a:t>5/8/20</a:t>
             </a:fld>
             <a:endParaRPr lang="en-US"/>
           </a:p>
@@ -8137,1524 +8308,1506 @@
           <a:chExt cx="0" cy="0"/>
         </a:xfrm>
       </p:grpSpPr>
-      <p:cxnSp>
-        <p:nvCxnSpPr>
-          <p:cNvPr id="5" name="Straight Arrow Connector 4">
+      <p:grpSp>
+        <p:nvGrpSpPr>
+          <p:cNvPr id="42" name="Group 41">
             <a:extLst>
               <a:ext uri="{FF2B5EF4-FFF2-40B4-BE49-F238E27FC236}">
-                <a16:creationId xmlns:a16="http://schemas.microsoft.com/office/drawing/2014/main" id="{14C1BCF9-D974-F24A-9036-18381FE7B587}"/>
+                <a16:creationId xmlns:a16="http://schemas.microsoft.com/office/drawing/2014/main" id="{0B166028-2F9D-6A47-A888-1E18254D8504}"/>
               </a:ext>
             </a:extLst>
           </p:cNvPr>
-          <p:cNvCxnSpPr/>
+          <p:cNvGrpSpPr/>
           <p:nvPr/>
-        </p:nvCxnSpPr>
-        <p:spPr>
-          <a:xfrm flipV="1">
-            <a:off x="4313813" y="2255198"/>
-            <a:ext cx="0" cy="3474720"/>
+        </p:nvGrpSpPr>
+        <p:grpSpPr>
+          <a:xfrm>
+            <a:off x="3141197" y="418542"/>
+            <a:ext cx="5210594" cy="1624406"/>
+            <a:chOff x="6989665" y="2437427"/>
+            <a:chExt cx="5210594" cy="1624406"/>
           </a:xfrm>
-          <a:prstGeom prst="straightConnector1">
-            <a:avLst/>
-          </a:prstGeom>
-          <a:ln>
-            <a:tailEnd type="triangle"/>
-          </a:ln>
-        </p:spPr>
-        <p:style>
-          <a:lnRef idx="3">
-            <a:schemeClr val="dk1"/>
-          </a:lnRef>
-          <a:fillRef idx="0">
-            <a:schemeClr val="dk1"/>
-          </a:fillRef>
-          <a:effectRef idx="2">
-            <a:schemeClr val="dk1"/>
-          </a:effectRef>
-          <a:fontRef idx="minor">
-            <a:schemeClr val="tx1"/>
-          </a:fontRef>
-        </p:style>
-      </p:cxnSp>
-      <p:cxnSp>
-        <p:nvCxnSpPr>
-          <p:cNvPr id="6" name="Straight Arrow Connector 5">
+        </p:grpSpPr>
+        <p:sp>
+          <p:nvSpPr>
+            <p:cNvPr id="98" name="Rectangle 97">
+              <a:extLst>
+                <a:ext uri="{FF2B5EF4-FFF2-40B4-BE49-F238E27FC236}">
+                  <a16:creationId xmlns:a16="http://schemas.microsoft.com/office/drawing/2014/main" id="{61AD7F83-024E-C54A-878A-1CA7D207B13B}"/>
+                </a:ext>
+              </a:extLst>
+            </p:cNvPr>
+            <p:cNvSpPr/>
+            <p:nvPr/>
+          </p:nvSpPr>
+          <p:spPr>
+            <a:xfrm>
+              <a:off x="6989665" y="2437427"/>
+              <a:ext cx="5210594" cy="461665"/>
+            </a:xfrm>
+            <a:prstGeom prst="rect">
+              <a:avLst/>
+            </a:prstGeom>
+          </p:spPr>
+          <p:txBody>
+            <a:bodyPr wrap="none">
+              <a:spAutoFit/>
+            </a:bodyPr>
+            <a:lstStyle/>
+            <a:p>
+              <a:r>
+                <a:rPr lang="en-US" sz="2400" b="1" dirty="0">
+                  <a:latin typeface="Avenir Black" panose="02000503020000020003" pitchFamily="2" charset="0"/>
+                </a:rPr>
+                <a:t>ROC: </a:t>
+              </a:r>
+              <a:r>
+                <a:rPr lang="en-US" dirty="0">
+                  <a:latin typeface="Avenir Roman" panose="02000503020000020003" pitchFamily="2" charset="0"/>
+                </a:rPr>
+                <a:t>Receiver Operating Characteristic Curve</a:t>
+              </a:r>
+            </a:p>
+          </p:txBody>
+        </p:sp>
+        <p:sp>
+          <p:nvSpPr>
+            <p:cNvPr id="99" name="Rectangle 98">
+              <a:extLst>
+                <a:ext uri="{FF2B5EF4-FFF2-40B4-BE49-F238E27FC236}">
+                  <a16:creationId xmlns:a16="http://schemas.microsoft.com/office/drawing/2014/main" id="{99895333-F27C-B141-9D4E-A3FF306B1276}"/>
+                </a:ext>
+              </a:extLst>
+            </p:cNvPr>
+            <p:cNvSpPr/>
+            <p:nvPr/>
+          </p:nvSpPr>
+          <p:spPr>
+            <a:xfrm>
+              <a:off x="7006595" y="3189703"/>
+              <a:ext cx="2791020" cy="461665"/>
+            </a:xfrm>
+            <a:prstGeom prst="rect">
+              <a:avLst/>
+            </a:prstGeom>
+          </p:spPr>
+          <p:txBody>
+            <a:bodyPr wrap="none">
+              <a:spAutoFit/>
+            </a:bodyPr>
+            <a:lstStyle/>
+            <a:p>
+              <a:r>
+                <a:rPr lang="en-US" sz="2400" b="1" dirty="0">
+                  <a:latin typeface="Avenir Black" panose="02000503020000020003" pitchFamily="2" charset="0"/>
+                </a:rPr>
+                <a:t>TPR: </a:t>
+              </a:r>
+              <a:r>
+                <a:rPr lang="en-US" dirty="0">
+                  <a:latin typeface="Avenir Roman" panose="02000503020000020003" pitchFamily="2" charset="0"/>
+                </a:rPr>
+                <a:t>True Positive Rate</a:t>
+              </a:r>
+            </a:p>
+          </p:txBody>
+        </p:sp>
+        <p:sp>
+          <p:nvSpPr>
+            <p:cNvPr id="100" name="Rectangle 99">
+              <a:extLst>
+                <a:ext uri="{FF2B5EF4-FFF2-40B4-BE49-F238E27FC236}">
+                  <a16:creationId xmlns:a16="http://schemas.microsoft.com/office/drawing/2014/main" id="{8D6A5515-605E-274B-BD05-0096CACEC7BC}"/>
+                </a:ext>
+              </a:extLst>
+            </p:cNvPr>
+            <p:cNvSpPr/>
+            <p:nvPr/>
+          </p:nvSpPr>
+          <p:spPr>
+            <a:xfrm>
+              <a:off x="6989665" y="2798039"/>
+              <a:ext cx="3864456" cy="461665"/>
+            </a:xfrm>
+            <a:prstGeom prst="rect">
+              <a:avLst/>
+            </a:prstGeom>
+          </p:spPr>
+          <p:txBody>
+            <a:bodyPr wrap="none">
+              <a:spAutoFit/>
+            </a:bodyPr>
+            <a:lstStyle/>
+            <a:p>
+              <a:r>
+                <a:rPr lang="en-US" sz="2400" b="1" dirty="0">
+                  <a:latin typeface="Avenir Black" panose="02000503020000020003" pitchFamily="2" charset="0"/>
+                </a:rPr>
+                <a:t>AUC: </a:t>
+              </a:r>
+              <a:r>
+                <a:rPr lang="en-US" dirty="0">
+                  <a:latin typeface="Avenir Roman" panose="02000503020000020003" pitchFamily="2" charset="0"/>
+                </a:rPr>
+                <a:t>Area Under the ROC Curve</a:t>
+              </a:r>
+            </a:p>
+          </p:txBody>
+        </p:sp>
+        <p:sp>
+          <p:nvSpPr>
+            <p:cNvPr id="101" name="Rectangle 100">
+              <a:extLst>
+                <a:ext uri="{FF2B5EF4-FFF2-40B4-BE49-F238E27FC236}">
+                  <a16:creationId xmlns:a16="http://schemas.microsoft.com/office/drawing/2014/main" id="{5700C7B4-A000-2D4B-AE7E-976E52D18995}"/>
+                </a:ext>
+              </a:extLst>
+            </p:cNvPr>
+            <p:cNvSpPr/>
+            <p:nvPr/>
+          </p:nvSpPr>
+          <p:spPr>
+            <a:xfrm>
+              <a:off x="7023525" y="3600168"/>
+              <a:ext cx="2877967" cy="461665"/>
+            </a:xfrm>
+            <a:prstGeom prst="rect">
+              <a:avLst/>
+            </a:prstGeom>
+          </p:spPr>
+          <p:txBody>
+            <a:bodyPr wrap="none">
+              <a:spAutoFit/>
+            </a:bodyPr>
+            <a:lstStyle/>
+            <a:p>
+              <a:r>
+                <a:rPr lang="en-US" sz="2400" b="1" dirty="0">
+                  <a:latin typeface="Avenir Black" panose="02000503020000020003" pitchFamily="2" charset="0"/>
+                </a:rPr>
+                <a:t>FPR: </a:t>
+              </a:r>
+              <a:r>
+                <a:rPr lang="en-US" dirty="0">
+                  <a:latin typeface="Avenir Roman" panose="02000503020000020003" pitchFamily="2" charset="0"/>
+                </a:rPr>
+                <a:t>False Positive Rate</a:t>
+              </a:r>
+            </a:p>
+          </p:txBody>
+        </p:sp>
+      </p:grpSp>
+      <p:grpSp>
+        <p:nvGrpSpPr>
+          <p:cNvPr id="45" name="Group 44">
             <a:extLst>
               <a:ext uri="{FF2B5EF4-FFF2-40B4-BE49-F238E27FC236}">
-                <a16:creationId xmlns:a16="http://schemas.microsoft.com/office/drawing/2014/main" id="{37758B7A-6393-9C4C-AF31-6AD235A42E1A}"/>
+                <a16:creationId xmlns:a16="http://schemas.microsoft.com/office/drawing/2014/main" id="{8C5F507E-4392-054B-B63A-53A40B08D22D}"/>
               </a:ext>
             </a:extLst>
           </p:cNvPr>
-          <p:cNvCxnSpPr>
-            <a:cxnSpLocks/>
-          </p:cNvCxnSpPr>
+          <p:cNvGrpSpPr/>
           <p:nvPr/>
-        </p:nvCxnSpPr>
-        <p:spPr>
+        </p:nvGrpSpPr>
+        <p:grpSpPr>
           <a:xfrm>
-            <a:off x="4313813" y="5729918"/>
-            <a:ext cx="4174274" cy="0"/>
+            <a:off x="2341220" y="1287746"/>
+            <a:ext cx="5942325" cy="5669976"/>
+            <a:chOff x="972761" y="338797"/>
+            <a:chExt cx="5942325" cy="5669976"/>
           </a:xfrm>
-          <a:prstGeom prst="straightConnector1">
-            <a:avLst/>
-          </a:prstGeom>
-          <a:ln>
-            <a:tailEnd type="triangle"/>
-          </a:ln>
-        </p:spPr>
-        <p:style>
-          <a:lnRef idx="3">
-            <a:schemeClr val="dk1"/>
-          </a:lnRef>
-          <a:fillRef idx="0">
-            <a:schemeClr val="dk1"/>
-          </a:fillRef>
-          <a:effectRef idx="2">
-            <a:schemeClr val="dk1"/>
-          </a:effectRef>
-          <a:fontRef idx="minor">
-            <a:schemeClr val="tx1"/>
-          </a:fontRef>
-        </p:style>
-      </p:cxnSp>
-      <p:cxnSp>
-        <p:nvCxnSpPr>
-          <p:cNvPr id="9" name="Straight Connector 8">
-            <a:extLst>
-              <a:ext uri="{FF2B5EF4-FFF2-40B4-BE49-F238E27FC236}">
-                <a16:creationId xmlns:a16="http://schemas.microsoft.com/office/drawing/2014/main" id="{D83F23B7-7093-794D-BF08-70933BB31108}"/>
-              </a:ext>
-            </a:extLst>
-          </p:cNvPr>
-          <p:cNvCxnSpPr>
-            <a:cxnSpLocks/>
-          </p:cNvCxnSpPr>
-          <p:nvPr/>
-        </p:nvCxnSpPr>
-        <p:spPr>
-          <a:xfrm flipV="1">
-            <a:off x="4463062" y="2534024"/>
-            <a:ext cx="3902721" cy="3315725"/>
-          </a:xfrm>
-          <a:prstGeom prst="line">
-            <a:avLst/>
-          </a:prstGeom>
-        </p:spPr>
-        <p:style>
-          <a:lnRef idx="3">
-            <a:schemeClr val="accent1"/>
-          </a:lnRef>
-          <a:fillRef idx="0">
-            <a:schemeClr val="accent1"/>
-          </a:fillRef>
-          <a:effectRef idx="2">
-            <a:schemeClr val="accent1"/>
-          </a:effectRef>
-          <a:fontRef idx="minor">
-            <a:schemeClr val="tx1"/>
-          </a:fontRef>
-        </p:style>
-      </p:cxnSp>
-      <p:sp>
-        <p:nvSpPr>
-          <p:cNvPr id="11" name="Oval 10">
-            <a:extLst>
-              <a:ext uri="{FF2B5EF4-FFF2-40B4-BE49-F238E27FC236}">
-                <a16:creationId xmlns:a16="http://schemas.microsoft.com/office/drawing/2014/main" id="{EA1EEF15-83FB-3D49-8865-7EAA71E3B6F7}"/>
-              </a:ext>
-            </a:extLst>
-          </p:cNvPr>
-          <p:cNvSpPr/>
-          <p:nvPr/>
-        </p:nvSpPr>
-        <p:spPr>
-          <a:xfrm>
-            <a:off x="7515682" y="2876058"/>
-            <a:ext cx="122304" cy="122304"/>
-          </a:xfrm>
-          <a:prstGeom prst="ellipse">
-            <a:avLst/>
-          </a:prstGeom>
-          <a:solidFill>
-            <a:schemeClr val="tx1"/>
-          </a:solidFill>
-          <a:ln>
-            <a:noFill/>
-          </a:ln>
-        </p:spPr>
-        <p:style>
-          <a:lnRef idx="2">
-            <a:schemeClr val="accent1">
-              <a:shade val="50000"/>
-            </a:schemeClr>
-          </a:lnRef>
-          <a:fillRef idx="1">
-            <a:schemeClr val="accent1"/>
-          </a:fillRef>
-          <a:effectRef idx="0">
-            <a:schemeClr val="accent1"/>
-          </a:effectRef>
-          <a:fontRef idx="minor">
-            <a:schemeClr val="lt1"/>
-          </a:fontRef>
-        </p:style>
-        <p:txBody>
-          <a:bodyPr rtlCol="0" anchor="ctr"/>
-          <a:lstStyle/>
-          <a:p>
-            <a:pPr algn="ctr"/>
-            <a:endParaRPr lang="en-US">
-              <a:solidFill>
-                <a:schemeClr val="tx1"/>
-              </a:solidFill>
-            </a:endParaRPr>
-          </a:p>
-        </p:txBody>
-      </p:sp>
-      <p:sp>
-        <p:nvSpPr>
-          <p:cNvPr id="12" name="Oval 11">
-            <a:extLst>
-              <a:ext uri="{FF2B5EF4-FFF2-40B4-BE49-F238E27FC236}">
-                <a16:creationId xmlns:a16="http://schemas.microsoft.com/office/drawing/2014/main" id="{C55F11FE-F439-754A-B7F8-591F8F1BBF8D}"/>
-              </a:ext>
-            </a:extLst>
-          </p:cNvPr>
-          <p:cNvSpPr/>
-          <p:nvPr/>
-        </p:nvSpPr>
-        <p:spPr>
-          <a:xfrm>
-            <a:off x="6339798" y="3484801"/>
-            <a:ext cx="122304" cy="122304"/>
-          </a:xfrm>
-          <a:prstGeom prst="ellipse">
-            <a:avLst/>
-          </a:prstGeom>
-          <a:solidFill>
-            <a:schemeClr val="tx1"/>
-          </a:solidFill>
-          <a:ln>
-            <a:noFill/>
-          </a:ln>
-        </p:spPr>
-        <p:style>
-          <a:lnRef idx="2">
-            <a:schemeClr val="accent1">
-              <a:shade val="50000"/>
-            </a:schemeClr>
-          </a:lnRef>
-          <a:fillRef idx="1">
-            <a:schemeClr val="accent1"/>
-          </a:fillRef>
-          <a:effectRef idx="0">
-            <a:schemeClr val="accent1"/>
-          </a:effectRef>
-          <a:fontRef idx="minor">
-            <a:schemeClr val="lt1"/>
-          </a:fontRef>
-        </p:style>
-        <p:txBody>
-          <a:bodyPr rtlCol="0" anchor="ctr"/>
-          <a:lstStyle/>
-          <a:p>
-            <a:pPr algn="ctr"/>
-            <a:endParaRPr lang="en-US">
-              <a:solidFill>
-                <a:schemeClr val="tx1"/>
-              </a:solidFill>
-            </a:endParaRPr>
-          </a:p>
-        </p:txBody>
-      </p:sp>
-      <p:sp>
-        <p:nvSpPr>
-          <p:cNvPr id="13" name="Oval 12">
-            <a:extLst>
-              <a:ext uri="{FF2B5EF4-FFF2-40B4-BE49-F238E27FC236}">
-                <a16:creationId xmlns:a16="http://schemas.microsoft.com/office/drawing/2014/main" id="{F070C116-D57E-8E46-B048-FB5B06D4551F}"/>
-              </a:ext>
-            </a:extLst>
-          </p:cNvPr>
-          <p:cNvSpPr/>
-          <p:nvPr/>
-        </p:nvSpPr>
-        <p:spPr>
-          <a:xfrm>
-            <a:off x="8365783" y="3011352"/>
-            <a:ext cx="122304" cy="122304"/>
-          </a:xfrm>
-          <a:prstGeom prst="ellipse">
-            <a:avLst/>
-          </a:prstGeom>
-          <a:solidFill>
-            <a:schemeClr val="tx1"/>
-          </a:solidFill>
-          <a:ln>
-            <a:noFill/>
-          </a:ln>
-        </p:spPr>
-        <p:style>
-          <a:lnRef idx="2">
-            <a:schemeClr val="accent1">
-              <a:shade val="50000"/>
-            </a:schemeClr>
-          </a:lnRef>
-          <a:fillRef idx="1">
-            <a:schemeClr val="accent1"/>
-          </a:fillRef>
-          <a:effectRef idx="0">
-            <a:schemeClr val="accent1"/>
-          </a:effectRef>
-          <a:fontRef idx="minor">
-            <a:schemeClr val="lt1"/>
-          </a:fontRef>
-        </p:style>
-        <p:txBody>
-          <a:bodyPr rtlCol="0" anchor="ctr"/>
-          <a:lstStyle/>
-          <a:p>
-            <a:pPr algn="ctr"/>
-            <a:endParaRPr lang="en-US">
-              <a:solidFill>
-                <a:schemeClr val="tx1"/>
-              </a:solidFill>
-            </a:endParaRPr>
-          </a:p>
-        </p:txBody>
-      </p:sp>
-      <p:sp>
-        <p:nvSpPr>
-          <p:cNvPr id="15" name="Oval 14">
-            <a:extLst>
-              <a:ext uri="{FF2B5EF4-FFF2-40B4-BE49-F238E27FC236}">
-                <a16:creationId xmlns:a16="http://schemas.microsoft.com/office/drawing/2014/main" id="{CCA56893-FA05-0E44-A526-2BB98AF6DDAC}"/>
-              </a:ext>
-            </a:extLst>
-          </p:cNvPr>
-          <p:cNvSpPr/>
-          <p:nvPr/>
-        </p:nvSpPr>
-        <p:spPr>
-          <a:xfrm>
-            <a:off x="6278646" y="4601136"/>
-            <a:ext cx="122304" cy="122304"/>
-          </a:xfrm>
-          <a:prstGeom prst="ellipse">
-            <a:avLst/>
-          </a:prstGeom>
-          <a:solidFill>
-            <a:schemeClr val="tx1"/>
-          </a:solidFill>
-          <a:ln>
-            <a:noFill/>
-          </a:ln>
-        </p:spPr>
-        <p:style>
-          <a:lnRef idx="2">
-            <a:schemeClr val="accent1">
-              <a:shade val="50000"/>
-            </a:schemeClr>
-          </a:lnRef>
-          <a:fillRef idx="1">
-            <a:schemeClr val="accent1"/>
-          </a:fillRef>
-          <a:effectRef idx="0">
-            <a:schemeClr val="accent1"/>
-          </a:effectRef>
-          <a:fontRef idx="minor">
-            <a:schemeClr val="lt1"/>
-          </a:fontRef>
-        </p:style>
-        <p:txBody>
-          <a:bodyPr rtlCol="0" anchor="ctr"/>
-          <a:lstStyle/>
-          <a:p>
-            <a:pPr algn="ctr"/>
-            <a:endParaRPr lang="en-US">
-              <a:solidFill>
-                <a:schemeClr val="tx1"/>
-              </a:solidFill>
-            </a:endParaRPr>
-          </a:p>
-        </p:txBody>
-      </p:sp>
-      <p:sp>
-        <p:nvSpPr>
-          <p:cNvPr id="17" name="Oval 16">
-            <a:extLst>
-              <a:ext uri="{FF2B5EF4-FFF2-40B4-BE49-F238E27FC236}">
-                <a16:creationId xmlns:a16="http://schemas.microsoft.com/office/drawing/2014/main" id="{C58F75B6-341D-6E40-B860-4A13EED4781C}"/>
-              </a:ext>
-            </a:extLst>
-          </p:cNvPr>
-          <p:cNvSpPr/>
-          <p:nvPr/>
-        </p:nvSpPr>
-        <p:spPr>
-          <a:xfrm>
-            <a:off x="5197525" y="4498151"/>
-            <a:ext cx="122304" cy="122304"/>
-          </a:xfrm>
-          <a:prstGeom prst="ellipse">
-            <a:avLst/>
-          </a:prstGeom>
-          <a:solidFill>
-            <a:schemeClr val="tx1"/>
-          </a:solidFill>
-          <a:ln>
-            <a:noFill/>
-          </a:ln>
-        </p:spPr>
-        <p:style>
-          <a:lnRef idx="2">
-            <a:schemeClr val="accent1">
-              <a:shade val="50000"/>
-            </a:schemeClr>
-          </a:lnRef>
-          <a:fillRef idx="1">
-            <a:schemeClr val="accent1"/>
-          </a:fillRef>
-          <a:effectRef idx="0">
-            <a:schemeClr val="accent1"/>
-          </a:effectRef>
-          <a:fontRef idx="minor">
-            <a:schemeClr val="lt1"/>
-          </a:fontRef>
-        </p:style>
-        <p:txBody>
-          <a:bodyPr rtlCol="0" anchor="ctr"/>
-          <a:lstStyle/>
-          <a:p>
-            <a:pPr algn="ctr"/>
-            <a:endParaRPr lang="en-US">
-              <a:solidFill>
-                <a:schemeClr val="tx1"/>
-              </a:solidFill>
-            </a:endParaRPr>
-          </a:p>
-        </p:txBody>
-      </p:sp>
-      <p:sp>
-        <p:nvSpPr>
-          <p:cNvPr id="19" name="Oval 18">
-            <a:extLst>
-              <a:ext uri="{FF2B5EF4-FFF2-40B4-BE49-F238E27FC236}">
-                <a16:creationId xmlns:a16="http://schemas.microsoft.com/office/drawing/2014/main" id="{62100974-AB9E-6546-A020-47E6973738A0}"/>
-              </a:ext>
-            </a:extLst>
-          </p:cNvPr>
-          <p:cNvSpPr/>
-          <p:nvPr/>
-        </p:nvSpPr>
-        <p:spPr>
-          <a:xfrm>
-            <a:off x="7188738" y="4786193"/>
-            <a:ext cx="122304" cy="122304"/>
-          </a:xfrm>
-          <a:prstGeom prst="ellipse">
-            <a:avLst/>
-          </a:prstGeom>
-          <a:solidFill>
-            <a:schemeClr val="tx1"/>
-          </a:solidFill>
-          <a:ln>
-            <a:noFill/>
-          </a:ln>
-        </p:spPr>
-        <p:style>
-          <a:lnRef idx="2">
-            <a:schemeClr val="accent1">
-              <a:shade val="50000"/>
-            </a:schemeClr>
-          </a:lnRef>
-          <a:fillRef idx="1">
-            <a:schemeClr val="accent1"/>
-          </a:fillRef>
-          <a:effectRef idx="0">
-            <a:schemeClr val="accent1"/>
-          </a:effectRef>
-          <a:fontRef idx="minor">
-            <a:schemeClr val="lt1"/>
-          </a:fontRef>
-        </p:style>
-        <p:txBody>
-          <a:bodyPr rtlCol="0" anchor="ctr"/>
-          <a:lstStyle/>
-          <a:p>
-            <a:pPr algn="ctr"/>
-            <a:endParaRPr lang="en-US">
-              <a:solidFill>
-                <a:schemeClr val="tx1"/>
-              </a:solidFill>
-            </a:endParaRPr>
-          </a:p>
-        </p:txBody>
-      </p:sp>
-      <p:sp>
-        <p:nvSpPr>
-          <p:cNvPr id="20" name="Oval 19">
-            <a:extLst>
-              <a:ext uri="{FF2B5EF4-FFF2-40B4-BE49-F238E27FC236}">
-                <a16:creationId xmlns:a16="http://schemas.microsoft.com/office/drawing/2014/main" id="{47AE051D-5677-EC4D-A11E-908731BC3089}"/>
-              </a:ext>
-            </a:extLst>
-          </p:cNvPr>
-          <p:cNvSpPr/>
-          <p:nvPr/>
-        </p:nvSpPr>
-        <p:spPr>
-          <a:xfrm>
-            <a:off x="7352790" y="3607105"/>
-            <a:ext cx="122304" cy="122304"/>
-          </a:xfrm>
-          <a:prstGeom prst="ellipse">
-            <a:avLst/>
-          </a:prstGeom>
-          <a:solidFill>
-            <a:schemeClr val="tx1"/>
-          </a:solidFill>
-          <a:ln>
-            <a:noFill/>
-          </a:ln>
-        </p:spPr>
-        <p:style>
-          <a:lnRef idx="2">
-            <a:schemeClr val="accent1">
-              <a:shade val="50000"/>
-            </a:schemeClr>
-          </a:lnRef>
-          <a:fillRef idx="1">
-            <a:schemeClr val="accent1"/>
-          </a:fillRef>
-          <a:effectRef idx="0">
-            <a:schemeClr val="accent1"/>
-          </a:effectRef>
-          <a:fontRef idx="minor">
-            <a:schemeClr val="lt1"/>
-          </a:fontRef>
-        </p:style>
-        <p:txBody>
-          <a:bodyPr rtlCol="0" anchor="ctr"/>
-          <a:lstStyle/>
-          <a:p>
-            <a:pPr algn="ctr"/>
-            <a:endParaRPr lang="en-US">
-              <a:solidFill>
-                <a:schemeClr val="tx1"/>
-              </a:solidFill>
-            </a:endParaRPr>
-          </a:p>
-        </p:txBody>
-      </p:sp>
-      <p:cxnSp>
-        <p:nvCxnSpPr>
-          <p:cNvPr id="23" name="Straight Connector 22">
-            <a:extLst>
-              <a:ext uri="{FF2B5EF4-FFF2-40B4-BE49-F238E27FC236}">
-                <a16:creationId xmlns:a16="http://schemas.microsoft.com/office/drawing/2014/main" id="{1514F38D-96BF-7345-AEBB-831622B18B30}"/>
-              </a:ext>
-            </a:extLst>
-          </p:cNvPr>
-          <p:cNvCxnSpPr>
-            <a:cxnSpLocks/>
-            <a:endCxn id="19" idx="4"/>
-          </p:cNvCxnSpPr>
-          <p:nvPr/>
-        </p:nvCxnSpPr>
-        <p:spPr>
-          <a:xfrm>
-            <a:off x="7228566" y="3497593"/>
-            <a:ext cx="21324" cy="1410904"/>
-          </a:xfrm>
-          <a:prstGeom prst="line">
-            <a:avLst/>
-          </a:prstGeom>
-          <a:ln w="9525" cap="flat" cmpd="sng" algn="ctr">
-            <a:solidFill>
-              <a:srgbClr val="C00000"/>
-            </a:solidFill>
-            <a:prstDash val="dash"/>
-            <a:round/>
-            <a:headEnd type="none" w="med" len="med"/>
-            <a:tailEnd type="none" w="med" len="med"/>
-          </a:ln>
-        </p:spPr>
-        <p:style>
-          <a:lnRef idx="0">
-            <a:scrgbClr r="0" g="0" b="0"/>
-          </a:lnRef>
-          <a:fillRef idx="0">
-            <a:scrgbClr r="0" g="0" b="0"/>
-          </a:fillRef>
-          <a:effectRef idx="0">
-            <a:scrgbClr r="0" g="0" b="0"/>
-          </a:effectRef>
-          <a:fontRef idx="minor">
-            <a:schemeClr val="tx1"/>
-          </a:fontRef>
-        </p:style>
-      </p:cxnSp>
-      <p:cxnSp>
-        <p:nvCxnSpPr>
-          <p:cNvPr id="28" name="Straight Connector 27">
-            <a:extLst>
-              <a:ext uri="{FF2B5EF4-FFF2-40B4-BE49-F238E27FC236}">
-                <a16:creationId xmlns:a16="http://schemas.microsoft.com/office/drawing/2014/main" id="{C3EBD461-089B-254B-860B-E6F80875FE18}"/>
-              </a:ext>
-            </a:extLst>
-          </p:cNvPr>
-          <p:cNvCxnSpPr>
-            <a:cxnSpLocks/>
-          </p:cNvCxnSpPr>
-          <p:nvPr/>
-        </p:nvCxnSpPr>
-        <p:spPr>
-          <a:xfrm>
-            <a:off x="6403760" y="3497593"/>
-            <a:ext cx="10662" cy="705452"/>
-          </a:xfrm>
-          <a:prstGeom prst="line">
-            <a:avLst/>
-          </a:prstGeom>
-          <a:ln w="9525" cap="flat" cmpd="sng" algn="ctr">
-            <a:solidFill>
-              <a:srgbClr val="C00000"/>
-            </a:solidFill>
-            <a:prstDash val="dash"/>
-            <a:round/>
-            <a:headEnd type="none" w="med" len="med"/>
-            <a:tailEnd type="none" w="med" len="med"/>
-          </a:ln>
-        </p:spPr>
-        <p:style>
-          <a:lnRef idx="0">
-            <a:scrgbClr r="0" g="0" b="0"/>
-          </a:lnRef>
-          <a:fillRef idx="0">
-            <a:scrgbClr r="0" g="0" b="0"/>
-          </a:fillRef>
-          <a:effectRef idx="0">
-            <a:scrgbClr r="0" g="0" b="0"/>
-          </a:effectRef>
-          <a:fontRef idx="minor">
-            <a:schemeClr val="tx1"/>
-          </a:fontRef>
-        </p:style>
-      </p:cxnSp>
-      <p:sp>
-        <p:nvSpPr>
-          <p:cNvPr id="30" name="Rectangle 29">
-            <a:extLst>
-              <a:ext uri="{FF2B5EF4-FFF2-40B4-BE49-F238E27FC236}">
-                <a16:creationId xmlns:a16="http://schemas.microsoft.com/office/drawing/2014/main" id="{539CB11B-3E8E-B246-BE84-15D958007FAA}"/>
-              </a:ext>
-            </a:extLst>
-          </p:cNvPr>
-          <p:cNvSpPr/>
-          <p:nvPr/>
-        </p:nvSpPr>
-        <p:spPr>
-          <a:xfrm>
-            <a:off x="7289718" y="4115759"/>
-            <a:ext cx="705642" cy="369332"/>
-          </a:xfrm>
-          <a:prstGeom prst="rect">
-            <a:avLst/>
-          </a:prstGeom>
-        </p:spPr>
-        <p:txBody>
-          <a:bodyPr wrap="none">
-            <a:spAutoFit/>
-          </a:bodyPr>
-          <a:lstStyle/>
-          <a:p>
-            <a:r>
-              <a:rPr lang="en-US" b="1" dirty="0">
-                <a:solidFill>
-                  <a:srgbClr val="C00000"/>
-                </a:solidFill>
-                <a:latin typeface="Avenir Roman" panose="02000503020000020003" pitchFamily="2" charset="0"/>
-              </a:rPr>
-              <a:t>MAE</a:t>
-            </a:r>
-          </a:p>
-        </p:txBody>
-      </p:sp>
-      <mc:AlternateContent xmlns:mc="http://schemas.openxmlformats.org/markup-compatibility/2006">
-        <mc:Choice xmlns:a14="http://schemas.microsoft.com/office/drawing/2010/main" Requires="a14">
-          <p:sp>
-            <p:nvSpPr>
-              <p:cNvPr id="32" name="TextBox 31">
+        </p:grpSpPr>
+        <p:grpSp>
+          <p:nvGrpSpPr>
+            <p:cNvPr id="41" name="Group 40">
+              <a:extLst>
+                <a:ext uri="{FF2B5EF4-FFF2-40B4-BE49-F238E27FC236}">
+                  <a16:creationId xmlns:a16="http://schemas.microsoft.com/office/drawing/2014/main" id="{64870EE8-2909-A941-A3B2-909F93F83A14}"/>
+                </a:ext>
+              </a:extLst>
+            </p:cNvPr>
+            <p:cNvGrpSpPr/>
+            <p:nvPr/>
+          </p:nvGrpSpPr>
+          <p:grpSpPr>
+            <a:xfrm>
+              <a:off x="972761" y="338797"/>
+              <a:ext cx="5942325" cy="5669976"/>
+              <a:chOff x="972761" y="338797"/>
+              <a:chExt cx="5942325" cy="5669976"/>
+            </a:xfrm>
+          </p:grpSpPr>
+          <p:grpSp>
+            <p:nvGrpSpPr>
+              <p:cNvPr id="25" name="Group 24">
                 <a:extLst>
                   <a:ext uri="{FF2B5EF4-FFF2-40B4-BE49-F238E27FC236}">
-                    <a16:creationId xmlns:a16="http://schemas.microsoft.com/office/drawing/2014/main" id="{6D87767D-EC41-D64E-BF08-10B9EB05E875}"/>
+                    <a16:creationId xmlns:a16="http://schemas.microsoft.com/office/drawing/2014/main" id="{59C3008B-877D-2244-A46B-97A6D1AF0DAA}"/>
                   </a:ext>
                 </a:extLst>
               </p:cNvPr>
-              <p:cNvSpPr txBox="1"/>
+              <p:cNvGrpSpPr/>
+              <p:nvPr/>
+            </p:nvGrpSpPr>
+            <p:grpSpPr>
+              <a:xfrm>
+                <a:off x="972761" y="338797"/>
+                <a:ext cx="5942325" cy="5669976"/>
+                <a:chOff x="2055112" y="301475"/>
+                <a:chExt cx="5942325" cy="5669976"/>
+              </a:xfrm>
+            </p:grpSpPr>
+            <p:grpSp>
+              <p:nvGrpSpPr>
+                <p:cNvPr id="9" name="Group 8">
+                  <a:extLst>
+                    <a:ext uri="{FF2B5EF4-FFF2-40B4-BE49-F238E27FC236}">
+                      <a16:creationId xmlns:a16="http://schemas.microsoft.com/office/drawing/2014/main" id="{3E2619F7-16B8-DD4C-8BB2-435FA6A27C5C}"/>
+                    </a:ext>
+                  </a:extLst>
+                </p:cNvPr>
+                <p:cNvGrpSpPr/>
+                <p:nvPr/>
+              </p:nvGrpSpPr>
+              <p:grpSpPr>
+                <a:xfrm>
+                  <a:off x="2866044" y="1128395"/>
+                  <a:ext cx="5077383" cy="4399615"/>
+                  <a:chOff x="3689345" y="371299"/>
+                  <a:chExt cx="5077383" cy="4399615"/>
+                </a:xfrm>
+              </p:grpSpPr>
+              <p:cxnSp>
+                <p:nvCxnSpPr>
+                  <p:cNvPr id="55" name="Straight Arrow Connector 54">
+                    <a:extLst>
+                      <a:ext uri="{FF2B5EF4-FFF2-40B4-BE49-F238E27FC236}">
+                        <a16:creationId xmlns:a16="http://schemas.microsoft.com/office/drawing/2014/main" id="{049690E3-DA67-354E-B5B6-4E31E5FBCACF}"/>
+                      </a:ext>
+                    </a:extLst>
+                  </p:cNvPr>
+                  <p:cNvCxnSpPr>
+                    <a:cxnSpLocks/>
+                  </p:cNvCxnSpPr>
+                  <p:nvPr/>
+                </p:nvCxnSpPr>
+                <p:spPr>
+                  <a:xfrm flipV="1">
+                    <a:off x="3689345" y="371299"/>
+                    <a:ext cx="0" cy="4381391"/>
+                  </a:xfrm>
+                  <a:prstGeom prst="straightConnector1">
+                    <a:avLst/>
+                  </a:prstGeom>
+                  <a:ln>
+                    <a:tailEnd type="triangle"/>
+                  </a:ln>
+                </p:spPr>
+                <p:style>
+                  <a:lnRef idx="3">
+                    <a:schemeClr val="dk1"/>
+                  </a:lnRef>
+                  <a:fillRef idx="0">
+                    <a:schemeClr val="dk1"/>
+                  </a:fillRef>
+                  <a:effectRef idx="2">
+                    <a:schemeClr val="dk1"/>
+                  </a:effectRef>
+                  <a:fontRef idx="minor">
+                    <a:schemeClr val="tx1"/>
+                  </a:fontRef>
+                </p:style>
+              </p:cxnSp>
+              <p:cxnSp>
+                <p:nvCxnSpPr>
+                  <p:cNvPr id="56" name="Straight Arrow Connector 55">
+                    <a:extLst>
+                      <a:ext uri="{FF2B5EF4-FFF2-40B4-BE49-F238E27FC236}">
+                        <a16:creationId xmlns:a16="http://schemas.microsoft.com/office/drawing/2014/main" id="{1B734540-E0BD-594D-B94B-FA307A518E97}"/>
+                      </a:ext>
+                    </a:extLst>
+                  </p:cNvPr>
+                  <p:cNvCxnSpPr>
+                    <a:cxnSpLocks/>
+                  </p:cNvCxnSpPr>
+                  <p:nvPr/>
+                </p:nvCxnSpPr>
+                <p:spPr>
+                  <a:xfrm>
+                    <a:off x="3689345" y="4770913"/>
+                    <a:ext cx="5077383" cy="1"/>
+                  </a:xfrm>
+                  <a:prstGeom prst="straightConnector1">
+                    <a:avLst/>
+                  </a:prstGeom>
+                  <a:ln>
+                    <a:tailEnd type="triangle"/>
+                  </a:ln>
+                </p:spPr>
+                <p:style>
+                  <a:lnRef idx="3">
+                    <a:schemeClr val="dk1"/>
+                  </a:lnRef>
+                  <a:fillRef idx="0">
+                    <a:schemeClr val="dk1"/>
+                  </a:fillRef>
+                  <a:effectRef idx="2">
+                    <a:schemeClr val="dk1"/>
+                  </a:effectRef>
+                  <a:fontRef idx="minor">
+                    <a:schemeClr val="tx1"/>
+                  </a:fontRef>
+                </p:style>
+              </p:cxnSp>
+            </p:grpSp>
+            <p:sp>
+              <p:nvSpPr>
+                <p:cNvPr id="13" name="Freeform 12">
+                  <a:extLst>
+                    <a:ext uri="{FF2B5EF4-FFF2-40B4-BE49-F238E27FC236}">
+                      <a16:creationId xmlns:a16="http://schemas.microsoft.com/office/drawing/2014/main" id="{914CBA99-D724-DE43-83EB-79F465C3282A}"/>
+                    </a:ext>
+                  </a:extLst>
+                </p:cNvPr>
+                <p:cNvSpPr/>
+                <p:nvPr/>
+              </p:nvSpPr>
+              <p:spPr>
+                <a:xfrm>
+                  <a:off x="2940388" y="846347"/>
+                  <a:ext cx="5057049" cy="4612070"/>
+                </a:xfrm>
+                <a:custGeom>
+                  <a:avLst/>
+                  <a:gdLst>
+                    <a:gd name="connsiteX0" fmla="*/ 0 w 5038165"/>
+                    <a:gd name="connsiteY0" fmla="*/ 4087905 h 4087905"/>
+                    <a:gd name="connsiteX1" fmla="*/ 5038165 w 5038165"/>
+                    <a:gd name="connsiteY1" fmla="*/ 4087905 h 4087905"/>
+                    <a:gd name="connsiteX2" fmla="*/ 5038165 w 5038165"/>
+                    <a:gd name="connsiteY2" fmla="*/ 0 h 4087905"/>
+                    <a:gd name="connsiteX3" fmla="*/ 0 w 5038165"/>
+                    <a:gd name="connsiteY3" fmla="*/ 4087905 h 4087905"/>
+                    <a:gd name="connsiteX0" fmla="*/ 0 w 5038165"/>
+                    <a:gd name="connsiteY0" fmla="*/ 4087905 h 4087905"/>
+                    <a:gd name="connsiteX1" fmla="*/ 5038165 w 5038165"/>
+                    <a:gd name="connsiteY1" fmla="*/ 4087905 h 4087905"/>
+                    <a:gd name="connsiteX2" fmla="*/ 5038165 w 5038165"/>
+                    <a:gd name="connsiteY2" fmla="*/ 0 h 4087905"/>
+                    <a:gd name="connsiteX3" fmla="*/ 466165 w 5038165"/>
+                    <a:gd name="connsiteY3" fmla="*/ 1272988 h 4087905"/>
+                    <a:gd name="connsiteX4" fmla="*/ 0 w 5038165"/>
+                    <a:gd name="connsiteY4" fmla="*/ 4087905 h 4087905"/>
+                    <a:gd name="connsiteX0" fmla="*/ 0 w 5038165"/>
+                    <a:gd name="connsiteY0" fmla="*/ 4326891 h 4326891"/>
+                    <a:gd name="connsiteX1" fmla="*/ 5038165 w 5038165"/>
+                    <a:gd name="connsiteY1" fmla="*/ 4326891 h 4326891"/>
+                    <a:gd name="connsiteX2" fmla="*/ 5038165 w 5038165"/>
+                    <a:gd name="connsiteY2" fmla="*/ 238986 h 4326891"/>
+                    <a:gd name="connsiteX3" fmla="*/ 1703294 w 5038165"/>
+                    <a:gd name="connsiteY3" fmla="*/ 507927 h 4326891"/>
+                    <a:gd name="connsiteX4" fmla="*/ 466165 w 5038165"/>
+                    <a:gd name="connsiteY4" fmla="*/ 1511974 h 4326891"/>
+                    <a:gd name="connsiteX5" fmla="*/ 0 w 5038165"/>
+                    <a:gd name="connsiteY5" fmla="*/ 4326891 h 4326891"/>
+                    <a:gd name="connsiteX0" fmla="*/ 0 w 5038165"/>
+                    <a:gd name="connsiteY0" fmla="*/ 4248216 h 4248216"/>
+                    <a:gd name="connsiteX1" fmla="*/ 5038165 w 5038165"/>
+                    <a:gd name="connsiteY1" fmla="*/ 4248216 h 4248216"/>
+                    <a:gd name="connsiteX2" fmla="*/ 5038165 w 5038165"/>
+                    <a:gd name="connsiteY2" fmla="*/ 160311 h 4248216"/>
+                    <a:gd name="connsiteX3" fmla="*/ 1775012 w 5038165"/>
+                    <a:gd name="connsiteY3" fmla="*/ 967134 h 4248216"/>
+                    <a:gd name="connsiteX4" fmla="*/ 466165 w 5038165"/>
+                    <a:gd name="connsiteY4" fmla="*/ 1433299 h 4248216"/>
+                    <a:gd name="connsiteX5" fmla="*/ 0 w 5038165"/>
+                    <a:gd name="connsiteY5" fmla="*/ 4248216 h 4248216"/>
+                    <a:gd name="connsiteX0" fmla="*/ 0 w 5038165"/>
+                    <a:gd name="connsiteY0" fmla="*/ 4248216 h 4248216"/>
+                    <a:gd name="connsiteX1" fmla="*/ 5038165 w 5038165"/>
+                    <a:gd name="connsiteY1" fmla="*/ 4248216 h 4248216"/>
+                    <a:gd name="connsiteX2" fmla="*/ 5038165 w 5038165"/>
+                    <a:gd name="connsiteY2" fmla="*/ 160311 h 4248216"/>
+                    <a:gd name="connsiteX3" fmla="*/ 1775012 w 5038165"/>
+                    <a:gd name="connsiteY3" fmla="*/ 967134 h 4248216"/>
+                    <a:gd name="connsiteX4" fmla="*/ 627530 w 5038165"/>
+                    <a:gd name="connsiteY4" fmla="*/ 1953252 h 4248216"/>
+                    <a:gd name="connsiteX5" fmla="*/ 0 w 5038165"/>
+                    <a:gd name="connsiteY5" fmla="*/ 4248216 h 4248216"/>
+                    <a:gd name="connsiteX0" fmla="*/ 0 w 5038165"/>
+                    <a:gd name="connsiteY0" fmla="*/ 4265955 h 4265955"/>
+                    <a:gd name="connsiteX1" fmla="*/ 5038165 w 5038165"/>
+                    <a:gd name="connsiteY1" fmla="*/ 4265955 h 4265955"/>
+                    <a:gd name="connsiteX2" fmla="*/ 5038165 w 5038165"/>
+                    <a:gd name="connsiteY2" fmla="*/ 178050 h 4265955"/>
+                    <a:gd name="connsiteX3" fmla="*/ 1703295 w 5038165"/>
+                    <a:gd name="connsiteY3" fmla="*/ 823508 h 4265955"/>
+                    <a:gd name="connsiteX4" fmla="*/ 627530 w 5038165"/>
+                    <a:gd name="connsiteY4" fmla="*/ 1970991 h 4265955"/>
+                    <a:gd name="connsiteX5" fmla="*/ 0 w 5038165"/>
+                    <a:gd name="connsiteY5" fmla="*/ 4265955 h 4265955"/>
+                    <a:gd name="connsiteX0" fmla="*/ 0 w 5038165"/>
+                    <a:gd name="connsiteY0" fmla="*/ 4265955 h 4265955"/>
+                    <a:gd name="connsiteX1" fmla="*/ 5038165 w 5038165"/>
+                    <a:gd name="connsiteY1" fmla="*/ 4265955 h 4265955"/>
+                    <a:gd name="connsiteX2" fmla="*/ 5038165 w 5038165"/>
+                    <a:gd name="connsiteY2" fmla="*/ 178050 h 4265955"/>
+                    <a:gd name="connsiteX3" fmla="*/ 1703295 w 5038165"/>
+                    <a:gd name="connsiteY3" fmla="*/ 823508 h 4265955"/>
+                    <a:gd name="connsiteX4" fmla="*/ 161365 w 5038165"/>
+                    <a:gd name="connsiteY4" fmla="*/ 1935132 h 4265955"/>
+                    <a:gd name="connsiteX5" fmla="*/ 0 w 5038165"/>
+                    <a:gd name="connsiteY5" fmla="*/ 4265955 h 4265955"/>
+                    <a:gd name="connsiteX0" fmla="*/ 0 w 5050865"/>
+                    <a:gd name="connsiteY0" fmla="*/ 4232616 h 4232616"/>
+                    <a:gd name="connsiteX1" fmla="*/ 5038165 w 5050865"/>
+                    <a:gd name="connsiteY1" fmla="*/ 4232616 h 4232616"/>
+                    <a:gd name="connsiteX2" fmla="*/ 5050865 w 5050865"/>
+                    <a:gd name="connsiteY2" fmla="*/ 182811 h 4232616"/>
+                    <a:gd name="connsiteX3" fmla="*/ 1703295 w 5050865"/>
+                    <a:gd name="connsiteY3" fmla="*/ 790169 h 4232616"/>
+                    <a:gd name="connsiteX4" fmla="*/ 161365 w 5050865"/>
+                    <a:gd name="connsiteY4" fmla="*/ 1901793 h 4232616"/>
+                    <a:gd name="connsiteX5" fmla="*/ 0 w 5050865"/>
+                    <a:gd name="connsiteY5" fmla="*/ 4232616 h 4232616"/>
+                    <a:gd name="connsiteX0" fmla="*/ 0 w 5050865"/>
+                    <a:gd name="connsiteY0" fmla="*/ 4615225 h 4615225"/>
+                    <a:gd name="connsiteX1" fmla="*/ 5038165 w 5050865"/>
+                    <a:gd name="connsiteY1" fmla="*/ 4615225 h 4615225"/>
+                    <a:gd name="connsiteX2" fmla="*/ 5050865 w 5050865"/>
+                    <a:gd name="connsiteY2" fmla="*/ 565420 h 4615225"/>
+                    <a:gd name="connsiteX3" fmla="*/ 4640754 w 5050865"/>
+                    <a:gd name="connsiteY3" fmla="*/ 75000 h 4615225"/>
+                    <a:gd name="connsiteX4" fmla="*/ 1703295 w 5050865"/>
+                    <a:gd name="connsiteY4" fmla="*/ 1172778 h 4615225"/>
+                    <a:gd name="connsiteX5" fmla="*/ 161365 w 5050865"/>
+                    <a:gd name="connsiteY5" fmla="*/ 2284402 h 4615225"/>
+                    <a:gd name="connsiteX6" fmla="*/ 0 w 5050865"/>
+                    <a:gd name="connsiteY6" fmla="*/ 4615225 h 4615225"/>
+                    <a:gd name="connsiteX0" fmla="*/ 0 w 5050865"/>
+                    <a:gd name="connsiteY0" fmla="*/ 4615225 h 4615225"/>
+                    <a:gd name="connsiteX1" fmla="*/ 5038165 w 5050865"/>
+                    <a:gd name="connsiteY1" fmla="*/ 4615225 h 4615225"/>
+                    <a:gd name="connsiteX2" fmla="*/ 5050865 w 5050865"/>
+                    <a:gd name="connsiteY2" fmla="*/ 565420 h 4615225"/>
+                    <a:gd name="connsiteX3" fmla="*/ 4640754 w 5050865"/>
+                    <a:gd name="connsiteY3" fmla="*/ 75000 h 4615225"/>
+                    <a:gd name="connsiteX4" fmla="*/ 1703295 w 5050865"/>
+                    <a:gd name="connsiteY4" fmla="*/ 1172778 h 4615225"/>
+                    <a:gd name="connsiteX5" fmla="*/ 161365 w 5050865"/>
+                    <a:gd name="connsiteY5" fmla="*/ 2284402 h 4615225"/>
+                    <a:gd name="connsiteX6" fmla="*/ 0 w 5050865"/>
+                    <a:gd name="connsiteY6" fmla="*/ 4615225 h 4615225"/>
+                    <a:gd name="connsiteX0" fmla="*/ 0 w 5057049"/>
+                    <a:gd name="connsiteY0" fmla="*/ 4612070 h 4612070"/>
+                    <a:gd name="connsiteX1" fmla="*/ 5038165 w 5057049"/>
+                    <a:gd name="connsiteY1" fmla="*/ 4612070 h 4612070"/>
+                    <a:gd name="connsiteX2" fmla="*/ 5050865 w 5057049"/>
+                    <a:gd name="connsiteY2" fmla="*/ 562265 h 4612070"/>
+                    <a:gd name="connsiteX3" fmla="*/ 4640754 w 5057049"/>
+                    <a:gd name="connsiteY3" fmla="*/ 71845 h 4612070"/>
+                    <a:gd name="connsiteX4" fmla="*/ 1703295 w 5057049"/>
+                    <a:gd name="connsiteY4" fmla="*/ 1169623 h 4612070"/>
+                    <a:gd name="connsiteX5" fmla="*/ 161365 w 5057049"/>
+                    <a:gd name="connsiteY5" fmla="*/ 2281247 h 4612070"/>
+                    <a:gd name="connsiteX6" fmla="*/ 0 w 5057049"/>
+                    <a:gd name="connsiteY6" fmla="*/ 4612070 h 4612070"/>
+                  </a:gdLst>
+                  <a:ahLst/>
+                  <a:cxnLst>
+                    <a:cxn ang="0">
+                      <a:pos x="connsiteX0" y="connsiteY0"/>
+                    </a:cxn>
+                    <a:cxn ang="0">
+                      <a:pos x="connsiteX1" y="connsiteY1"/>
+                    </a:cxn>
+                    <a:cxn ang="0">
+                      <a:pos x="connsiteX2" y="connsiteY2"/>
+                    </a:cxn>
+                    <a:cxn ang="0">
+                      <a:pos x="connsiteX3" y="connsiteY3"/>
+                    </a:cxn>
+                    <a:cxn ang="0">
+                      <a:pos x="connsiteX4" y="connsiteY4"/>
+                    </a:cxn>
+                    <a:cxn ang="0">
+                      <a:pos x="connsiteX5" y="connsiteY5"/>
+                    </a:cxn>
+                    <a:cxn ang="0">
+                      <a:pos x="connsiteX6" y="connsiteY6"/>
+                    </a:cxn>
+                  </a:cxnLst>
+                  <a:rect l="l" t="t" r="r" b="b"/>
+                  <a:pathLst>
+                    <a:path w="5057049" h="4612070">
+                      <a:moveTo>
+                        <a:pt x="0" y="4612070"/>
+                      </a:moveTo>
+                      <a:lnTo>
+                        <a:pt x="5038165" y="4612070"/>
+                      </a:lnTo>
+                      <a:cubicBezTo>
+                        <a:pt x="5042398" y="3262135"/>
+                        <a:pt x="5046632" y="1912200"/>
+                        <a:pt x="5050865" y="562265"/>
+                      </a:cubicBezTo>
+                      <a:cubicBezTo>
+                        <a:pt x="5024847" y="-128823"/>
+                        <a:pt x="5198682" y="-29381"/>
+                        <a:pt x="4640754" y="71845"/>
+                      </a:cubicBezTo>
+                      <a:cubicBezTo>
+                        <a:pt x="4082826" y="173071"/>
+                        <a:pt x="2401177" y="854306"/>
+                        <a:pt x="1703295" y="1169623"/>
+                      </a:cubicBezTo>
+                      <a:cubicBezTo>
+                        <a:pt x="1005414" y="1484940"/>
+                        <a:pt x="657412" y="1698541"/>
+                        <a:pt x="161365" y="2281247"/>
+                      </a:cubicBezTo>
+                      <a:lnTo>
+                        <a:pt x="0" y="4612070"/>
+                      </a:lnTo>
+                      <a:close/>
+                    </a:path>
+                  </a:pathLst>
+                </a:custGeom>
+                <a:solidFill>
+                  <a:schemeClr val="accent3">
+                    <a:lumMod val="60000"/>
+                    <a:lumOff val="40000"/>
+                  </a:schemeClr>
+                </a:solidFill>
+                <a:ln>
+                  <a:solidFill>
+                    <a:schemeClr val="tx1"/>
+                  </a:solidFill>
+                </a:ln>
+              </p:spPr>
+              <p:style>
+                <a:lnRef idx="2">
+                  <a:schemeClr val="accent1">
+                    <a:shade val="50000"/>
+                  </a:schemeClr>
+                </a:lnRef>
+                <a:fillRef idx="1">
+                  <a:schemeClr val="accent1"/>
+                </a:fillRef>
+                <a:effectRef idx="0">
+                  <a:schemeClr val="accent1"/>
+                </a:effectRef>
+                <a:fontRef idx="minor">
+                  <a:schemeClr val="lt1"/>
+                </a:fontRef>
+              </p:style>
+              <p:txBody>
+                <a:bodyPr rtlCol="0" anchor="ctr"/>
+                <a:lstStyle/>
+                <a:p>
+                  <a:pPr algn="ctr"/>
+                  <a:endParaRPr lang="en-US"/>
+                </a:p>
+              </p:txBody>
+            </p:sp>
+            <p:cxnSp>
+              <p:nvCxnSpPr>
+                <p:cNvPr id="72" name="Straight Connector 71">
+                  <a:extLst>
+                    <a:ext uri="{FF2B5EF4-FFF2-40B4-BE49-F238E27FC236}">
+                      <a16:creationId xmlns:a16="http://schemas.microsoft.com/office/drawing/2014/main" id="{AFE1BF03-5DA1-B345-98A0-10CBDB2D8F6A}"/>
+                    </a:ext>
+                  </a:extLst>
+                </p:cNvPr>
+                <p:cNvCxnSpPr>
+                  <a:cxnSpLocks/>
+                </p:cNvCxnSpPr>
+                <p:nvPr/>
+              </p:nvCxnSpPr>
+              <p:spPr>
+                <a:xfrm flipV="1">
+                  <a:off x="2966972" y="846347"/>
+                  <a:ext cx="5025339" cy="4612070"/>
+                </a:xfrm>
+                <a:prstGeom prst="line">
+                  <a:avLst/>
+                </a:prstGeom>
+                <a:ln w="9525" cap="flat" cmpd="sng" algn="ctr">
+                  <a:solidFill>
+                    <a:srgbClr val="C00000"/>
+                  </a:solidFill>
+                  <a:prstDash val="dash"/>
+                  <a:round/>
+                  <a:headEnd type="none" w="med" len="med"/>
+                  <a:tailEnd type="none" w="med" len="med"/>
+                </a:ln>
+              </p:spPr>
+              <p:style>
+                <a:lnRef idx="0">
+                  <a:scrgbClr r="0" g="0" b="0"/>
+                </a:lnRef>
+                <a:fillRef idx="0">
+                  <a:scrgbClr r="0" g="0" b="0"/>
+                </a:fillRef>
+                <a:effectRef idx="0">
+                  <a:scrgbClr r="0" g="0" b="0"/>
+                </a:effectRef>
+                <a:fontRef idx="minor">
+                  <a:schemeClr val="tx1"/>
+                </a:fontRef>
+              </p:style>
+            </p:cxnSp>
+            <p:sp>
+              <p:nvSpPr>
+                <p:cNvPr id="16" name="Rectangle 15">
+                  <a:extLst>
+                    <a:ext uri="{FF2B5EF4-FFF2-40B4-BE49-F238E27FC236}">
+                      <a16:creationId xmlns:a16="http://schemas.microsoft.com/office/drawing/2014/main" id="{8946CC86-F9B2-234C-845B-E4138DB9F2E4}"/>
+                    </a:ext>
+                  </a:extLst>
+                </p:cNvPr>
+                <p:cNvSpPr/>
+                <p:nvPr/>
+              </p:nvSpPr>
+              <p:spPr>
+                <a:xfrm>
+                  <a:off x="2055112" y="2819018"/>
+                  <a:ext cx="753732" cy="461665"/>
+                </a:xfrm>
+                <a:prstGeom prst="rect">
+                  <a:avLst/>
+                </a:prstGeom>
+              </p:spPr>
+              <p:txBody>
+                <a:bodyPr wrap="none">
+                  <a:spAutoFit/>
+                </a:bodyPr>
+                <a:lstStyle/>
+                <a:p>
+                  <a:pPr algn="ctr"/>
+                  <a:r>
+                    <a:rPr lang="en-US" sz="2400" b="1" dirty="0">
+                      <a:latin typeface="Avenir Black" panose="02000503020000020003" pitchFamily="2" charset="0"/>
+                    </a:rPr>
+                    <a:t>TPR</a:t>
+                  </a:r>
+                </a:p>
+              </p:txBody>
+            </p:sp>
+            <p:sp>
+              <p:nvSpPr>
+                <p:cNvPr id="73" name="Rectangle 72">
+                  <a:extLst>
+                    <a:ext uri="{FF2B5EF4-FFF2-40B4-BE49-F238E27FC236}">
+                      <a16:creationId xmlns:a16="http://schemas.microsoft.com/office/drawing/2014/main" id="{83169528-161B-B94A-831A-068D5E0F5F65}"/>
+                    </a:ext>
+                  </a:extLst>
+                </p:cNvPr>
+                <p:cNvSpPr/>
+                <p:nvPr/>
+              </p:nvSpPr>
+              <p:spPr>
+                <a:xfrm>
+                  <a:off x="5080314" y="5509786"/>
+                  <a:ext cx="760144" cy="461665"/>
+                </a:xfrm>
+                <a:prstGeom prst="rect">
+                  <a:avLst/>
+                </a:prstGeom>
+              </p:spPr>
+              <p:txBody>
+                <a:bodyPr wrap="none">
+                  <a:spAutoFit/>
+                </a:bodyPr>
+                <a:lstStyle/>
+                <a:p>
+                  <a:pPr algn="ctr"/>
+                  <a:r>
+                    <a:rPr lang="en-US" sz="2400" b="1" dirty="0">
+                      <a:latin typeface="Avenir Black" panose="02000503020000020003" pitchFamily="2" charset="0"/>
+                    </a:rPr>
+                    <a:t>FPR</a:t>
+                  </a:r>
+                </a:p>
+              </p:txBody>
+            </p:sp>
+            <p:sp>
+              <p:nvSpPr>
+                <p:cNvPr id="87" name="Oval 86">
+                  <a:extLst>
+                    <a:ext uri="{FF2B5EF4-FFF2-40B4-BE49-F238E27FC236}">
+                      <a16:creationId xmlns:a16="http://schemas.microsoft.com/office/drawing/2014/main" id="{B2CAD2F6-6934-CB4A-A84F-DD66BF139C4A}"/>
+                    </a:ext>
+                  </a:extLst>
+                </p:cNvPr>
+                <p:cNvSpPr/>
+                <p:nvPr/>
+              </p:nvSpPr>
+              <p:spPr>
+                <a:xfrm>
+                  <a:off x="3023395" y="3049851"/>
+                  <a:ext cx="205061" cy="205061"/>
+                </a:xfrm>
+                <a:prstGeom prst="ellipse">
+                  <a:avLst/>
+                </a:prstGeom>
+                <a:solidFill>
+                  <a:schemeClr val="tx1"/>
+                </a:solidFill>
+                <a:ln>
+                  <a:solidFill>
+                    <a:schemeClr val="tx1"/>
+                  </a:solidFill>
+                </a:ln>
+              </p:spPr>
+              <p:style>
+                <a:lnRef idx="2">
+                  <a:schemeClr val="accent1">
+                    <a:shade val="50000"/>
+                  </a:schemeClr>
+                </a:lnRef>
+                <a:fillRef idx="1">
+                  <a:schemeClr val="accent1"/>
+                </a:fillRef>
+                <a:effectRef idx="0">
+                  <a:schemeClr val="accent1"/>
+                </a:effectRef>
+                <a:fontRef idx="minor">
+                  <a:schemeClr val="lt1"/>
+                </a:fontRef>
+              </p:style>
+              <p:txBody>
+                <a:bodyPr rtlCol="0" anchor="ctr"/>
+                <a:lstStyle/>
+                <a:p>
+                  <a:pPr algn="ctr"/>
+                  <a:endParaRPr lang="en-US">
+                    <a:solidFill>
+                      <a:schemeClr val="bg1"/>
+                    </a:solidFill>
+                  </a:endParaRPr>
+                </a:p>
+              </p:txBody>
+            </p:sp>
+            <p:sp>
+              <p:nvSpPr>
+                <p:cNvPr id="89" name="Oval 88">
+                  <a:extLst>
+                    <a:ext uri="{FF2B5EF4-FFF2-40B4-BE49-F238E27FC236}">
+                      <a16:creationId xmlns:a16="http://schemas.microsoft.com/office/drawing/2014/main" id="{E23DF5D1-B53C-5A43-8F67-95C2F23A508C}"/>
+                    </a:ext>
+                  </a:extLst>
+                </p:cNvPr>
+                <p:cNvSpPr/>
+                <p:nvPr/>
+              </p:nvSpPr>
+              <p:spPr>
+                <a:xfrm>
+                  <a:off x="3472738" y="2555656"/>
+                  <a:ext cx="205061" cy="205061"/>
+                </a:xfrm>
+                <a:prstGeom prst="ellipse">
+                  <a:avLst/>
+                </a:prstGeom>
+                <a:solidFill>
+                  <a:schemeClr val="tx1"/>
+                </a:solidFill>
+                <a:ln>
+                  <a:solidFill>
+                    <a:schemeClr val="tx1"/>
+                  </a:solidFill>
+                </a:ln>
+              </p:spPr>
+              <p:style>
+                <a:lnRef idx="2">
+                  <a:schemeClr val="accent1">
+                    <a:shade val="50000"/>
+                  </a:schemeClr>
+                </a:lnRef>
+                <a:fillRef idx="1">
+                  <a:schemeClr val="accent1"/>
+                </a:fillRef>
+                <a:effectRef idx="0">
+                  <a:schemeClr val="accent1"/>
+                </a:effectRef>
+                <a:fontRef idx="minor">
+                  <a:schemeClr val="lt1"/>
+                </a:fontRef>
+              </p:style>
+              <p:txBody>
+                <a:bodyPr rtlCol="0" anchor="ctr"/>
+                <a:lstStyle/>
+                <a:p>
+                  <a:pPr algn="ctr"/>
+                  <a:endParaRPr lang="en-US">
+                    <a:solidFill>
+                      <a:schemeClr val="bg1"/>
+                    </a:solidFill>
+                  </a:endParaRPr>
+                </a:p>
+              </p:txBody>
+            </p:sp>
+            <p:sp>
+              <p:nvSpPr>
+                <p:cNvPr id="90" name="Oval 89">
+                  <a:extLst>
+                    <a:ext uri="{FF2B5EF4-FFF2-40B4-BE49-F238E27FC236}">
+                      <a16:creationId xmlns:a16="http://schemas.microsoft.com/office/drawing/2014/main" id="{03B89C73-B745-6A48-8072-9B538657F112}"/>
+                    </a:ext>
+                  </a:extLst>
+                </p:cNvPr>
+                <p:cNvSpPr/>
+                <p:nvPr/>
+              </p:nvSpPr>
+              <p:spPr>
+                <a:xfrm>
+                  <a:off x="3982507" y="2166987"/>
+                  <a:ext cx="205061" cy="205061"/>
+                </a:xfrm>
+                <a:prstGeom prst="ellipse">
+                  <a:avLst/>
+                </a:prstGeom>
+                <a:solidFill>
+                  <a:schemeClr val="tx1"/>
+                </a:solidFill>
+                <a:ln>
+                  <a:solidFill>
+                    <a:schemeClr val="tx1"/>
+                  </a:solidFill>
+                </a:ln>
+              </p:spPr>
+              <p:style>
+                <a:lnRef idx="2">
+                  <a:schemeClr val="accent1">
+                    <a:shade val="50000"/>
+                  </a:schemeClr>
+                </a:lnRef>
+                <a:fillRef idx="1">
+                  <a:schemeClr val="accent1"/>
+                </a:fillRef>
+                <a:effectRef idx="0">
+                  <a:schemeClr val="accent1"/>
+                </a:effectRef>
+                <a:fontRef idx="minor">
+                  <a:schemeClr val="lt1"/>
+                </a:fontRef>
+              </p:style>
+              <p:txBody>
+                <a:bodyPr rtlCol="0" anchor="ctr"/>
+                <a:lstStyle/>
+                <a:p>
+                  <a:pPr algn="ctr"/>
+                  <a:endParaRPr lang="en-US">
+                    <a:solidFill>
+                      <a:schemeClr val="bg1"/>
+                    </a:solidFill>
+                  </a:endParaRPr>
+                </a:p>
+              </p:txBody>
+            </p:sp>
+            <p:sp>
+              <p:nvSpPr>
+                <p:cNvPr id="91" name="Oval 90">
+                  <a:extLst>
+                    <a:ext uri="{FF2B5EF4-FFF2-40B4-BE49-F238E27FC236}">
+                      <a16:creationId xmlns:a16="http://schemas.microsoft.com/office/drawing/2014/main" id="{2B712B29-80FF-0A41-AF2A-63E71831F323}"/>
+                    </a:ext>
+                  </a:extLst>
+                </p:cNvPr>
+                <p:cNvSpPr/>
+                <p:nvPr/>
+              </p:nvSpPr>
+              <p:spPr>
+                <a:xfrm>
+                  <a:off x="4620653" y="1858651"/>
+                  <a:ext cx="205061" cy="205061"/>
+                </a:xfrm>
+                <a:prstGeom prst="ellipse">
+                  <a:avLst/>
+                </a:prstGeom>
+                <a:solidFill>
+                  <a:schemeClr val="tx1"/>
+                </a:solidFill>
+                <a:ln>
+                  <a:solidFill>
+                    <a:schemeClr val="tx1"/>
+                  </a:solidFill>
+                </a:ln>
+              </p:spPr>
+              <p:style>
+                <a:lnRef idx="2">
+                  <a:schemeClr val="accent1">
+                    <a:shade val="50000"/>
+                  </a:schemeClr>
+                </a:lnRef>
+                <a:fillRef idx="1">
+                  <a:schemeClr val="accent1"/>
+                </a:fillRef>
+                <a:effectRef idx="0">
+                  <a:schemeClr val="accent1"/>
+                </a:effectRef>
+                <a:fontRef idx="minor">
+                  <a:schemeClr val="lt1"/>
+                </a:fontRef>
+              </p:style>
+              <p:txBody>
+                <a:bodyPr rtlCol="0" anchor="ctr"/>
+                <a:lstStyle/>
+                <a:p>
+                  <a:pPr algn="ctr"/>
+                  <a:endParaRPr lang="en-US">
+                    <a:solidFill>
+                      <a:schemeClr val="bg1"/>
+                    </a:solidFill>
+                  </a:endParaRPr>
+                </a:p>
+              </p:txBody>
+            </p:sp>
+            <p:sp>
+              <p:nvSpPr>
+                <p:cNvPr id="92" name="Oval 91">
+                  <a:extLst>
+                    <a:ext uri="{FF2B5EF4-FFF2-40B4-BE49-F238E27FC236}">
+                      <a16:creationId xmlns:a16="http://schemas.microsoft.com/office/drawing/2014/main" id="{A005D0A7-8C32-6349-9849-CE3B4B1E8DC4}"/>
+                    </a:ext>
+                  </a:extLst>
+                </p:cNvPr>
+                <p:cNvSpPr/>
+                <p:nvPr/>
+              </p:nvSpPr>
+              <p:spPr>
+                <a:xfrm>
+                  <a:off x="5278037" y="1563456"/>
+                  <a:ext cx="205061" cy="205061"/>
+                </a:xfrm>
+                <a:prstGeom prst="ellipse">
+                  <a:avLst/>
+                </a:prstGeom>
+                <a:solidFill>
+                  <a:schemeClr val="tx1"/>
+                </a:solidFill>
+                <a:ln>
+                  <a:solidFill>
+                    <a:schemeClr val="tx1"/>
+                  </a:solidFill>
+                </a:ln>
+              </p:spPr>
+              <p:style>
+                <a:lnRef idx="2">
+                  <a:schemeClr val="accent1">
+                    <a:shade val="50000"/>
+                  </a:schemeClr>
+                </a:lnRef>
+                <a:fillRef idx="1">
+                  <a:schemeClr val="accent1"/>
+                </a:fillRef>
+                <a:effectRef idx="0">
+                  <a:schemeClr val="accent1"/>
+                </a:effectRef>
+                <a:fontRef idx="minor">
+                  <a:schemeClr val="lt1"/>
+                </a:fontRef>
+              </p:style>
+              <p:txBody>
+                <a:bodyPr rtlCol="0" anchor="ctr"/>
+                <a:lstStyle/>
+                <a:p>
+                  <a:pPr algn="ctr"/>
+                  <a:endParaRPr lang="en-US">
+                    <a:solidFill>
+                      <a:schemeClr val="bg1"/>
+                    </a:solidFill>
+                  </a:endParaRPr>
+                </a:p>
+              </p:txBody>
+            </p:sp>
+            <p:sp>
+              <p:nvSpPr>
+                <p:cNvPr id="17" name="Rectangle 16">
+                  <a:extLst>
+                    <a:ext uri="{FF2B5EF4-FFF2-40B4-BE49-F238E27FC236}">
+                      <a16:creationId xmlns:a16="http://schemas.microsoft.com/office/drawing/2014/main" id="{D77A98EB-5C05-2E4F-9775-91927520C601}"/>
+                    </a:ext>
+                  </a:extLst>
+                </p:cNvPr>
+                <p:cNvSpPr/>
+                <p:nvPr/>
+              </p:nvSpPr>
+              <p:spPr>
+                <a:xfrm>
+                  <a:off x="5207936" y="4067511"/>
+                  <a:ext cx="851516" cy="461665"/>
+                </a:xfrm>
+                <a:prstGeom prst="rect">
+                  <a:avLst/>
+                </a:prstGeom>
+              </p:spPr>
+              <p:txBody>
+                <a:bodyPr wrap="none">
+                  <a:spAutoFit/>
+                </a:bodyPr>
+                <a:lstStyle/>
+                <a:p>
+                  <a:pPr algn="ctr"/>
+                  <a:r>
+                    <a:rPr lang="en-US" sz="2400" b="1" dirty="0">
+                      <a:latin typeface="Avenir Black" panose="02000503020000020003" pitchFamily="2" charset="0"/>
+                    </a:rPr>
+                    <a:t>AUC</a:t>
+                  </a:r>
+                </a:p>
+              </p:txBody>
+            </p:sp>
+            <p:sp>
+              <p:nvSpPr>
+                <p:cNvPr id="93" name="Oval 92">
+                  <a:extLst>
+                    <a:ext uri="{FF2B5EF4-FFF2-40B4-BE49-F238E27FC236}">
+                      <a16:creationId xmlns:a16="http://schemas.microsoft.com/office/drawing/2014/main" id="{00B02A6F-4590-F748-B514-23A1FE31A553}"/>
+                    </a:ext>
+                  </a:extLst>
+                </p:cNvPr>
+                <p:cNvSpPr/>
+                <p:nvPr/>
+              </p:nvSpPr>
+              <p:spPr>
+                <a:xfrm>
+                  <a:off x="2969783" y="3793678"/>
+                  <a:ext cx="205061" cy="205061"/>
+                </a:xfrm>
+                <a:prstGeom prst="ellipse">
+                  <a:avLst/>
+                </a:prstGeom>
+                <a:solidFill>
+                  <a:schemeClr val="tx1"/>
+                </a:solidFill>
+                <a:ln>
+                  <a:solidFill>
+                    <a:schemeClr val="tx1"/>
+                  </a:solidFill>
+                </a:ln>
+              </p:spPr>
+              <p:style>
+                <a:lnRef idx="2">
+                  <a:schemeClr val="accent1">
+                    <a:shade val="50000"/>
+                  </a:schemeClr>
+                </a:lnRef>
+                <a:fillRef idx="1">
+                  <a:schemeClr val="accent1"/>
+                </a:fillRef>
+                <a:effectRef idx="0">
+                  <a:schemeClr val="accent1"/>
+                </a:effectRef>
+                <a:fontRef idx="minor">
+                  <a:schemeClr val="lt1"/>
+                </a:fontRef>
+              </p:style>
+              <p:txBody>
+                <a:bodyPr rtlCol="0" anchor="ctr"/>
+                <a:lstStyle/>
+                <a:p>
+                  <a:pPr algn="ctr"/>
+                  <a:endParaRPr lang="en-US">
+                    <a:solidFill>
+                      <a:schemeClr val="bg1"/>
+                    </a:solidFill>
+                  </a:endParaRPr>
+                </a:p>
+              </p:txBody>
+            </p:sp>
+            <p:sp>
+              <p:nvSpPr>
+                <p:cNvPr id="94" name="Oval 93">
+                  <a:extLst>
+                    <a:ext uri="{FF2B5EF4-FFF2-40B4-BE49-F238E27FC236}">
+                      <a16:creationId xmlns:a16="http://schemas.microsoft.com/office/drawing/2014/main" id="{9944BD13-0A1D-6042-8B46-24C525A3DFDD}"/>
+                    </a:ext>
+                  </a:extLst>
+                </p:cNvPr>
+                <p:cNvSpPr/>
+                <p:nvPr/>
+              </p:nvSpPr>
+              <p:spPr>
+                <a:xfrm>
+                  <a:off x="5854391" y="1333456"/>
+                  <a:ext cx="205061" cy="205061"/>
+                </a:xfrm>
+                <a:prstGeom prst="ellipse">
+                  <a:avLst/>
+                </a:prstGeom>
+                <a:solidFill>
+                  <a:schemeClr val="tx1"/>
+                </a:solidFill>
+                <a:ln>
+                  <a:solidFill>
+                    <a:schemeClr val="tx1"/>
+                  </a:solidFill>
+                </a:ln>
+              </p:spPr>
+              <p:style>
+                <a:lnRef idx="2">
+                  <a:schemeClr val="accent1">
+                    <a:shade val="50000"/>
+                  </a:schemeClr>
+                </a:lnRef>
+                <a:fillRef idx="1">
+                  <a:schemeClr val="accent1"/>
+                </a:fillRef>
+                <a:effectRef idx="0">
+                  <a:schemeClr val="accent1"/>
+                </a:effectRef>
+                <a:fontRef idx="minor">
+                  <a:schemeClr val="lt1"/>
+                </a:fontRef>
+              </p:style>
+              <p:txBody>
+                <a:bodyPr rtlCol="0" anchor="ctr"/>
+                <a:lstStyle/>
+                <a:p>
+                  <a:pPr algn="ctr"/>
+                  <a:endParaRPr lang="en-US">
+                    <a:solidFill>
+                      <a:schemeClr val="bg1"/>
+                    </a:solidFill>
+                  </a:endParaRPr>
+                </a:p>
+              </p:txBody>
+            </p:sp>
+            <p:sp>
+              <p:nvSpPr>
+                <p:cNvPr id="95" name="Oval 94">
+                  <a:extLst>
+                    <a:ext uri="{FF2B5EF4-FFF2-40B4-BE49-F238E27FC236}">
+                      <a16:creationId xmlns:a16="http://schemas.microsoft.com/office/drawing/2014/main" id="{97361F80-A0C0-BA41-BC56-C7FF97F5E18C}"/>
+                    </a:ext>
+                  </a:extLst>
+                </p:cNvPr>
+                <p:cNvSpPr/>
+                <p:nvPr/>
+              </p:nvSpPr>
+              <p:spPr>
+                <a:xfrm>
+                  <a:off x="6477763" y="1128395"/>
+                  <a:ext cx="205061" cy="205061"/>
+                </a:xfrm>
+                <a:prstGeom prst="ellipse">
+                  <a:avLst/>
+                </a:prstGeom>
+                <a:solidFill>
+                  <a:schemeClr val="tx1"/>
+                </a:solidFill>
+                <a:ln>
+                  <a:solidFill>
+                    <a:schemeClr val="tx1"/>
+                  </a:solidFill>
+                </a:ln>
+              </p:spPr>
+              <p:style>
+                <a:lnRef idx="2">
+                  <a:schemeClr val="accent1">
+                    <a:shade val="50000"/>
+                  </a:schemeClr>
+                </a:lnRef>
+                <a:fillRef idx="1">
+                  <a:schemeClr val="accent1"/>
+                </a:fillRef>
+                <a:effectRef idx="0">
+                  <a:schemeClr val="accent1"/>
+                </a:effectRef>
+                <a:fontRef idx="minor">
+                  <a:schemeClr val="lt1"/>
+                </a:fontRef>
+              </p:style>
+              <p:txBody>
+                <a:bodyPr rtlCol="0" anchor="ctr"/>
+                <a:lstStyle/>
+                <a:p>
+                  <a:pPr algn="ctr"/>
+                  <a:endParaRPr lang="en-US">
+                    <a:solidFill>
+                      <a:schemeClr val="bg1"/>
+                    </a:solidFill>
+                  </a:endParaRPr>
+                </a:p>
+              </p:txBody>
+            </p:sp>
+            <p:cxnSp>
+              <p:nvCxnSpPr>
+                <p:cNvPr id="19" name="Straight Arrow Connector 18">
+                  <a:extLst>
+                    <a:ext uri="{FF2B5EF4-FFF2-40B4-BE49-F238E27FC236}">
+                      <a16:creationId xmlns:a16="http://schemas.microsoft.com/office/drawing/2014/main" id="{C74925DF-9F40-A14F-B826-823E230F6133}"/>
+                    </a:ext>
+                  </a:extLst>
+                </p:cNvPr>
+                <p:cNvCxnSpPr>
+                  <a:cxnSpLocks/>
+                </p:cNvCxnSpPr>
+                <p:nvPr/>
+              </p:nvCxnSpPr>
+              <p:spPr>
+                <a:xfrm>
+                  <a:off x="5822249" y="2868016"/>
+                  <a:ext cx="471401" cy="434346"/>
+                </a:xfrm>
+                <a:prstGeom prst="straightConnector1">
+                  <a:avLst/>
+                </a:prstGeom>
+                <a:ln>
+                  <a:solidFill>
+                    <a:schemeClr val="tx1"/>
+                  </a:solidFill>
+                  <a:tailEnd type="triangle"/>
+                </a:ln>
+              </p:spPr>
+              <p:style>
+                <a:lnRef idx="1">
+                  <a:schemeClr val="accent1"/>
+                </a:lnRef>
+                <a:fillRef idx="0">
+                  <a:schemeClr val="accent1"/>
+                </a:fillRef>
+                <a:effectRef idx="0">
+                  <a:schemeClr val="accent1"/>
+                </a:effectRef>
+                <a:fontRef idx="minor">
+                  <a:schemeClr val="tx1"/>
+                </a:fontRef>
+              </p:style>
+            </p:cxnSp>
+            <p:sp>
+              <p:nvSpPr>
+                <p:cNvPr id="20" name="Rectangle 19">
+                  <a:extLst>
+                    <a:ext uri="{FF2B5EF4-FFF2-40B4-BE49-F238E27FC236}">
+                      <a16:creationId xmlns:a16="http://schemas.microsoft.com/office/drawing/2014/main" id="{C5D393B7-92AD-E648-84ED-5DE87BE09922}"/>
+                    </a:ext>
+                  </a:extLst>
+                </p:cNvPr>
+                <p:cNvSpPr/>
+                <p:nvPr/>
+              </p:nvSpPr>
+              <p:spPr>
+                <a:xfrm>
+                  <a:off x="6167772" y="3031959"/>
+                  <a:ext cx="1238993" cy="646331"/>
+                </a:xfrm>
+                <a:prstGeom prst="rect">
+                  <a:avLst/>
+                </a:prstGeom>
+              </p:spPr>
+              <p:txBody>
+                <a:bodyPr wrap="none">
+                  <a:spAutoFit/>
+                </a:bodyPr>
+                <a:lstStyle/>
+                <a:p>
+                  <a:pPr lvl="0" algn="ctr">
+                    <a:defRPr/>
+                  </a:pPr>
+                  <a:r>
+                    <a:rPr lang="en-US" dirty="0">
+                      <a:latin typeface="Avenir Roman" panose="02000503020000020003" pitchFamily="2" charset="0"/>
+                    </a:rPr>
+                    <a:t>Random</a:t>
+                  </a:r>
+                </a:p>
+                <a:p>
+                  <a:pPr lvl="0" algn="ctr">
+                    <a:defRPr/>
+                  </a:pPr>
+                  <a:r>
+                    <a:rPr lang="en-US" dirty="0">
+                      <a:latin typeface="Avenir Roman" panose="02000503020000020003" pitchFamily="2" charset="0"/>
+                    </a:rPr>
+                    <a:t>Prediction</a:t>
+                  </a:r>
+                </a:p>
+              </p:txBody>
+            </p:sp>
+            <p:cxnSp>
+              <p:nvCxnSpPr>
+                <p:cNvPr id="96" name="Straight Arrow Connector 95">
+                  <a:extLst>
+                    <a:ext uri="{FF2B5EF4-FFF2-40B4-BE49-F238E27FC236}">
+                      <a16:creationId xmlns:a16="http://schemas.microsoft.com/office/drawing/2014/main" id="{D1A9B812-7D45-CA48-AE48-C0731366EC00}"/>
+                    </a:ext>
+                  </a:extLst>
+                </p:cNvPr>
+                <p:cNvCxnSpPr>
+                  <a:cxnSpLocks/>
+                </p:cNvCxnSpPr>
+                <p:nvPr/>
+              </p:nvCxnSpPr>
+              <p:spPr>
+                <a:xfrm flipH="1" flipV="1">
+                  <a:off x="6848766" y="673331"/>
+                  <a:ext cx="331174" cy="348874"/>
+                </a:xfrm>
+                <a:prstGeom prst="straightConnector1">
+                  <a:avLst/>
+                </a:prstGeom>
+                <a:ln>
+                  <a:solidFill>
+                    <a:schemeClr val="tx1"/>
+                  </a:solidFill>
+                  <a:tailEnd type="triangle"/>
+                </a:ln>
+              </p:spPr>
+              <p:style>
+                <a:lnRef idx="1">
+                  <a:schemeClr val="accent1"/>
+                </a:lnRef>
+                <a:fillRef idx="0">
+                  <a:schemeClr val="accent1"/>
+                </a:fillRef>
+                <a:effectRef idx="0">
+                  <a:schemeClr val="accent1"/>
+                </a:effectRef>
+                <a:fontRef idx="minor">
+                  <a:schemeClr val="tx1"/>
+                </a:fontRef>
+              </p:style>
+            </p:cxnSp>
+            <p:sp>
+              <p:nvSpPr>
+                <p:cNvPr id="97" name="Rectangle 96">
+                  <a:extLst>
+                    <a:ext uri="{FF2B5EF4-FFF2-40B4-BE49-F238E27FC236}">
+                      <a16:creationId xmlns:a16="http://schemas.microsoft.com/office/drawing/2014/main" id="{A3B02B77-4271-BC4A-90CD-20CA08EDE91D}"/>
+                    </a:ext>
+                  </a:extLst>
+                </p:cNvPr>
+                <p:cNvSpPr/>
+                <p:nvPr/>
+              </p:nvSpPr>
+              <p:spPr>
+                <a:xfrm>
+                  <a:off x="6328425" y="301475"/>
+                  <a:ext cx="851515" cy="461665"/>
+                </a:xfrm>
+                <a:prstGeom prst="rect">
+                  <a:avLst/>
+                </a:prstGeom>
+              </p:spPr>
+              <p:txBody>
+                <a:bodyPr wrap="none">
+                  <a:spAutoFit/>
+                </a:bodyPr>
+                <a:lstStyle/>
+                <a:p>
+                  <a:pPr algn="ctr"/>
+                  <a:r>
+                    <a:rPr lang="en-US" sz="2400" b="1" dirty="0">
+                      <a:latin typeface="Avenir Black" panose="02000503020000020003" pitchFamily="2" charset="0"/>
+                    </a:rPr>
+                    <a:t>ROC</a:t>
+                  </a:r>
+                </a:p>
+              </p:txBody>
+            </p:sp>
+          </p:grpSp>
+          <p:sp>
+            <p:nvSpPr>
+              <p:cNvPr id="103" name="Rectangle 102">
+                <a:extLst>
+                  <a:ext uri="{FF2B5EF4-FFF2-40B4-BE49-F238E27FC236}">
+                    <a16:creationId xmlns:a16="http://schemas.microsoft.com/office/drawing/2014/main" id="{799D95F3-F250-0A4A-BB62-4EBC1B7C7595}"/>
+                  </a:ext>
+                </a:extLst>
+              </p:cNvPr>
+              <p:cNvSpPr/>
               <p:nvPr/>
             </p:nvSpPr>
             <p:spPr>
               <a:xfrm>
-                <a:off x="4931092" y="1548140"/>
-                <a:ext cx="2939716" cy="894219"/>
+                <a:off x="1840894" y="1304329"/>
+                <a:ext cx="1161792" cy="646331"/>
               </a:xfrm>
               <a:prstGeom prst="rect">
                 <a:avLst/>
               </a:prstGeom>
-              <a:noFill/>
             </p:spPr>
             <p:txBody>
-              <a:bodyPr wrap="none" lIns="0" tIns="0" rIns="0" bIns="0" rtlCol="0">
+              <a:bodyPr wrap="none">
                 <a:spAutoFit/>
               </a:bodyPr>
               <a:lstStyle/>
               <a:p>
-                <a14:m>
-                  <m:oMathPara xmlns:m="http://schemas.openxmlformats.org/officeDocument/2006/math">
-                    <m:oMathParaPr>
-                      <m:jc m:val="centerGroup"/>
-                    </m:oMathParaPr>
-                    <m:oMath xmlns:m="http://schemas.openxmlformats.org/officeDocument/2006/math">
-                      <m:r>
-                        <a:rPr lang="en-US" sz="2400" b="0" i="1" smtClean="0">
-                          <a:latin typeface="Cambria Math" panose="02040503050406030204" pitchFamily="18" charset="0"/>
-                        </a:rPr>
-                        <m:t>𝑀𝐴𝐸</m:t>
-                      </m:r>
-                      <m:r>
-                        <a:rPr lang="en-US" sz="2400" b="0" i="1" smtClean="0">
-                          <a:latin typeface="Cambria Math" panose="02040503050406030204" pitchFamily="18" charset="0"/>
-                        </a:rPr>
-                        <m:t>= </m:t>
-                      </m:r>
-                      <m:f>
-                        <m:fPr>
-                          <m:ctrlPr>
-                            <a:rPr lang="en-US" sz="2400" b="0" i="1" smtClean="0">
-                              <a:latin typeface="Cambria Math" panose="02040503050406030204" pitchFamily="18" charset="0"/>
-                            </a:rPr>
-                          </m:ctrlPr>
-                        </m:fPr>
-                        <m:num>
-                          <m:r>
-                            <a:rPr lang="en-US" sz="2400" b="0" i="1" smtClean="0">
-                              <a:latin typeface="Cambria Math" panose="02040503050406030204" pitchFamily="18" charset="0"/>
-                            </a:rPr>
-                            <m:t>1</m:t>
-                          </m:r>
-                        </m:num>
-                        <m:den>
-                          <m:r>
-                            <a:rPr lang="en-US" sz="2400" b="0" i="1" smtClean="0">
-                              <a:latin typeface="Cambria Math" panose="02040503050406030204" pitchFamily="18" charset="0"/>
-                            </a:rPr>
-                            <m:t>𝑛</m:t>
-                          </m:r>
-                        </m:den>
-                      </m:f>
-                      <m:nary>
-                        <m:naryPr>
-                          <m:chr m:val="∑"/>
-                          <m:subHide m:val="on"/>
-                          <m:supHide m:val="on"/>
-                          <m:ctrlPr>
-                            <a:rPr lang="en-US" sz="2400" b="0" i="1" smtClean="0">
-                              <a:latin typeface="Cambria Math" panose="02040503050406030204" pitchFamily="18" charset="0"/>
-                            </a:rPr>
-                          </m:ctrlPr>
-                        </m:naryPr>
-                        <m:sub/>
-                        <m:sup/>
-                        <m:e>
-                          <m:r>
-                            <a:rPr lang="en-US" sz="2400" b="0" i="1" smtClean="0">
-                              <a:latin typeface="Cambria Math" panose="02040503050406030204" pitchFamily="18" charset="0"/>
-                            </a:rPr>
-                            <m:t>|</m:t>
-                          </m:r>
-                          <m:r>
-                            <a:rPr lang="en-US" sz="2400" b="0" i="1" smtClean="0">
-                              <a:latin typeface="Cambria Math" panose="02040503050406030204" pitchFamily="18" charset="0"/>
-                            </a:rPr>
-                            <m:t>𝑦</m:t>
-                          </m:r>
-                          <m:r>
-                            <a:rPr lang="en-US" sz="2400" b="0" i="1" smtClean="0">
-                              <a:latin typeface="Cambria Math" panose="02040503050406030204" pitchFamily="18" charset="0"/>
-                            </a:rPr>
-                            <m:t> − </m:t>
-                          </m:r>
-                          <m:acc>
-                            <m:accPr>
-                              <m:chr m:val="̂"/>
-                              <m:ctrlPr>
-                                <a:rPr lang="en-US" sz="2400" b="0" i="1" smtClean="0">
-                                  <a:latin typeface="Cambria Math" panose="02040503050406030204" pitchFamily="18" charset="0"/>
-                                </a:rPr>
-                              </m:ctrlPr>
-                            </m:accPr>
-                            <m:e>
-                              <m:r>
-                                <a:rPr lang="en-US" sz="2400" b="0" i="1" smtClean="0">
-                                  <a:latin typeface="Cambria Math" panose="02040503050406030204" pitchFamily="18" charset="0"/>
-                                </a:rPr>
-                                <m:t>𝑦</m:t>
-                              </m:r>
-                            </m:e>
-                          </m:acc>
-                          <m:r>
-                            <a:rPr lang="en-US" sz="2400" b="0" i="1" smtClean="0">
-                              <a:latin typeface="Cambria Math" panose="02040503050406030204" pitchFamily="18" charset="0"/>
-                            </a:rPr>
-                            <m:t>|</m:t>
-                          </m:r>
-                        </m:e>
-                      </m:nary>
-                    </m:oMath>
-                  </m:oMathPara>
-                </a14:m>
-                <a:endParaRPr lang="en-US" sz="2400" dirty="0"/>
+                <a:pPr lvl="0" algn="ctr">
+                  <a:defRPr/>
+                </a:pPr>
+                <a:r>
+                  <a:rPr lang="en-US" dirty="0">
+                    <a:latin typeface="Avenir Roman" panose="02000503020000020003" pitchFamily="2" charset="0"/>
+                  </a:rPr>
+                  <a:t>Decision</a:t>
+                </a:r>
               </a:p>
-            </p:txBody>
-          </p:sp>
-        </mc:Choice>
-        <mc:Fallback>
-          <p:sp>
-            <p:nvSpPr>
-              <p:cNvPr id="32" name="TextBox 31">
-                <a:extLst>
-                  <a:ext uri="{FF2B5EF4-FFF2-40B4-BE49-F238E27FC236}">
-                    <a16:creationId xmlns:a16="http://schemas.microsoft.com/office/drawing/2014/main" id="{6D87767D-EC41-D64E-BF08-10B9EB05E875}"/>
-                  </a:ext>
-                </a:extLst>
-              </p:cNvPr>
-              <p:cNvSpPr txBox="1">
-                <a:spLocks noRot="1" noChangeAspect="1" noMove="1" noResize="1" noEditPoints="1" noAdjustHandles="1" noChangeArrowheads="1" noChangeShapeType="1" noTextEdit="1"/>
-              </p:cNvSpPr>
-              <p:nvPr/>
-            </p:nvSpPr>
-            <p:spPr>
-              <a:xfrm>
-                <a:off x="4931092" y="1548140"/>
-                <a:ext cx="2939716" cy="894219"/>
-              </a:xfrm>
-              <a:prstGeom prst="rect">
-                <a:avLst/>
-              </a:prstGeom>
-              <a:blipFill>
-                <a:blip r:embed="rId3"/>
-                <a:stretch>
-                  <a:fillRect l="-1288" t="-149296" r="-3004" b="-204225"/>
-                </a:stretch>
-              </a:blipFill>
-            </p:spPr>
-            <p:txBody>
-              <a:bodyPr/>
-              <a:lstStyle/>
               <a:p>
+                <a:pPr lvl="0" algn="ctr">
+                  <a:defRPr/>
+                </a:pPr>
                 <a:r>
-                  <a:rPr lang="en-US">
-                    <a:noFill/>
+                  <a:rPr lang="en-US" dirty="0">
+                    <a:latin typeface="Avenir Roman" panose="02000503020000020003" pitchFamily="2" charset="0"/>
                   </a:rPr>
-                  <a:t> </a:t>
+                  <a:t>threshold</a:t>
                 </a:r>
               </a:p>
             </p:txBody>
           </p:sp>
-        </mc:Fallback>
-      </mc:AlternateContent>
-      <p:sp>
-        <p:nvSpPr>
-          <p:cNvPr id="33" name="Rectangle 32">
-            <a:extLst>
-              <a:ext uri="{FF2B5EF4-FFF2-40B4-BE49-F238E27FC236}">
-                <a16:creationId xmlns:a16="http://schemas.microsoft.com/office/drawing/2014/main" id="{345EEB74-5266-FA4F-BE2B-96CA4566DB1E}"/>
-              </a:ext>
-            </a:extLst>
-          </p:cNvPr>
-          <p:cNvSpPr/>
-          <p:nvPr/>
-        </p:nvSpPr>
-        <p:spPr>
-          <a:xfrm>
-            <a:off x="6851309" y="1784195"/>
-            <a:ext cx="223025" cy="383602"/>
-          </a:xfrm>
-          <a:prstGeom prst="rect">
-            <a:avLst/>
-          </a:prstGeom>
-          <a:noFill/>
-          <a:ln>
-            <a:solidFill>
-              <a:srgbClr val="C00000"/>
-            </a:solidFill>
-          </a:ln>
-        </p:spPr>
-        <p:style>
-          <a:lnRef idx="2">
-            <a:schemeClr val="dk1"/>
-          </a:lnRef>
-          <a:fillRef idx="1">
-            <a:schemeClr val="lt1"/>
-          </a:fillRef>
-          <a:effectRef idx="0">
-            <a:schemeClr val="dk1"/>
-          </a:effectRef>
-          <a:fontRef idx="minor">
-            <a:schemeClr val="dk1"/>
-          </a:fontRef>
-        </p:style>
-        <p:txBody>
-          <a:bodyPr rtlCol="0" anchor="ctr"/>
-          <a:lstStyle/>
-          <a:p>
-            <a:pPr algn="ctr"/>
-            <a:endParaRPr lang="en-US"/>
-          </a:p>
-        </p:txBody>
-      </p:sp>
-      <p:sp>
-        <p:nvSpPr>
-          <p:cNvPr id="34" name="Rectangle 33">
-            <a:extLst>
-              <a:ext uri="{FF2B5EF4-FFF2-40B4-BE49-F238E27FC236}">
-                <a16:creationId xmlns:a16="http://schemas.microsoft.com/office/drawing/2014/main" id="{F2D73EAE-56CF-7942-B3E2-8B95FD8E5ACD}"/>
-              </a:ext>
-            </a:extLst>
-          </p:cNvPr>
-          <p:cNvSpPr/>
-          <p:nvPr/>
-        </p:nvSpPr>
-        <p:spPr>
-          <a:xfrm>
-            <a:off x="7513797" y="1784195"/>
-            <a:ext cx="223025" cy="383602"/>
-          </a:xfrm>
-          <a:prstGeom prst="rect">
-            <a:avLst/>
-          </a:prstGeom>
-          <a:noFill/>
-          <a:ln>
-            <a:solidFill>
-              <a:srgbClr val="C00000"/>
-            </a:solidFill>
-          </a:ln>
-        </p:spPr>
-        <p:style>
-          <a:lnRef idx="2">
-            <a:schemeClr val="dk1"/>
-          </a:lnRef>
-          <a:fillRef idx="1">
-            <a:schemeClr val="lt1"/>
-          </a:fillRef>
-          <a:effectRef idx="0">
-            <a:schemeClr val="dk1"/>
-          </a:effectRef>
-          <a:fontRef idx="minor">
-            <a:schemeClr val="dk1"/>
-          </a:fontRef>
-        </p:style>
-        <p:txBody>
-          <a:bodyPr rtlCol="0" anchor="ctr"/>
-          <a:lstStyle/>
-          <a:p>
-            <a:pPr algn="ctr"/>
-            <a:endParaRPr lang="en-US"/>
-          </a:p>
-        </p:txBody>
-      </p:sp>
-      <p:cxnSp>
-        <p:nvCxnSpPr>
-          <p:cNvPr id="35" name="Straight Connector 34">
-            <a:extLst>
-              <a:ext uri="{FF2B5EF4-FFF2-40B4-BE49-F238E27FC236}">
-                <a16:creationId xmlns:a16="http://schemas.microsoft.com/office/drawing/2014/main" id="{4671380A-1663-2748-9253-7158D7A473CB}"/>
-              </a:ext>
-            </a:extLst>
-          </p:cNvPr>
-          <p:cNvCxnSpPr>
-            <a:cxnSpLocks/>
-          </p:cNvCxnSpPr>
-          <p:nvPr/>
-        </p:nvCxnSpPr>
-        <p:spPr>
-          <a:xfrm>
-            <a:off x="7625309" y="1405054"/>
-            <a:ext cx="0" cy="365534"/>
-          </a:xfrm>
-          <a:prstGeom prst="line">
-            <a:avLst/>
-          </a:prstGeom>
-          <a:ln w="9525" cap="flat" cmpd="sng" algn="ctr">
-            <a:solidFill>
-              <a:srgbClr val="C00000"/>
-            </a:solidFill>
-            <a:prstDash val="dash"/>
-            <a:round/>
-            <a:headEnd type="none" w="med" len="med"/>
-            <a:tailEnd type="none" w="med" len="med"/>
-          </a:ln>
-        </p:spPr>
-        <p:style>
-          <a:lnRef idx="0">
-            <a:scrgbClr r="0" g="0" b="0"/>
-          </a:lnRef>
-          <a:fillRef idx="0">
-            <a:scrgbClr r="0" g="0" b="0"/>
-          </a:fillRef>
-          <a:effectRef idx="0">
-            <a:scrgbClr r="0" g="0" b="0"/>
-          </a:effectRef>
-          <a:fontRef idx="minor">
-            <a:schemeClr val="tx1"/>
-          </a:fontRef>
-        </p:style>
-      </p:cxnSp>
-      <p:sp>
-        <p:nvSpPr>
-          <p:cNvPr id="38" name="Rectangle 37">
-            <a:extLst>
-              <a:ext uri="{FF2B5EF4-FFF2-40B4-BE49-F238E27FC236}">
-                <a16:creationId xmlns:a16="http://schemas.microsoft.com/office/drawing/2014/main" id="{1F85D955-9496-CD42-99AC-ACEAB3E2690D}"/>
-              </a:ext>
-            </a:extLst>
-          </p:cNvPr>
-          <p:cNvSpPr/>
-          <p:nvPr/>
-        </p:nvSpPr>
-        <p:spPr>
-          <a:xfrm>
-            <a:off x="7222368" y="933255"/>
-            <a:ext cx="959109" cy="523220"/>
-          </a:xfrm>
-          <a:prstGeom prst="rect">
-            <a:avLst/>
-          </a:prstGeom>
-        </p:spPr>
-        <p:txBody>
-          <a:bodyPr wrap="none">
-            <a:spAutoFit/>
-          </a:bodyPr>
-          <a:lstStyle/>
-          <a:p>
-            <a:pPr algn="ctr"/>
-            <a:r>
-              <a:rPr lang="en-US" sz="1400" dirty="0">
-                <a:solidFill>
-                  <a:srgbClr val="C00000"/>
-                </a:solidFill>
-                <a:latin typeface="Avenir Roman" panose="02000503020000020003" pitchFamily="2" charset="0"/>
-              </a:rPr>
-              <a:t>Predicted</a:t>
-            </a:r>
-          </a:p>
-          <a:p>
-            <a:pPr algn="ctr"/>
-            <a:r>
-              <a:rPr lang="en-US" sz="1400" dirty="0">
-                <a:solidFill>
-                  <a:srgbClr val="C00000"/>
-                </a:solidFill>
-                <a:latin typeface="Avenir Roman" panose="02000503020000020003" pitchFamily="2" charset="0"/>
-              </a:rPr>
-              <a:t>value</a:t>
-            </a:r>
-          </a:p>
-        </p:txBody>
-      </p:sp>
-      <p:cxnSp>
-        <p:nvCxnSpPr>
-          <p:cNvPr id="39" name="Straight Connector 38">
-            <a:extLst>
-              <a:ext uri="{FF2B5EF4-FFF2-40B4-BE49-F238E27FC236}">
-                <a16:creationId xmlns:a16="http://schemas.microsoft.com/office/drawing/2014/main" id="{A971AC2F-35C1-BD4F-8A07-3D55A3E30B70}"/>
-              </a:ext>
-            </a:extLst>
-          </p:cNvPr>
-          <p:cNvCxnSpPr>
-            <a:cxnSpLocks/>
-          </p:cNvCxnSpPr>
-          <p:nvPr/>
-        </p:nvCxnSpPr>
-        <p:spPr>
-          <a:xfrm>
-            <a:off x="6962821" y="2167797"/>
-            <a:ext cx="0" cy="365534"/>
-          </a:xfrm>
-          <a:prstGeom prst="line">
-            <a:avLst/>
-          </a:prstGeom>
-          <a:ln w="9525" cap="flat" cmpd="sng" algn="ctr">
-            <a:solidFill>
-              <a:srgbClr val="C00000"/>
-            </a:solidFill>
-            <a:prstDash val="dash"/>
-            <a:round/>
-            <a:headEnd type="none" w="med" len="med"/>
-            <a:tailEnd type="none" w="med" len="med"/>
-          </a:ln>
-        </p:spPr>
-        <p:style>
-          <a:lnRef idx="0">
-            <a:scrgbClr r="0" g="0" b="0"/>
-          </a:lnRef>
-          <a:fillRef idx="0">
-            <a:scrgbClr r="0" g="0" b="0"/>
-          </a:fillRef>
-          <a:effectRef idx="0">
-            <a:scrgbClr r="0" g="0" b="0"/>
-          </a:effectRef>
-          <a:fontRef idx="minor">
-            <a:schemeClr val="tx1"/>
-          </a:fontRef>
-        </p:style>
-      </p:cxnSp>
-      <p:sp>
-        <p:nvSpPr>
-          <p:cNvPr id="40" name="Rectangle 39">
-            <a:extLst>
-              <a:ext uri="{FF2B5EF4-FFF2-40B4-BE49-F238E27FC236}">
-                <a16:creationId xmlns:a16="http://schemas.microsoft.com/office/drawing/2014/main" id="{A2C9CFE0-5FD7-7343-86EF-AF4B20202398}"/>
-              </a:ext>
-            </a:extLst>
-          </p:cNvPr>
-          <p:cNvSpPr/>
-          <p:nvPr/>
-        </p:nvSpPr>
-        <p:spPr>
-          <a:xfrm>
-            <a:off x="6512425" y="2472547"/>
-            <a:ext cx="798617" cy="523220"/>
-          </a:xfrm>
-          <a:prstGeom prst="rect">
-            <a:avLst/>
-          </a:prstGeom>
-        </p:spPr>
-        <p:txBody>
-          <a:bodyPr wrap="none">
-            <a:spAutoFit/>
-          </a:bodyPr>
-          <a:lstStyle/>
-          <a:p>
-            <a:pPr algn="ctr"/>
-            <a:r>
-              <a:rPr lang="en-US" sz="1400" dirty="0">
-                <a:solidFill>
-                  <a:srgbClr val="C00000"/>
-                </a:solidFill>
-                <a:latin typeface="Avenir Roman" panose="02000503020000020003" pitchFamily="2" charset="0"/>
-              </a:rPr>
-              <a:t>Ground</a:t>
-            </a:r>
-          </a:p>
-          <a:p>
-            <a:pPr algn="ctr"/>
-            <a:r>
-              <a:rPr lang="en-US" sz="1400" dirty="0">
-                <a:solidFill>
-                  <a:srgbClr val="C00000"/>
-                </a:solidFill>
-                <a:latin typeface="Avenir Roman" panose="02000503020000020003" pitchFamily="2" charset="0"/>
-              </a:rPr>
-              <a:t>truth</a:t>
-            </a:r>
-          </a:p>
-        </p:txBody>
-      </p:sp>
-      <p:cxnSp>
-        <p:nvCxnSpPr>
-          <p:cNvPr id="41" name="Straight Connector 40">
-            <a:extLst>
-              <a:ext uri="{FF2B5EF4-FFF2-40B4-BE49-F238E27FC236}">
-                <a16:creationId xmlns:a16="http://schemas.microsoft.com/office/drawing/2014/main" id="{D7233F0F-6803-3343-ACE0-2260ADD0C4B0}"/>
-              </a:ext>
-            </a:extLst>
-          </p:cNvPr>
-          <p:cNvCxnSpPr>
-            <a:cxnSpLocks/>
-          </p:cNvCxnSpPr>
-          <p:nvPr/>
-        </p:nvCxnSpPr>
-        <p:spPr>
-          <a:xfrm>
-            <a:off x="6522089" y="1273708"/>
-            <a:ext cx="0" cy="365534"/>
-          </a:xfrm>
-          <a:prstGeom prst="line">
-            <a:avLst/>
-          </a:prstGeom>
-          <a:ln w="9525" cap="flat" cmpd="sng" algn="ctr">
-            <a:solidFill>
-              <a:srgbClr val="C00000"/>
-            </a:solidFill>
-            <a:prstDash val="dash"/>
-            <a:round/>
-            <a:headEnd type="none" w="med" len="med"/>
-            <a:tailEnd type="none" w="med" len="med"/>
-          </a:ln>
-        </p:spPr>
-        <p:style>
-          <a:lnRef idx="0">
-            <a:scrgbClr r="0" g="0" b="0"/>
-          </a:lnRef>
-          <a:fillRef idx="0">
-            <a:scrgbClr r="0" g="0" b="0"/>
-          </a:fillRef>
-          <a:effectRef idx="0">
-            <a:scrgbClr r="0" g="0" b="0"/>
-          </a:effectRef>
-          <a:fontRef idx="minor">
-            <a:schemeClr val="tx1"/>
-          </a:fontRef>
-        </p:style>
-      </p:cxnSp>
-      <p:sp>
-        <p:nvSpPr>
-          <p:cNvPr id="42" name="Rectangle 41">
-            <a:extLst>
-              <a:ext uri="{FF2B5EF4-FFF2-40B4-BE49-F238E27FC236}">
-                <a16:creationId xmlns:a16="http://schemas.microsoft.com/office/drawing/2014/main" id="{55379C56-553D-1340-A872-17B8779A9D3E}"/>
-              </a:ext>
-            </a:extLst>
-          </p:cNvPr>
-          <p:cNvSpPr/>
-          <p:nvPr/>
-        </p:nvSpPr>
-        <p:spPr>
-          <a:xfrm>
-            <a:off x="6147627" y="1020528"/>
-            <a:ext cx="748924" cy="307777"/>
-          </a:xfrm>
-          <a:prstGeom prst="rect">
-            <a:avLst/>
-          </a:prstGeom>
-        </p:spPr>
-        <p:txBody>
-          <a:bodyPr wrap="none">
-            <a:spAutoFit/>
-          </a:bodyPr>
-          <a:lstStyle/>
-          <a:p>
-            <a:pPr algn="ctr"/>
-            <a:r>
-              <a:rPr lang="en-US" sz="1400" dirty="0">
-                <a:solidFill>
-                  <a:srgbClr val="C00000"/>
-                </a:solidFill>
-                <a:latin typeface="Avenir Roman" panose="02000503020000020003" pitchFamily="2" charset="0"/>
-              </a:rPr>
-              <a:t>Sum of</a:t>
-            </a:r>
-          </a:p>
-        </p:txBody>
-      </p:sp>
-      <p:sp>
-        <p:nvSpPr>
-          <p:cNvPr id="43" name="Rectangle 42">
-            <a:extLst>
-              <a:ext uri="{FF2B5EF4-FFF2-40B4-BE49-F238E27FC236}">
-                <a16:creationId xmlns:a16="http://schemas.microsoft.com/office/drawing/2014/main" id="{4B5F45AB-66B3-C349-A6E9-E2FAB20F5E98}"/>
-              </a:ext>
-            </a:extLst>
-          </p:cNvPr>
-          <p:cNvSpPr/>
-          <p:nvPr/>
-        </p:nvSpPr>
-        <p:spPr>
-          <a:xfrm>
-            <a:off x="6055176" y="1547850"/>
-            <a:ext cx="239966" cy="774485"/>
-          </a:xfrm>
-          <a:prstGeom prst="rect">
-            <a:avLst/>
-          </a:prstGeom>
-          <a:noFill/>
-          <a:ln>
-            <a:solidFill>
-              <a:srgbClr val="C00000"/>
-            </a:solidFill>
-          </a:ln>
-        </p:spPr>
-        <p:style>
-          <a:lnRef idx="2">
-            <a:schemeClr val="dk1"/>
-          </a:lnRef>
-          <a:fillRef idx="1">
-            <a:schemeClr val="lt1"/>
-          </a:fillRef>
-          <a:effectRef idx="0">
-            <a:schemeClr val="dk1"/>
-          </a:effectRef>
-          <a:fontRef idx="minor">
-            <a:schemeClr val="dk1"/>
-          </a:fontRef>
-        </p:style>
-        <p:txBody>
-          <a:bodyPr rtlCol="0" anchor="ctr"/>
-          <a:lstStyle/>
-          <a:p>
-            <a:pPr algn="ctr"/>
-            <a:endParaRPr lang="en-US"/>
-          </a:p>
-        </p:txBody>
-      </p:sp>
-      <p:cxnSp>
-        <p:nvCxnSpPr>
-          <p:cNvPr id="44" name="Straight Connector 43">
-            <a:extLst>
-              <a:ext uri="{FF2B5EF4-FFF2-40B4-BE49-F238E27FC236}">
-                <a16:creationId xmlns:a16="http://schemas.microsoft.com/office/drawing/2014/main" id="{39616C06-CD2E-3043-B296-8CAEF3EFDCF4}"/>
-              </a:ext>
-            </a:extLst>
-          </p:cNvPr>
-          <p:cNvCxnSpPr>
-            <a:cxnSpLocks/>
-            <a:endCxn id="45" idx="0"/>
-          </p:cNvCxnSpPr>
-          <p:nvPr/>
-        </p:nvCxnSpPr>
-        <p:spPr>
-          <a:xfrm flipH="1">
-            <a:off x="5624817" y="2320352"/>
-            <a:ext cx="546936" cy="280809"/>
-          </a:xfrm>
-          <a:prstGeom prst="line">
-            <a:avLst/>
-          </a:prstGeom>
-          <a:ln w="9525" cap="flat" cmpd="sng" algn="ctr">
-            <a:solidFill>
-              <a:srgbClr val="C00000"/>
-            </a:solidFill>
-            <a:prstDash val="dash"/>
-            <a:round/>
-            <a:headEnd type="none" w="med" len="med"/>
-            <a:tailEnd type="none" w="med" len="med"/>
-          </a:ln>
-        </p:spPr>
-        <p:style>
-          <a:lnRef idx="0">
-            <a:scrgbClr r="0" g="0" b="0"/>
-          </a:lnRef>
-          <a:fillRef idx="0">
-            <a:scrgbClr r="0" g="0" b="0"/>
-          </a:fillRef>
-          <a:effectRef idx="0">
-            <a:scrgbClr r="0" g="0" b="0"/>
-          </a:effectRef>
-          <a:fontRef idx="minor">
-            <a:schemeClr val="tx1"/>
-          </a:fontRef>
-        </p:style>
-      </p:cxnSp>
-      <p:sp>
-        <p:nvSpPr>
-          <p:cNvPr id="45" name="Rectangle 44">
-            <a:extLst>
-              <a:ext uri="{FF2B5EF4-FFF2-40B4-BE49-F238E27FC236}">
-                <a16:creationId xmlns:a16="http://schemas.microsoft.com/office/drawing/2014/main" id="{8AFFBB61-0BFA-3143-831D-42EC8638D935}"/>
-              </a:ext>
-            </a:extLst>
-          </p:cNvPr>
-          <p:cNvSpPr/>
-          <p:nvPr/>
-        </p:nvSpPr>
-        <p:spPr>
-          <a:xfrm>
-            <a:off x="4974639" y="2601161"/>
-            <a:ext cx="1300356" cy="307777"/>
-          </a:xfrm>
-          <a:prstGeom prst="rect">
-            <a:avLst/>
-          </a:prstGeom>
-        </p:spPr>
-        <p:txBody>
-          <a:bodyPr wrap="none">
-            <a:spAutoFit/>
-          </a:bodyPr>
-          <a:lstStyle/>
-          <a:p>
-            <a:pPr algn="ctr"/>
-            <a:r>
-              <a:rPr lang="en-US" sz="1400" dirty="0">
-                <a:solidFill>
-                  <a:srgbClr val="C00000"/>
-                </a:solidFill>
-                <a:latin typeface="Avenir Roman" panose="02000503020000020003" pitchFamily="2" charset="0"/>
-              </a:rPr>
-              <a:t>Average of…</a:t>
-            </a:r>
-          </a:p>
-        </p:txBody>
-      </p:sp>
-      <p:sp>
-        <p:nvSpPr>
-          <p:cNvPr id="47" name="Rectangle 46">
-            <a:extLst>
-              <a:ext uri="{FF2B5EF4-FFF2-40B4-BE49-F238E27FC236}">
-                <a16:creationId xmlns:a16="http://schemas.microsoft.com/office/drawing/2014/main" id="{C831ECCD-0903-364C-9679-2C1DAAF6C182}"/>
-              </a:ext>
-            </a:extLst>
-          </p:cNvPr>
-          <p:cNvSpPr/>
-          <p:nvPr/>
-        </p:nvSpPr>
-        <p:spPr>
-          <a:xfrm>
-            <a:off x="6780806" y="1741972"/>
-            <a:ext cx="1090002" cy="490950"/>
-          </a:xfrm>
-          <a:prstGeom prst="rect">
-            <a:avLst/>
-          </a:prstGeom>
-          <a:noFill/>
-          <a:ln>
-            <a:solidFill>
-              <a:schemeClr val="accent1">
-                <a:lumMod val="50000"/>
-              </a:schemeClr>
-            </a:solidFill>
-          </a:ln>
-        </p:spPr>
-        <p:style>
-          <a:lnRef idx="2">
-            <a:schemeClr val="dk1"/>
-          </a:lnRef>
-          <a:fillRef idx="1">
-            <a:schemeClr val="lt1"/>
-          </a:fillRef>
-          <a:effectRef idx="0">
-            <a:schemeClr val="dk1"/>
-          </a:effectRef>
-          <a:fontRef idx="minor">
-            <a:schemeClr val="dk1"/>
-          </a:fontRef>
-        </p:style>
-        <p:txBody>
-          <a:bodyPr rtlCol="0" anchor="ctr"/>
-          <a:lstStyle/>
-          <a:p>
-            <a:pPr algn="ctr"/>
-            <a:endParaRPr lang="en-US">
+        </p:grpSp>
+        <p:cxnSp>
+          <p:nvCxnSpPr>
+            <p:cNvPr id="105" name="Straight Arrow Connector 104">
+              <a:extLst>
+                <a:ext uri="{FF2B5EF4-FFF2-40B4-BE49-F238E27FC236}">
+                  <a16:creationId xmlns:a16="http://schemas.microsoft.com/office/drawing/2014/main" id="{1645BA44-2867-994F-99EC-169177BEC464}"/>
+                </a:ext>
+              </a:extLst>
+            </p:cNvPr>
+            <p:cNvCxnSpPr>
+              <a:cxnSpLocks/>
+            </p:cNvCxnSpPr>
+            <p:nvPr/>
+          </p:nvCxnSpPr>
+          <p:spPr>
+            <a:xfrm flipH="1" flipV="1">
+              <a:off x="2611019" y="1886950"/>
+              <a:ext cx="331174" cy="348874"/>
+            </a:xfrm>
+            <a:prstGeom prst="straightConnector1">
+              <a:avLst/>
+            </a:prstGeom>
+            <a:ln>
               <a:solidFill>
-                <a:schemeClr val="accent1">
-                  <a:lumMod val="50000"/>
-                </a:schemeClr>
+                <a:schemeClr val="tx1"/>
               </a:solidFill>
-            </a:endParaRPr>
-          </a:p>
-        </p:txBody>
-      </p:sp>
-      <p:cxnSp>
-        <p:nvCxnSpPr>
-          <p:cNvPr id="48" name="Straight Connector 47">
-            <a:extLst>
-              <a:ext uri="{FF2B5EF4-FFF2-40B4-BE49-F238E27FC236}">
-                <a16:creationId xmlns:a16="http://schemas.microsoft.com/office/drawing/2014/main" id="{1856A8EF-F32A-694E-9611-F1F9A200AD08}"/>
-              </a:ext>
-            </a:extLst>
-          </p:cNvPr>
-          <p:cNvCxnSpPr>
-            <a:cxnSpLocks/>
-          </p:cNvCxnSpPr>
-          <p:nvPr/>
-        </p:nvCxnSpPr>
-        <p:spPr>
-          <a:xfrm flipH="1">
-            <a:off x="7840359" y="1975087"/>
-            <a:ext cx="492727" cy="0"/>
-          </a:xfrm>
-          <a:prstGeom prst="line">
-            <a:avLst/>
-          </a:prstGeom>
-          <a:ln w="9525" cap="flat" cmpd="sng" algn="ctr">
-            <a:solidFill>
-              <a:schemeClr val="accent1">
-                <a:lumMod val="50000"/>
-              </a:schemeClr>
-            </a:solidFill>
-            <a:prstDash val="dash"/>
-            <a:round/>
-            <a:headEnd type="none" w="med" len="med"/>
-            <a:tailEnd type="none" w="med" len="med"/>
-          </a:ln>
-        </p:spPr>
-        <p:style>
-          <a:lnRef idx="0">
-            <a:scrgbClr r="0" g="0" b="0"/>
-          </a:lnRef>
-          <a:fillRef idx="0">
-            <a:scrgbClr r="0" g="0" b="0"/>
-          </a:fillRef>
-          <a:effectRef idx="0">
-            <a:scrgbClr r="0" g="0" b="0"/>
-          </a:effectRef>
-          <a:fontRef idx="minor">
-            <a:schemeClr val="tx1"/>
-          </a:fontRef>
-        </p:style>
-      </p:cxnSp>
-      <p:sp>
-        <p:nvSpPr>
-          <p:cNvPr id="50" name="Rectangle 49">
-            <a:extLst>
-              <a:ext uri="{FF2B5EF4-FFF2-40B4-BE49-F238E27FC236}">
-                <a16:creationId xmlns:a16="http://schemas.microsoft.com/office/drawing/2014/main" id="{04F5F524-D940-FC4A-AA49-0D5F1552A266}"/>
-              </a:ext>
-            </a:extLst>
-          </p:cNvPr>
-          <p:cNvSpPr/>
-          <p:nvPr/>
-        </p:nvSpPr>
-        <p:spPr>
-          <a:xfrm>
-            <a:off x="8301167" y="1731978"/>
-            <a:ext cx="998992" cy="523220"/>
-          </a:xfrm>
-          <a:prstGeom prst="rect">
-            <a:avLst/>
-          </a:prstGeom>
-        </p:spPr>
-        <p:txBody>
-          <a:bodyPr wrap="none">
-            <a:spAutoFit/>
-          </a:bodyPr>
-          <a:lstStyle/>
-          <a:p>
-            <a:pPr algn="ctr"/>
-            <a:r>
-              <a:rPr lang="en-US" sz="1400" dirty="0">
-                <a:solidFill>
-                  <a:schemeClr val="accent1">
-                    <a:lumMod val="50000"/>
-                  </a:schemeClr>
-                </a:solidFill>
-                <a:latin typeface="Avenir Roman" panose="02000503020000020003" pitchFamily="2" charset="0"/>
-              </a:rPr>
-              <a:t>Absolute </a:t>
-            </a:r>
-          </a:p>
-          <a:p>
-            <a:pPr algn="ctr"/>
-            <a:r>
-              <a:rPr lang="en-US" sz="1400" dirty="0">
-                <a:solidFill>
-                  <a:schemeClr val="accent1">
-                    <a:lumMod val="50000"/>
-                  </a:schemeClr>
-                </a:solidFill>
-                <a:latin typeface="Avenir Roman" panose="02000503020000020003" pitchFamily="2" charset="0"/>
-              </a:rPr>
-              <a:t>value of…</a:t>
-            </a:r>
-          </a:p>
-        </p:txBody>
-      </p:sp>
+              <a:tailEnd type="triangle"/>
+            </a:ln>
+          </p:spPr>
+          <p:style>
+            <a:lnRef idx="1">
+              <a:schemeClr val="accent1"/>
+            </a:lnRef>
+            <a:fillRef idx="0">
+              <a:schemeClr val="accent1"/>
+            </a:fillRef>
+            <a:effectRef idx="0">
+              <a:schemeClr val="accent1"/>
+            </a:effectRef>
+            <a:fontRef idx="minor">
+              <a:schemeClr val="tx1"/>
+            </a:fontRef>
+          </p:style>
+        </p:cxnSp>
+      </p:grpSp>
     </p:spTree>
     <p:extLst>
       <p:ext uri="{BB962C8B-B14F-4D97-AF65-F5344CB8AC3E}">
-        <p14:creationId xmlns:p14="http://schemas.microsoft.com/office/powerpoint/2010/main" val="3230042615"/>
+        <p14:creationId xmlns:p14="http://schemas.microsoft.com/office/powerpoint/2010/main" val="1075450267"/>
       </p:ext>
     </p:extLst>
   </p:cSld>
@@ -10191,8 +10344,1553 @@
           </a:p>
         </p:txBody>
       </p:sp>
-      <mc:AlternateContent xmlns:mc="http://schemas.openxmlformats.org/markup-compatibility/2006">
-        <mc:Choice xmlns:a14="http://schemas.microsoft.com/office/drawing/2010/main" Requires="a14">
+      <p:cxnSp>
+        <p:nvCxnSpPr>
+          <p:cNvPr id="23" name="Straight Connector 22">
+            <a:extLst>
+              <a:ext uri="{FF2B5EF4-FFF2-40B4-BE49-F238E27FC236}">
+                <a16:creationId xmlns:a16="http://schemas.microsoft.com/office/drawing/2014/main" id="{1514F38D-96BF-7345-AEBB-831622B18B30}"/>
+              </a:ext>
+            </a:extLst>
+          </p:cNvPr>
+          <p:cNvCxnSpPr>
+            <a:cxnSpLocks/>
+            <a:endCxn id="19" idx="4"/>
+          </p:cNvCxnSpPr>
+          <p:nvPr/>
+        </p:nvCxnSpPr>
+        <p:spPr>
+          <a:xfrm>
+            <a:off x="7228566" y="3497593"/>
+            <a:ext cx="21324" cy="1410904"/>
+          </a:xfrm>
+          <a:prstGeom prst="line">
+            <a:avLst/>
+          </a:prstGeom>
+          <a:ln w="9525" cap="flat" cmpd="sng" algn="ctr">
+            <a:solidFill>
+              <a:srgbClr val="C00000"/>
+            </a:solidFill>
+            <a:prstDash val="dash"/>
+            <a:round/>
+            <a:headEnd type="none" w="med" len="med"/>
+            <a:tailEnd type="none" w="med" len="med"/>
+          </a:ln>
+        </p:spPr>
+        <p:style>
+          <a:lnRef idx="0">
+            <a:scrgbClr r="0" g="0" b="0"/>
+          </a:lnRef>
+          <a:fillRef idx="0">
+            <a:scrgbClr r="0" g="0" b="0"/>
+          </a:fillRef>
+          <a:effectRef idx="0">
+            <a:scrgbClr r="0" g="0" b="0"/>
+          </a:effectRef>
+          <a:fontRef idx="minor">
+            <a:schemeClr val="tx1"/>
+          </a:fontRef>
+        </p:style>
+      </p:cxnSp>
+      <p:cxnSp>
+        <p:nvCxnSpPr>
+          <p:cNvPr id="28" name="Straight Connector 27">
+            <a:extLst>
+              <a:ext uri="{FF2B5EF4-FFF2-40B4-BE49-F238E27FC236}">
+                <a16:creationId xmlns:a16="http://schemas.microsoft.com/office/drawing/2014/main" id="{C3EBD461-089B-254B-860B-E6F80875FE18}"/>
+              </a:ext>
+            </a:extLst>
+          </p:cNvPr>
+          <p:cNvCxnSpPr>
+            <a:cxnSpLocks/>
+          </p:cNvCxnSpPr>
+          <p:nvPr/>
+        </p:nvCxnSpPr>
+        <p:spPr>
+          <a:xfrm>
+            <a:off x="6403760" y="3497593"/>
+            <a:ext cx="10662" cy="705452"/>
+          </a:xfrm>
+          <a:prstGeom prst="line">
+            <a:avLst/>
+          </a:prstGeom>
+          <a:ln w="9525" cap="flat" cmpd="sng" algn="ctr">
+            <a:solidFill>
+              <a:srgbClr val="C00000"/>
+            </a:solidFill>
+            <a:prstDash val="dash"/>
+            <a:round/>
+            <a:headEnd type="none" w="med" len="med"/>
+            <a:tailEnd type="none" w="med" len="med"/>
+          </a:ln>
+        </p:spPr>
+        <p:style>
+          <a:lnRef idx="0">
+            <a:scrgbClr r="0" g="0" b="0"/>
+          </a:lnRef>
+          <a:fillRef idx="0">
+            <a:scrgbClr r="0" g="0" b="0"/>
+          </a:fillRef>
+          <a:effectRef idx="0">
+            <a:scrgbClr r="0" g="0" b="0"/>
+          </a:effectRef>
+          <a:fontRef idx="minor">
+            <a:schemeClr val="tx1"/>
+          </a:fontRef>
+        </p:style>
+      </p:cxnSp>
+      <p:sp>
+        <p:nvSpPr>
+          <p:cNvPr id="30" name="Rectangle 29">
+            <a:extLst>
+              <a:ext uri="{FF2B5EF4-FFF2-40B4-BE49-F238E27FC236}">
+                <a16:creationId xmlns:a16="http://schemas.microsoft.com/office/drawing/2014/main" id="{539CB11B-3E8E-B246-BE84-15D958007FAA}"/>
+              </a:ext>
+            </a:extLst>
+          </p:cNvPr>
+          <p:cNvSpPr/>
+          <p:nvPr/>
+        </p:nvSpPr>
+        <p:spPr>
+          <a:xfrm>
+            <a:off x="7289718" y="4115759"/>
+            <a:ext cx="705642" cy="369332"/>
+          </a:xfrm>
+          <a:prstGeom prst="rect">
+            <a:avLst/>
+          </a:prstGeom>
+        </p:spPr>
+        <p:txBody>
+          <a:bodyPr wrap="none">
+            <a:spAutoFit/>
+          </a:bodyPr>
+          <a:lstStyle/>
+          <a:p>
+            <a:r>
+              <a:rPr lang="en-US" b="1" dirty="0">
+                <a:solidFill>
+                  <a:srgbClr val="C00000"/>
+                </a:solidFill>
+                <a:latin typeface="Avenir Roman" panose="02000503020000020003" pitchFamily="2" charset="0"/>
+              </a:rPr>
+              <a:t>MAE</a:t>
+            </a:r>
+          </a:p>
+        </p:txBody>
+      </p:sp>
+      <mc:AlternateContent xmlns:mc="http://schemas.openxmlformats.org/markup-compatibility/2006" xmlns:a14="http://schemas.microsoft.com/office/drawing/2010/main">
+        <mc:Choice Requires="a14">
+          <p:sp>
+            <p:nvSpPr>
+              <p:cNvPr id="32" name="TextBox 31">
+                <a:extLst>
+                  <a:ext uri="{FF2B5EF4-FFF2-40B4-BE49-F238E27FC236}">
+                    <a16:creationId xmlns:a16="http://schemas.microsoft.com/office/drawing/2014/main" id="{6D87767D-EC41-D64E-BF08-10B9EB05E875}"/>
+                  </a:ext>
+                </a:extLst>
+              </p:cNvPr>
+              <p:cNvSpPr txBox="1"/>
+              <p:nvPr/>
+            </p:nvSpPr>
+            <p:spPr>
+              <a:xfrm>
+                <a:off x="4931092" y="1548140"/>
+                <a:ext cx="2939716" cy="894219"/>
+              </a:xfrm>
+              <a:prstGeom prst="rect">
+                <a:avLst/>
+              </a:prstGeom>
+              <a:noFill/>
+            </p:spPr>
+            <p:txBody>
+              <a:bodyPr wrap="none" lIns="0" tIns="0" rIns="0" bIns="0" rtlCol="0">
+                <a:spAutoFit/>
+              </a:bodyPr>
+              <a:lstStyle/>
+              <a:p>
+                <a:pPr/>
+                <a14:m>
+                  <m:oMathPara xmlns:m="http://schemas.openxmlformats.org/officeDocument/2006/math">
+                    <m:oMathParaPr>
+                      <m:jc m:val="centerGroup"/>
+                    </m:oMathParaPr>
+                    <m:oMath xmlns:m="http://schemas.openxmlformats.org/officeDocument/2006/math">
+                      <m:r>
+                        <a:rPr lang="en-US" sz="2400" b="0" i="1" smtClean="0">
+                          <a:latin typeface="Cambria Math" panose="02040503050406030204" pitchFamily="18" charset="0"/>
+                        </a:rPr>
+                        <m:t>𝑀𝐴𝐸</m:t>
+                      </m:r>
+                      <m:r>
+                        <a:rPr lang="en-US" sz="2400" b="0" i="1" smtClean="0">
+                          <a:latin typeface="Cambria Math" panose="02040503050406030204" pitchFamily="18" charset="0"/>
+                        </a:rPr>
+                        <m:t>= </m:t>
+                      </m:r>
+                      <m:f>
+                        <m:fPr>
+                          <m:ctrlPr>
+                            <a:rPr lang="en-US" sz="2400" b="0" i="1" smtClean="0">
+                              <a:latin typeface="Cambria Math" panose="02040503050406030204" pitchFamily="18" charset="0"/>
+                            </a:rPr>
+                          </m:ctrlPr>
+                        </m:fPr>
+                        <m:num>
+                          <m:r>
+                            <a:rPr lang="en-US" sz="2400" b="0" i="1" smtClean="0">
+                              <a:latin typeface="Cambria Math" panose="02040503050406030204" pitchFamily="18" charset="0"/>
+                            </a:rPr>
+                            <m:t>1</m:t>
+                          </m:r>
+                        </m:num>
+                        <m:den>
+                          <m:r>
+                            <a:rPr lang="en-US" sz="2400" b="0" i="1" smtClean="0">
+                              <a:latin typeface="Cambria Math" panose="02040503050406030204" pitchFamily="18" charset="0"/>
+                            </a:rPr>
+                            <m:t>𝑛</m:t>
+                          </m:r>
+                        </m:den>
+                      </m:f>
+                      <m:nary>
+                        <m:naryPr>
+                          <m:chr m:val="∑"/>
+                          <m:subHide m:val="on"/>
+                          <m:supHide m:val="on"/>
+                          <m:ctrlPr>
+                            <a:rPr lang="en-US" sz="2400" b="0" i="1" smtClean="0">
+                              <a:latin typeface="Cambria Math" panose="02040503050406030204" pitchFamily="18" charset="0"/>
+                            </a:rPr>
+                          </m:ctrlPr>
+                        </m:naryPr>
+                        <m:sub/>
+                        <m:sup/>
+                        <m:e>
+                          <m:r>
+                            <a:rPr lang="en-US" sz="2400" b="0" i="1" smtClean="0">
+                              <a:latin typeface="Cambria Math" panose="02040503050406030204" pitchFamily="18" charset="0"/>
+                            </a:rPr>
+                            <m:t>|</m:t>
+                          </m:r>
+                          <m:r>
+                            <a:rPr lang="en-US" sz="2400" b="0" i="1" smtClean="0">
+                              <a:latin typeface="Cambria Math" panose="02040503050406030204" pitchFamily="18" charset="0"/>
+                            </a:rPr>
+                            <m:t>𝑦</m:t>
+                          </m:r>
+                          <m:r>
+                            <a:rPr lang="en-US" sz="2400" b="0" i="1" smtClean="0">
+                              <a:latin typeface="Cambria Math" panose="02040503050406030204" pitchFamily="18" charset="0"/>
+                            </a:rPr>
+                            <m:t> − </m:t>
+                          </m:r>
+                          <m:acc>
+                            <m:accPr>
+                              <m:chr m:val="̂"/>
+                              <m:ctrlPr>
+                                <a:rPr lang="en-US" sz="2400" b="0" i="1" smtClean="0">
+                                  <a:latin typeface="Cambria Math" panose="02040503050406030204" pitchFamily="18" charset="0"/>
+                                </a:rPr>
+                              </m:ctrlPr>
+                            </m:accPr>
+                            <m:e>
+                              <m:r>
+                                <a:rPr lang="en-US" sz="2400" b="0" i="1" smtClean="0">
+                                  <a:latin typeface="Cambria Math" panose="02040503050406030204" pitchFamily="18" charset="0"/>
+                                </a:rPr>
+                                <m:t>𝑦</m:t>
+                              </m:r>
+                            </m:e>
+                          </m:acc>
+                          <m:r>
+                            <a:rPr lang="en-US" sz="2400" b="0" i="1" smtClean="0">
+                              <a:latin typeface="Cambria Math" panose="02040503050406030204" pitchFamily="18" charset="0"/>
+                            </a:rPr>
+                            <m:t>|</m:t>
+                          </m:r>
+                        </m:e>
+                      </m:nary>
+                    </m:oMath>
+                  </m:oMathPara>
+                </a14:m>
+                <a:endParaRPr lang="en-US" sz="2400" dirty="0"/>
+              </a:p>
+            </p:txBody>
+          </p:sp>
+        </mc:Choice>
+        <mc:Fallback xmlns="">
+          <p:sp>
+            <p:nvSpPr>
+              <p:cNvPr id="32" name="TextBox 31">
+                <a:extLst>
+                  <a:ext uri="{FF2B5EF4-FFF2-40B4-BE49-F238E27FC236}">
+                    <a16:creationId xmlns:a16="http://schemas.microsoft.com/office/drawing/2014/main" id="{6D87767D-EC41-D64E-BF08-10B9EB05E875}"/>
+                  </a:ext>
+                </a:extLst>
+              </p:cNvPr>
+              <p:cNvSpPr txBox="1">
+                <a:spLocks noRot="1" noChangeAspect="1" noMove="1" noResize="1" noEditPoints="1" noAdjustHandles="1" noChangeArrowheads="1" noChangeShapeType="1" noTextEdit="1"/>
+              </p:cNvSpPr>
+              <p:nvPr/>
+            </p:nvSpPr>
+            <p:spPr>
+              <a:xfrm>
+                <a:off x="4931092" y="1548140"/>
+                <a:ext cx="2939716" cy="894219"/>
+              </a:xfrm>
+              <a:prstGeom prst="rect">
+                <a:avLst/>
+              </a:prstGeom>
+              <a:blipFill>
+                <a:blip r:embed="rId3"/>
+                <a:stretch>
+                  <a:fillRect l="-1288" t="-149296" r="-3004" b="-204225"/>
+                </a:stretch>
+              </a:blipFill>
+            </p:spPr>
+            <p:txBody>
+              <a:bodyPr/>
+              <a:lstStyle/>
+              <a:p>
+                <a:r>
+                  <a:rPr lang="en-US">
+                    <a:noFill/>
+                  </a:rPr>
+                  <a:t> </a:t>
+                </a:r>
+              </a:p>
+            </p:txBody>
+          </p:sp>
+        </mc:Fallback>
+      </mc:AlternateContent>
+      <p:sp>
+        <p:nvSpPr>
+          <p:cNvPr id="33" name="Rectangle 32">
+            <a:extLst>
+              <a:ext uri="{FF2B5EF4-FFF2-40B4-BE49-F238E27FC236}">
+                <a16:creationId xmlns:a16="http://schemas.microsoft.com/office/drawing/2014/main" id="{345EEB74-5266-FA4F-BE2B-96CA4566DB1E}"/>
+              </a:ext>
+            </a:extLst>
+          </p:cNvPr>
+          <p:cNvSpPr/>
+          <p:nvPr/>
+        </p:nvSpPr>
+        <p:spPr>
+          <a:xfrm>
+            <a:off x="6851309" y="1784195"/>
+            <a:ext cx="223025" cy="383602"/>
+          </a:xfrm>
+          <a:prstGeom prst="rect">
+            <a:avLst/>
+          </a:prstGeom>
+          <a:noFill/>
+          <a:ln>
+            <a:solidFill>
+              <a:srgbClr val="C00000"/>
+            </a:solidFill>
+          </a:ln>
+        </p:spPr>
+        <p:style>
+          <a:lnRef idx="2">
+            <a:schemeClr val="dk1"/>
+          </a:lnRef>
+          <a:fillRef idx="1">
+            <a:schemeClr val="lt1"/>
+          </a:fillRef>
+          <a:effectRef idx="0">
+            <a:schemeClr val="dk1"/>
+          </a:effectRef>
+          <a:fontRef idx="minor">
+            <a:schemeClr val="dk1"/>
+          </a:fontRef>
+        </p:style>
+        <p:txBody>
+          <a:bodyPr rtlCol="0" anchor="ctr"/>
+          <a:lstStyle/>
+          <a:p>
+            <a:pPr algn="ctr"/>
+            <a:endParaRPr lang="en-US"/>
+          </a:p>
+        </p:txBody>
+      </p:sp>
+      <p:sp>
+        <p:nvSpPr>
+          <p:cNvPr id="34" name="Rectangle 33">
+            <a:extLst>
+              <a:ext uri="{FF2B5EF4-FFF2-40B4-BE49-F238E27FC236}">
+                <a16:creationId xmlns:a16="http://schemas.microsoft.com/office/drawing/2014/main" id="{F2D73EAE-56CF-7942-B3E2-8B95FD8E5ACD}"/>
+              </a:ext>
+            </a:extLst>
+          </p:cNvPr>
+          <p:cNvSpPr/>
+          <p:nvPr/>
+        </p:nvSpPr>
+        <p:spPr>
+          <a:xfrm>
+            <a:off x="7513797" y="1784195"/>
+            <a:ext cx="223025" cy="383602"/>
+          </a:xfrm>
+          <a:prstGeom prst="rect">
+            <a:avLst/>
+          </a:prstGeom>
+          <a:noFill/>
+          <a:ln>
+            <a:solidFill>
+              <a:srgbClr val="C00000"/>
+            </a:solidFill>
+          </a:ln>
+        </p:spPr>
+        <p:style>
+          <a:lnRef idx="2">
+            <a:schemeClr val="dk1"/>
+          </a:lnRef>
+          <a:fillRef idx="1">
+            <a:schemeClr val="lt1"/>
+          </a:fillRef>
+          <a:effectRef idx="0">
+            <a:schemeClr val="dk1"/>
+          </a:effectRef>
+          <a:fontRef idx="minor">
+            <a:schemeClr val="dk1"/>
+          </a:fontRef>
+        </p:style>
+        <p:txBody>
+          <a:bodyPr rtlCol="0" anchor="ctr"/>
+          <a:lstStyle/>
+          <a:p>
+            <a:pPr algn="ctr"/>
+            <a:endParaRPr lang="en-US"/>
+          </a:p>
+        </p:txBody>
+      </p:sp>
+      <p:cxnSp>
+        <p:nvCxnSpPr>
+          <p:cNvPr id="35" name="Straight Connector 34">
+            <a:extLst>
+              <a:ext uri="{FF2B5EF4-FFF2-40B4-BE49-F238E27FC236}">
+                <a16:creationId xmlns:a16="http://schemas.microsoft.com/office/drawing/2014/main" id="{4671380A-1663-2748-9253-7158D7A473CB}"/>
+              </a:ext>
+            </a:extLst>
+          </p:cNvPr>
+          <p:cNvCxnSpPr>
+            <a:cxnSpLocks/>
+          </p:cNvCxnSpPr>
+          <p:nvPr/>
+        </p:nvCxnSpPr>
+        <p:spPr>
+          <a:xfrm>
+            <a:off x="7625309" y="1405054"/>
+            <a:ext cx="0" cy="365534"/>
+          </a:xfrm>
+          <a:prstGeom prst="line">
+            <a:avLst/>
+          </a:prstGeom>
+          <a:ln w="9525" cap="flat" cmpd="sng" algn="ctr">
+            <a:solidFill>
+              <a:srgbClr val="C00000"/>
+            </a:solidFill>
+            <a:prstDash val="dash"/>
+            <a:round/>
+            <a:headEnd type="none" w="med" len="med"/>
+            <a:tailEnd type="none" w="med" len="med"/>
+          </a:ln>
+        </p:spPr>
+        <p:style>
+          <a:lnRef idx="0">
+            <a:scrgbClr r="0" g="0" b="0"/>
+          </a:lnRef>
+          <a:fillRef idx="0">
+            <a:scrgbClr r="0" g="0" b="0"/>
+          </a:fillRef>
+          <a:effectRef idx="0">
+            <a:scrgbClr r="0" g="0" b="0"/>
+          </a:effectRef>
+          <a:fontRef idx="minor">
+            <a:schemeClr val="tx1"/>
+          </a:fontRef>
+        </p:style>
+      </p:cxnSp>
+      <p:sp>
+        <p:nvSpPr>
+          <p:cNvPr id="38" name="Rectangle 37">
+            <a:extLst>
+              <a:ext uri="{FF2B5EF4-FFF2-40B4-BE49-F238E27FC236}">
+                <a16:creationId xmlns:a16="http://schemas.microsoft.com/office/drawing/2014/main" id="{1F85D955-9496-CD42-99AC-ACEAB3E2690D}"/>
+              </a:ext>
+            </a:extLst>
+          </p:cNvPr>
+          <p:cNvSpPr/>
+          <p:nvPr/>
+        </p:nvSpPr>
+        <p:spPr>
+          <a:xfrm>
+            <a:off x="7222368" y="933255"/>
+            <a:ext cx="959109" cy="523220"/>
+          </a:xfrm>
+          <a:prstGeom prst="rect">
+            <a:avLst/>
+          </a:prstGeom>
+        </p:spPr>
+        <p:txBody>
+          <a:bodyPr wrap="none">
+            <a:spAutoFit/>
+          </a:bodyPr>
+          <a:lstStyle/>
+          <a:p>
+            <a:pPr algn="ctr"/>
+            <a:r>
+              <a:rPr lang="en-US" sz="1400" dirty="0">
+                <a:solidFill>
+                  <a:srgbClr val="C00000"/>
+                </a:solidFill>
+                <a:latin typeface="Avenir Roman" panose="02000503020000020003" pitchFamily="2" charset="0"/>
+              </a:rPr>
+              <a:t>Predicted</a:t>
+            </a:r>
+          </a:p>
+          <a:p>
+            <a:pPr algn="ctr"/>
+            <a:r>
+              <a:rPr lang="en-US" sz="1400" dirty="0">
+                <a:solidFill>
+                  <a:srgbClr val="C00000"/>
+                </a:solidFill>
+                <a:latin typeface="Avenir Roman" panose="02000503020000020003" pitchFamily="2" charset="0"/>
+              </a:rPr>
+              <a:t>value</a:t>
+            </a:r>
+          </a:p>
+        </p:txBody>
+      </p:sp>
+      <p:cxnSp>
+        <p:nvCxnSpPr>
+          <p:cNvPr id="39" name="Straight Connector 38">
+            <a:extLst>
+              <a:ext uri="{FF2B5EF4-FFF2-40B4-BE49-F238E27FC236}">
+                <a16:creationId xmlns:a16="http://schemas.microsoft.com/office/drawing/2014/main" id="{A971AC2F-35C1-BD4F-8A07-3D55A3E30B70}"/>
+              </a:ext>
+            </a:extLst>
+          </p:cNvPr>
+          <p:cNvCxnSpPr>
+            <a:cxnSpLocks/>
+          </p:cNvCxnSpPr>
+          <p:nvPr/>
+        </p:nvCxnSpPr>
+        <p:spPr>
+          <a:xfrm>
+            <a:off x="6962821" y="2167797"/>
+            <a:ext cx="0" cy="365534"/>
+          </a:xfrm>
+          <a:prstGeom prst="line">
+            <a:avLst/>
+          </a:prstGeom>
+          <a:ln w="9525" cap="flat" cmpd="sng" algn="ctr">
+            <a:solidFill>
+              <a:srgbClr val="C00000"/>
+            </a:solidFill>
+            <a:prstDash val="dash"/>
+            <a:round/>
+            <a:headEnd type="none" w="med" len="med"/>
+            <a:tailEnd type="none" w="med" len="med"/>
+          </a:ln>
+        </p:spPr>
+        <p:style>
+          <a:lnRef idx="0">
+            <a:scrgbClr r="0" g="0" b="0"/>
+          </a:lnRef>
+          <a:fillRef idx="0">
+            <a:scrgbClr r="0" g="0" b="0"/>
+          </a:fillRef>
+          <a:effectRef idx="0">
+            <a:scrgbClr r="0" g="0" b="0"/>
+          </a:effectRef>
+          <a:fontRef idx="minor">
+            <a:schemeClr val="tx1"/>
+          </a:fontRef>
+        </p:style>
+      </p:cxnSp>
+      <p:sp>
+        <p:nvSpPr>
+          <p:cNvPr id="40" name="Rectangle 39">
+            <a:extLst>
+              <a:ext uri="{FF2B5EF4-FFF2-40B4-BE49-F238E27FC236}">
+                <a16:creationId xmlns:a16="http://schemas.microsoft.com/office/drawing/2014/main" id="{A2C9CFE0-5FD7-7343-86EF-AF4B20202398}"/>
+              </a:ext>
+            </a:extLst>
+          </p:cNvPr>
+          <p:cNvSpPr/>
+          <p:nvPr/>
+        </p:nvSpPr>
+        <p:spPr>
+          <a:xfrm>
+            <a:off x="6512425" y="2472547"/>
+            <a:ext cx="798617" cy="523220"/>
+          </a:xfrm>
+          <a:prstGeom prst="rect">
+            <a:avLst/>
+          </a:prstGeom>
+        </p:spPr>
+        <p:txBody>
+          <a:bodyPr wrap="none">
+            <a:spAutoFit/>
+          </a:bodyPr>
+          <a:lstStyle/>
+          <a:p>
+            <a:pPr algn="ctr"/>
+            <a:r>
+              <a:rPr lang="en-US" sz="1400" dirty="0">
+                <a:solidFill>
+                  <a:srgbClr val="C00000"/>
+                </a:solidFill>
+                <a:latin typeface="Avenir Roman" panose="02000503020000020003" pitchFamily="2" charset="0"/>
+              </a:rPr>
+              <a:t>Ground</a:t>
+            </a:r>
+          </a:p>
+          <a:p>
+            <a:pPr algn="ctr"/>
+            <a:r>
+              <a:rPr lang="en-US" sz="1400" dirty="0">
+                <a:solidFill>
+                  <a:srgbClr val="C00000"/>
+                </a:solidFill>
+                <a:latin typeface="Avenir Roman" panose="02000503020000020003" pitchFamily="2" charset="0"/>
+              </a:rPr>
+              <a:t>truth</a:t>
+            </a:r>
+          </a:p>
+        </p:txBody>
+      </p:sp>
+      <p:cxnSp>
+        <p:nvCxnSpPr>
+          <p:cNvPr id="41" name="Straight Connector 40">
+            <a:extLst>
+              <a:ext uri="{FF2B5EF4-FFF2-40B4-BE49-F238E27FC236}">
+                <a16:creationId xmlns:a16="http://schemas.microsoft.com/office/drawing/2014/main" id="{D7233F0F-6803-3343-ACE0-2260ADD0C4B0}"/>
+              </a:ext>
+            </a:extLst>
+          </p:cNvPr>
+          <p:cNvCxnSpPr>
+            <a:cxnSpLocks/>
+          </p:cNvCxnSpPr>
+          <p:nvPr/>
+        </p:nvCxnSpPr>
+        <p:spPr>
+          <a:xfrm>
+            <a:off x="6522089" y="1273708"/>
+            <a:ext cx="0" cy="365534"/>
+          </a:xfrm>
+          <a:prstGeom prst="line">
+            <a:avLst/>
+          </a:prstGeom>
+          <a:ln w="9525" cap="flat" cmpd="sng" algn="ctr">
+            <a:solidFill>
+              <a:srgbClr val="C00000"/>
+            </a:solidFill>
+            <a:prstDash val="dash"/>
+            <a:round/>
+            <a:headEnd type="none" w="med" len="med"/>
+            <a:tailEnd type="none" w="med" len="med"/>
+          </a:ln>
+        </p:spPr>
+        <p:style>
+          <a:lnRef idx="0">
+            <a:scrgbClr r="0" g="0" b="0"/>
+          </a:lnRef>
+          <a:fillRef idx="0">
+            <a:scrgbClr r="0" g="0" b="0"/>
+          </a:fillRef>
+          <a:effectRef idx="0">
+            <a:scrgbClr r="0" g="0" b="0"/>
+          </a:effectRef>
+          <a:fontRef idx="minor">
+            <a:schemeClr val="tx1"/>
+          </a:fontRef>
+        </p:style>
+      </p:cxnSp>
+      <p:sp>
+        <p:nvSpPr>
+          <p:cNvPr id="42" name="Rectangle 41">
+            <a:extLst>
+              <a:ext uri="{FF2B5EF4-FFF2-40B4-BE49-F238E27FC236}">
+                <a16:creationId xmlns:a16="http://schemas.microsoft.com/office/drawing/2014/main" id="{55379C56-553D-1340-A872-17B8779A9D3E}"/>
+              </a:ext>
+            </a:extLst>
+          </p:cNvPr>
+          <p:cNvSpPr/>
+          <p:nvPr/>
+        </p:nvSpPr>
+        <p:spPr>
+          <a:xfrm>
+            <a:off x="6147627" y="1020528"/>
+            <a:ext cx="748924" cy="307777"/>
+          </a:xfrm>
+          <a:prstGeom prst="rect">
+            <a:avLst/>
+          </a:prstGeom>
+        </p:spPr>
+        <p:txBody>
+          <a:bodyPr wrap="none">
+            <a:spAutoFit/>
+          </a:bodyPr>
+          <a:lstStyle/>
+          <a:p>
+            <a:pPr algn="ctr"/>
+            <a:r>
+              <a:rPr lang="en-US" sz="1400" dirty="0">
+                <a:solidFill>
+                  <a:srgbClr val="C00000"/>
+                </a:solidFill>
+                <a:latin typeface="Avenir Roman" panose="02000503020000020003" pitchFamily="2" charset="0"/>
+              </a:rPr>
+              <a:t>Sum of</a:t>
+            </a:r>
+          </a:p>
+        </p:txBody>
+      </p:sp>
+      <p:sp>
+        <p:nvSpPr>
+          <p:cNvPr id="43" name="Rectangle 42">
+            <a:extLst>
+              <a:ext uri="{FF2B5EF4-FFF2-40B4-BE49-F238E27FC236}">
+                <a16:creationId xmlns:a16="http://schemas.microsoft.com/office/drawing/2014/main" id="{4B5F45AB-66B3-C349-A6E9-E2FAB20F5E98}"/>
+              </a:ext>
+            </a:extLst>
+          </p:cNvPr>
+          <p:cNvSpPr/>
+          <p:nvPr/>
+        </p:nvSpPr>
+        <p:spPr>
+          <a:xfrm>
+            <a:off x="6055176" y="1547850"/>
+            <a:ext cx="239966" cy="774485"/>
+          </a:xfrm>
+          <a:prstGeom prst="rect">
+            <a:avLst/>
+          </a:prstGeom>
+          <a:noFill/>
+          <a:ln>
+            <a:solidFill>
+              <a:srgbClr val="C00000"/>
+            </a:solidFill>
+          </a:ln>
+        </p:spPr>
+        <p:style>
+          <a:lnRef idx="2">
+            <a:schemeClr val="dk1"/>
+          </a:lnRef>
+          <a:fillRef idx="1">
+            <a:schemeClr val="lt1"/>
+          </a:fillRef>
+          <a:effectRef idx="0">
+            <a:schemeClr val="dk1"/>
+          </a:effectRef>
+          <a:fontRef idx="minor">
+            <a:schemeClr val="dk1"/>
+          </a:fontRef>
+        </p:style>
+        <p:txBody>
+          <a:bodyPr rtlCol="0" anchor="ctr"/>
+          <a:lstStyle/>
+          <a:p>
+            <a:pPr algn="ctr"/>
+            <a:endParaRPr lang="en-US"/>
+          </a:p>
+        </p:txBody>
+      </p:sp>
+      <p:cxnSp>
+        <p:nvCxnSpPr>
+          <p:cNvPr id="44" name="Straight Connector 43">
+            <a:extLst>
+              <a:ext uri="{FF2B5EF4-FFF2-40B4-BE49-F238E27FC236}">
+                <a16:creationId xmlns:a16="http://schemas.microsoft.com/office/drawing/2014/main" id="{39616C06-CD2E-3043-B296-8CAEF3EFDCF4}"/>
+              </a:ext>
+            </a:extLst>
+          </p:cNvPr>
+          <p:cNvCxnSpPr>
+            <a:cxnSpLocks/>
+            <a:endCxn id="45" idx="0"/>
+          </p:cNvCxnSpPr>
+          <p:nvPr/>
+        </p:nvCxnSpPr>
+        <p:spPr>
+          <a:xfrm flipH="1">
+            <a:off x="5624817" y="2320352"/>
+            <a:ext cx="546936" cy="280809"/>
+          </a:xfrm>
+          <a:prstGeom prst="line">
+            <a:avLst/>
+          </a:prstGeom>
+          <a:ln w="9525" cap="flat" cmpd="sng" algn="ctr">
+            <a:solidFill>
+              <a:srgbClr val="C00000"/>
+            </a:solidFill>
+            <a:prstDash val="dash"/>
+            <a:round/>
+            <a:headEnd type="none" w="med" len="med"/>
+            <a:tailEnd type="none" w="med" len="med"/>
+          </a:ln>
+        </p:spPr>
+        <p:style>
+          <a:lnRef idx="0">
+            <a:scrgbClr r="0" g="0" b="0"/>
+          </a:lnRef>
+          <a:fillRef idx="0">
+            <a:scrgbClr r="0" g="0" b="0"/>
+          </a:fillRef>
+          <a:effectRef idx="0">
+            <a:scrgbClr r="0" g="0" b="0"/>
+          </a:effectRef>
+          <a:fontRef idx="minor">
+            <a:schemeClr val="tx1"/>
+          </a:fontRef>
+        </p:style>
+      </p:cxnSp>
+      <p:sp>
+        <p:nvSpPr>
+          <p:cNvPr id="45" name="Rectangle 44">
+            <a:extLst>
+              <a:ext uri="{FF2B5EF4-FFF2-40B4-BE49-F238E27FC236}">
+                <a16:creationId xmlns:a16="http://schemas.microsoft.com/office/drawing/2014/main" id="{8AFFBB61-0BFA-3143-831D-42EC8638D935}"/>
+              </a:ext>
+            </a:extLst>
+          </p:cNvPr>
+          <p:cNvSpPr/>
+          <p:nvPr/>
+        </p:nvSpPr>
+        <p:spPr>
+          <a:xfrm>
+            <a:off x="4974639" y="2601161"/>
+            <a:ext cx="1300356" cy="307777"/>
+          </a:xfrm>
+          <a:prstGeom prst="rect">
+            <a:avLst/>
+          </a:prstGeom>
+        </p:spPr>
+        <p:txBody>
+          <a:bodyPr wrap="none">
+            <a:spAutoFit/>
+          </a:bodyPr>
+          <a:lstStyle/>
+          <a:p>
+            <a:pPr algn="ctr"/>
+            <a:r>
+              <a:rPr lang="en-US" sz="1400" dirty="0">
+                <a:solidFill>
+                  <a:srgbClr val="C00000"/>
+                </a:solidFill>
+                <a:latin typeface="Avenir Roman" panose="02000503020000020003" pitchFamily="2" charset="0"/>
+              </a:rPr>
+              <a:t>Average of…</a:t>
+            </a:r>
+          </a:p>
+        </p:txBody>
+      </p:sp>
+      <p:sp>
+        <p:nvSpPr>
+          <p:cNvPr id="47" name="Rectangle 46">
+            <a:extLst>
+              <a:ext uri="{FF2B5EF4-FFF2-40B4-BE49-F238E27FC236}">
+                <a16:creationId xmlns:a16="http://schemas.microsoft.com/office/drawing/2014/main" id="{C831ECCD-0903-364C-9679-2C1DAAF6C182}"/>
+              </a:ext>
+            </a:extLst>
+          </p:cNvPr>
+          <p:cNvSpPr/>
+          <p:nvPr/>
+        </p:nvSpPr>
+        <p:spPr>
+          <a:xfrm>
+            <a:off x="6780806" y="1741972"/>
+            <a:ext cx="1090002" cy="490950"/>
+          </a:xfrm>
+          <a:prstGeom prst="rect">
+            <a:avLst/>
+          </a:prstGeom>
+          <a:noFill/>
+          <a:ln>
+            <a:solidFill>
+              <a:schemeClr val="accent1">
+                <a:lumMod val="50000"/>
+              </a:schemeClr>
+            </a:solidFill>
+          </a:ln>
+        </p:spPr>
+        <p:style>
+          <a:lnRef idx="2">
+            <a:schemeClr val="dk1"/>
+          </a:lnRef>
+          <a:fillRef idx="1">
+            <a:schemeClr val="lt1"/>
+          </a:fillRef>
+          <a:effectRef idx="0">
+            <a:schemeClr val="dk1"/>
+          </a:effectRef>
+          <a:fontRef idx="minor">
+            <a:schemeClr val="dk1"/>
+          </a:fontRef>
+        </p:style>
+        <p:txBody>
+          <a:bodyPr rtlCol="0" anchor="ctr"/>
+          <a:lstStyle/>
+          <a:p>
+            <a:pPr algn="ctr"/>
+            <a:endParaRPr lang="en-US">
+              <a:solidFill>
+                <a:schemeClr val="accent1">
+                  <a:lumMod val="50000"/>
+                </a:schemeClr>
+              </a:solidFill>
+            </a:endParaRPr>
+          </a:p>
+        </p:txBody>
+      </p:sp>
+      <p:cxnSp>
+        <p:nvCxnSpPr>
+          <p:cNvPr id="48" name="Straight Connector 47">
+            <a:extLst>
+              <a:ext uri="{FF2B5EF4-FFF2-40B4-BE49-F238E27FC236}">
+                <a16:creationId xmlns:a16="http://schemas.microsoft.com/office/drawing/2014/main" id="{1856A8EF-F32A-694E-9611-F1F9A200AD08}"/>
+              </a:ext>
+            </a:extLst>
+          </p:cNvPr>
+          <p:cNvCxnSpPr>
+            <a:cxnSpLocks/>
+          </p:cNvCxnSpPr>
+          <p:nvPr/>
+        </p:nvCxnSpPr>
+        <p:spPr>
+          <a:xfrm flipH="1">
+            <a:off x="7840359" y="1975087"/>
+            <a:ext cx="492727" cy="0"/>
+          </a:xfrm>
+          <a:prstGeom prst="line">
+            <a:avLst/>
+          </a:prstGeom>
+          <a:ln w="9525" cap="flat" cmpd="sng" algn="ctr">
+            <a:solidFill>
+              <a:schemeClr val="accent1">
+                <a:lumMod val="50000"/>
+              </a:schemeClr>
+            </a:solidFill>
+            <a:prstDash val="dash"/>
+            <a:round/>
+            <a:headEnd type="none" w="med" len="med"/>
+            <a:tailEnd type="none" w="med" len="med"/>
+          </a:ln>
+        </p:spPr>
+        <p:style>
+          <a:lnRef idx="0">
+            <a:scrgbClr r="0" g="0" b="0"/>
+          </a:lnRef>
+          <a:fillRef idx="0">
+            <a:scrgbClr r="0" g="0" b="0"/>
+          </a:fillRef>
+          <a:effectRef idx="0">
+            <a:scrgbClr r="0" g="0" b="0"/>
+          </a:effectRef>
+          <a:fontRef idx="minor">
+            <a:schemeClr val="tx1"/>
+          </a:fontRef>
+        </p:style>
+      </p:cxnSp>
+      <p:sp>
+        <p:nvSpPr>
+          <p:cNvPr id="50" name="Rectangle 49">
+            <a:extLst>
+              <a:ext uri="{FF2B5EF4-FFF2-40B4-BE49-F238E27FC236}">
+                <a16:creationId xmlns:a16="http://schemas.microsoft.com/office/drawing/2014/main" id="{04F5F524-D940-FC4A-AA49-0D5F1552A266}"/>
+              </a:ext>
+            </a:extLst>
+          </p:cNvPr>
+          <p:cNvSpPr/>
+          <p:nvPr/>
+        </p:nvSpPr>
+        <p:spPr>
+          <a:xfrm>
+            <a:off x="8301167" y="1731978"/>
+            <a:ext cx="998992" cy="523220"/>
+          </a:xfrm>
+          <a:prstGeom prst="rect">
+            <a:avLst/>
+          </a:prstGeom>
+        </p:spPr>
+        <p:txBody>
+          <a:bodyPr wrap="none">
+            <a:spAutoFit/>
+          </a:bodyPr>
+          <a:lstStyle/>
+          <a:p>
+            <a:pPr algn="ctr"/>
+            <a:r>
+              <a:rPr lang="en-US" sz="1400" dirty="0">
+                <a:solidFill>
+                  <a:schemeClr val="accent1">
+                    <a:lumMod val="50000"/>
+                  </a:schemeClr>
+                </a:solidFill>
+                <a:latin typeface="Avenir Roman" panose="02000503020000020003" pitchFamily="2" charset="0"/>
+              </a:rPr>
+              <a:t>Absolute </a:t>
+            </a:r>
+          </a:p>
+          <a:p>
+            <a:pPr algn="ctr"/>
+            <a:r>
+              <a:rPr lang="en-US" sz="1400" dirty="0">
+                <a:solidFill>
+                  <a:schemeClr val="accent1">
+                    <a:lumMod val="50000"/>
+                  </a:schemeClr>
+                </a:solidFill>
+                <a:latin typeface="Avenir Roman" panose="02000503020000020003" pitchFamily="2" charset="0"/>
+              </a:rPr>
+              <a:t>value of…</a:t>
+            </a:r>
+          </a:p>
+        </p:txBody>
+      </p:sp>
+    </p:spTree>
+    <p:extLst>
+      <p:ext uri="{BB962C8B-B14F-4D97-AF65-F5344CB8AC3E}">
+        <p14:creationId xmlns:p14="http://schemas.microsoft.com/office/powerpoint/2010/main" val="3230042615"/>
+      </p:ext>
+    </p:extLst>
+  </p:cSld>
+  <p:clrMapOvr>
+    <a:masterClrMapping/>
+  </p:clrMapOvr>
+</p:sld>
+</file>
+
+<file path=ppt/slides/slide5.xml><?xml version="1.0" encoding="utf-8"?>
+<p:sld xmlns:a="http://schemas.openxmlformats.org/drawingml/2006/main" xmlns:r="http://schemas.openxmlformats.org/officeDocument/2006/relationships" xmlns:p="http://schemas.openxmlformats.org/presentationml/2006/main">
+  <p:cSld>
+    <p:spTree>
+      <p:nvGrpSpPr>
+        <p:cNvPr id="1" name=""/>
+        <p:cNvGrpSpPr/>
+        <p:nvPr/>
+      </p:nvGrpSpPr>
+      <p:grpSpPr>
+        <a:xfrm>
+          <a:off x="0" y="0"/>
+          <a:ext cx="0" cy="0"/>
+          <a:chOff x="0" y="0"/>
+          <a:chExt cx="0" cy="0"/>
+        </a:xfrm>
+      </p:grpSpPr>
+      <p:cxnSp>
+        <p:nvCxnSpPr>
+          <p:cNvPr id="5" name="Straight Arrow Connector 4">
+            <a:extLst>
+              <a:ext uri="{FF2B5EF4-FFF2-40B4-BE49-F238E27FC236}">
+                <a16:creationId xmlns:a16="http://schemas.microsoft.com/office/drawing/2014/main" id="{14C1BCF9-D974-F24A-9036-18381FE7B587}"/>
+              </a:ext>
+            </a:extLst>
+          </p:cNvPr>
+          <p:cNvCxnSpPr/>
+          <p:nvPr/>
+        </p:nvCxnSpPr>
+        <p:spPr>
+          <a:xfrm flipV="1">
+            <a:off x="4313813" y="2255198"/>
+            <a:ext cx="0" cy="3474720"/>
+          </a:xfrm>
+          <a:prstGeom prst="straightConnector1">
+            <a:avLst/>
+          </a:prstGeom>
+          <a:ln>
+            <a:tailEnd type="triangle"/>
+          </a:ln>
+        </p:spPr>
+        <p:style>
+          <a:lnRef idx="3">
+            <a:schemeClr val="dk1"/>
+          </a:lnRef>
+          <a:fillRef idx="0">
+            <a:schemeClr val="dk1"/>
+          </a:fillRef>
+          <a:effectRef idx="2">
+            <a:schemeClr val="dk1"/>
+          </a:effectRef>
+          <a:fontRef idx="minor">
+            <a:schemeClr val="tx1"/>
+          </a:fontRef>
+        </p:style>
+      </p:cxnSp>
+      <p:cxnSp>
+        <p:nvCxnSpPr>
+          <p:cNvPr id="6" name="Straight Arrow Connector 5">
+            <a:extLst>
+              <a:ext uri="{FF2B5EF4-FFF2-40B4-BE49-F238E27FC236}">
+                <a16:creationId xmlns:a16="http://schemas.microsoft.com/office/drawing/2014/main" id="{37758B7A-6393-9C4C-AF31-6AD235A42E1A}"/>
+              </a:ext>
+            </a:extLst>
+          </p:cNvPr>
+          <p:cNvCxnSpPr>
+            <a:cxnSpLocks/>
+          </p:cNvCxnSpPr>
+          <p:nvPr/>
+        </p:nvCxnSpPr>
+        <p:spPr>
+          <a:xfrm>
+            <a:off x="4313813" y="5729918"/>
+            <a:ext cx="4174274" cy="0"/>
+          </a:xfrm>
+          <a:prstGeom prst="straightConnector1">
+            <a:avLst/>
+          </a:prstGeom>
+          <a:ln>
+            <a:tailEnd type="triangle"/>
+          </a:ln>
+        </p:spPr>
+        <p:style>
+          <a:lnRef idx="3">
+            <a:schemeClr val="dk1"/>
+          </a:lnRef>
+          <a:fillRef idx="0">
+            <a:schemeClr val="dk1"/>
+          </a:fillRef>
+          <a:effectRef idx="2">
+            <a:schemeClr val="dk1"/>
+          </a:effectRef>
+          <a:fontRef idx="minor">
+            <a:schemeClr val="tx1"/>
+          </a:fontRef>
+        </p:style>
+      </p:cxnSp>
+      <p:cxnSp>
+        <p:nvCxnSpPr>
+          <p:cNvPr id="9" name="Straight Connector 8">
+            <a:extLst>
+              <a:ext uri="{FF2B5EF4-FFF2-40B4-BE49-F238E27FC236}">
+                <a16:creationId xmlns:a16="http://schemas.microsoft.com/office/drawing/2014/main" id="{D83F23B7-7093-794D-BF08-70933BB31108}"/>
+              </a:ext>
+            </a:extLst>
+          </p:cNvPr>
+          <p:cNvCxnSpPr>
+            <a:cxnSpLocks/>
+          </p:cNvCxnSpPr>
+          <p:nvPr/>
+        </p:nvCxnSpPr>
+        <p:spPr>
+          <a:xfrm flipV="1">
+            <a:off x="4463062" y="2534024"/>
+            <a:ext cx="3902721" cy="3315725"/>
+          </a:xfrm>
+          <a:prstGeom prst="line">
+            <a:avLst/>
+          </a:prstGeom>
+        </p:spPr>
+        <p:style>
+          <a:lnRef idx="3">
+            <a:schemeClr val="accent1"/>
+          </a:lnRef>
+          <a:fillRef idx="0">
+            <a:schemeClr val="accent1"/>
+          </a:fillRef>
+          <a:effectRef idx="2">
+            <a:schemeClr val="accent1"/>
+          </a:effectRef>
+          <a:fontRef idx="minor">
+            <a:schemeClr val="tx1"/>
+          </a:fontRef>
+        </p:style>
+      </p:cxnSp>
+      <p:sp>
+        <p:nvSpPr>
+          <p:cNvPr id="11" name="Oval 10">
+            <a:extLst>
+              <a:ext uri="{FF2B5EF4-FFF2-40B4-BE49-F238E27FC236}">
+                <a16:creationId xmlns:a16="http://schemas.microsoft.com/office/drawing/2014/main" id="{EA1EEF15-83FB-3D49-8865-7EAA71E3B6F7}"/>
+              </a:ext>
+            </a:extLst>
+          </p:cNvPr>
+          <p:cNvSpPr/>
+          <p:nvPr/>
+        </p:nvSpPr>
+        <p:spPr>
+          <a:xfrm>
+            <a:off x="7515682" y="2876058"/>
+            <a:ext cx="122304" cy="122304"/>
+          </a:xfrm>
+          <a:prstGeom prst="ellipse">
+            <a:avLst/>
+          </a:prstGeom>
+          <a:solidFill>
+            <a:schemeClr val="tx1"/>
+          </a:solidFill>
+          <a:ln>
+            <a:noFill/>
+          </a:ln>
+        </p:spPr>
+        <p:style>
+          <a:lnRef idx="2">
+            <a:schemeClr val="accent1">
+              <a:shade val="50000"/>
+            </a:schemeClr>
+          </a:lnRef>
+          <a:fillRef idx="1">
+            <a:schemeClr val="accent1"/>
+          </a:fillRef>
+          <a:effectRef idx="0">
+            <a:schemeClr val="accent1"/>
+          </a:effectRef>
+          <a:fontRef idx="minor">
+            <a:schemeClr val="lt1"/>
+          </a:fontRef>
+        </p:style>
+        <p:txBody>
+          <a:bodyPr rtlCol="0" anchor="ctr"/>
+          <a:lstStyle/>
+          <a:p>
+            <a:pPr algn="ctr"/>
+            <a:endParaRPr lang="en-US">
+              <a:solidFill>
+                <a:schemeClr val="tx1"/>
+              </a:solidFill>
+            </a:endParaRPr>
+          </a:p>
+        </p:txBody>
+      </p:sp>
+      <p:sp>
+        <p:nvSpPr>
+          <p:cNvPr id="12" name="Oval 11">
+            <a:extLst>
+              <a:ext uri="{FF2B5EF4-FFF2-40B4-BE49-F238E27FC236}">
+                <a16:creationId xmlns:a16="http://schemas.microsoft.com/office/drawing/2014/main" id="{C55F11FE-F439-754A-B7F8-591F8F1BBF8D}"/>
+              </a:ext>
+            </a:extLst>
+          </p:cNvPr>
+          <p:cNvSpPr/>
+          <p:nvPr/>
+        </p:nvSpPr>
+        <p:spPr>
+          <a:xfrm>
+            <a:off x="6339798" y="3484801"/>
+            <a:ext cx="122304" cy="122304"/>
+          </a:xfrm>
+          <a:prstGeom prst="ellipse">
+            <a:avLst/>
+          </a:prstGeom>
+          <a:solidFill>
+            <a:schemeClr val="tx1"/>
+          </a:solidFill>
+          <a:ln>
+            <a:noFill/>
+          </a:ln>
+        </p:spPr>
+        <p:style>
+          <a:lnRef idx="2">
+            <a:schemeClr val="accent1">
+              <a:shade val="50000"/>
+            </a:schemeClr>
+          </a:lnRef>
+          <a:fillRef idx="1">
+            <a:schemeClr val="accent1"/>
+          </a:fillRef>
+          <a:effectRef idx="0">
+            <a:schemeClr val="accent1"/>
+          </a:effectRef>
+          <a:fontRef idx="minor">
+            <a:schemeClr val="lt1"/>
+          </a:fontRef>
+        </p:style>
+        <p:txBody>
+          <a:bodyPr rtlCol="0" anchor="ctr"/>
+          <a:lstStyle/>
+          <a:p>
+            <a:pPr algn="ctr"/>
+            <a:endParaRPr lang="en-US">
+              <a:solidFill>
+                <a:schemeClr val="tx1"/>
+              </a:solidFill>
+            </a:endParaRPr>
+          </a:p>
+        </p:txBody>
+      </p:sp>
+      <p:sp>
+        <p:nvSpPr>
+          <p:cNvPr id="13" name="Oval 12">
+            <a:extLst>
+              <a:ext uri="{FF2B5EF4-FFF2-40B4-BE49-F238E27FC236}">
+                <a16:creationId xmlns:a16="http://schemas.microsoft.com/office/drawing/2014/main" id="{F070C116-D57E-8E46-B048-FB5B06D4551F}"/>
+              </a:ext>
+            </a:extLst>
+          </p:cNvPr>
+          <p:cNvSpPr/>
+          <p:nvPr/>
+        </p:nvSpPr>
+        <p:spPr>
+          <a:xfrm>
+            <a:off x="8365783" y="3011352"/>
+            <a:ext cx="122304" cy="122304"/>
+          </a:xfrm>
+          <a:prstGeom prst="ellipse">
+            <a:avLst/>
+          </a:prstGeom>
+          <a:solidFill>
+            <a:schemeClr val="tx1"/>
+          </a:solidFill>
+          <a:ln>
+            <a:noFill/>
+          </a:ln>
+        </p:spPr>
+        <p:style>
+          <a:lnRef idx="2">
+            <a:schemeClr val="accent1">
+              <a:shade val="50000"/>
+            </a:schemeClr>
+          </a:lnRef>
+          <a:fillRef idx="1">
+            <a:schemeClr val="accent1"/>
+          </a:fillRef>
+          <a:effectRef idx="0">
+            <a:schemeClr val="accent1"/>
+          </a:effectRef>
+          <a:fontRef idx="minor">
+            <a:schemeClr val="lt1"/>
+          </a:fontRef>
+        </p:style>
+        <p:txBody>
+          <a:bodyPr rtlCol="0" anchor="ctr"/>
+          <a:lstStyle/>
+          <a:p>
+            <a:pPr algn="ctr"/>
+            <a:endParaRPr lang="en-US">
+              <a:solidFill>
+                <a:schemeClr val="tx1"/>
+              </a:solidFill>
+            </a:endParaRPr>
+          </a:p>
+        </p:txBody>
+      </p:sp>
+      <p:sp>
+        <p:nvSpPr>
+          <p:cNvPr id="15" name="Oval 14">
+            <a:extLst>
+              <a:ext uri="{FF2B5EF4-FFF2-40B4-BE49-F238E27FC236}">
+                <a16:creationId xmlns:a16="http://schemas.microsoft.com/office/drawing/2014/main" id="{CCA56893-FA05-0E44-A526-2BB98AF6DDAC}"/>
+              </a:ext>
+            </a:extLst>
+          </p:cNvPr>
+          <p:cNvSpPr/>
+          <p:nvPr/>
+        </p:nvSpPr>
+        <p:spPr>
+          <a:xfrm>
+            <a:off x="6278646" y="4601136"/>
+            <a:ext cx="122304" cy="122304"/>
+          </a:xfrm>
+          <a:prstGeom prst="ellipse">
+            <a:avLst/>
+          </a:prstGeom>
+          <a:solidFill>
+            <a:schemeClr val="tx1"/>
+          </a:solidFill>
+          <a:ln>
+            <a:noFill/>
+          </a:ln>
+        </p:spPr>
+        <p:style>
+          <a:lnRef idx="2">
+            <a:schemeClr val="accent1">
+              <a:shade val="50000"/>
+            </a:schemeClr>
+          </a:lnRef>
+          <a:fillRef idx="1">
+            <a:schemeClr val="accent1"/>
+          </a:fillRef>
+          <a:effectRef idx="0">
+            <a:schemeClr val="accent1"/>
+          </a:effectRef>
+          <a:fontRef idx="minor">
+            <a:schemeClr val="lt1"/>
+          </a:fontRef>
+        </p:style>
+        <p:txBody>
+          <a:bodyPr rtlCol="0" anchor="ctr"/>
+          <a:lstStyle/>
+          <a:p>
+            <a:pPr algn="ctr"/>
+            <a:endParaRPr lang="en-US">
+              <a:solidFill>
+                <a:schemeClr val="tx1"/>
+              </a:solidFill>
+            </a:endParaRPr>
+          </a:p>
+        </p:txBody>
+      </p:sp>
+      <p:sp>
+        <p:nvSpPr>
+          <p:cNvPr id="17" name="Oval 16">
+            <a:extLst>
+              <a:ext uri="{FF2B5EF4-FFF2-40B4-BE49-F238E27FC236}">
+                <a16:creationId xmlns:a16="http://schemas.microsoft.com/office/drawing/2014/main" id="{C58F75B6-341D-6E40-B860-4A13EED4781C}"/>
+              </a:ext>
+            </a:extLst>
+          </p:cNvPr>
+          <p:cNvSpPr/>
+          <p:nvPr/>
+        </p:nvSpPr>
+        <p:spPr>
+          <a:xfrm>
+            <a:off x="5197525" y="4498151"/>
+            <a:ext cx="122304" cy="122304"/>
+          </a:xfrm>
+          <a:prstGeom prst="ellipse">
+            <a:avLst/>
+          </a:prstGeom>
+          <a:solidFill>
+            <a:schemeClr val="tx1"/>
+          </a:solidFill>
+          <a:ln>
+            <a:noFill/>
+          </a:ln>
+        </p:spPr>
+        <p:style>
+          <a:lnRef idx="2">
+            <a:schemeClr val="accent1">
+              <a:shade val="50000"/>
+            </a:schemeClr>
+          </a:lnRef>
+          <a:fillRef idx="1">
+            <a:schemeClr val="accent1"/>
+          </a:fillRef>
+          <a:effectRef idx="0">
+            <a:schemeClr val="accent1"/>
+          </a:effectRef>
+          <a:fontRef idx="minor">
+            <a:schemeClr val="lt1"/>
+          </a:fontRef>
+        </p:style>
+        <p:txBody>
+          <a:bodyPr rtlCol="0" anchor="ctr"/>
+          <a:lstStyle/>
+          <a:p>
+            <a:pPr algn="ctr"/>
+            <a:endParaRPr lang="en-US">
+              <a:solidFill>
+                <a:schemeClr val="tx1"/>
+              </a:solidFill>
+            </a:endParaRPr>
+          </a:p>
+        </p:txBody>
+      </p:sp>
+      <p:sp>
+        <p:nvSpPr>
+          <p:cNvPr id="19" name="Oval 18">
+            <a:extLst>
+              <a:ext uri="{FF2B5EF4-FFF2-40B4-BE49-F238E27FC236}">
+                <a16:creationId xmlns:a16="http://schemas.microsoft.com/office/drawing/2014/main" id="{62100974-AB9E-6546-A020-47E6973738A0}"/>
+              </a:ext>
+            </a:extLst>
+          </p:cNvPr>
+          <p:cNvSpPr/>
+          <p:nvPr/>
+        </p:nvSpPr>
+        <p:spPr>
+          <a:xfrm>
+            <a:off x="7188738" y="4786193"/>
+            <a:ext cx="122304" cy="122304"/>
+          </a:xfrm>
+          <a:prstGeom prst="ellipse">
+            <a:avLst/>
+          </a:prstGeom>
+          <a:solidFill>
+            <a:schemeClr val="tx1"/>
+          </a:solidFill>
+          <a:ln>
+            <a:noFill/>
+          </a:ln>
+        </p:spPr>
+        <p:style>
+          <a:lnRef idx="2">
+            <a:schemeClr val="accent1">
+              <a:shade val="50000"/>
+            </a:schemeClr>
+          </a:lnRef>
+          <a:fillRef idx="1">
+            <a:schemeClr val="accent1"/>
+          </a:fillRef>
+          <a:effectRef idx="0">
+            <a:schemeClr val="accent1"/>
+          </a:effectRef>
+          <a:fontRef idx="minor">
+            <a:schemeClr val="lt1"/>
+          </a:fontRef>
+        </p:style>
+        <p:txBody>
+          <a:bodyPr rtlCol="0" anchor="ctr"/>
+          <a:lstStyle/>
+          <a:p>
+            <a:pPr algn="ctr"/>
+            <a:endParaRPr lang="en-US">
+              <a:solidFill>
+                <a:schemeClr val="tx1"/>
+              </a:solidFill>
+            </a:endParaRPr>
+          </a:p>
+        </p:txBody>
+      </p:sp>
+      <p:sp>
+        <p:nvSpPr>
+          <p:cNvPr id="20" name="Oval 19">
+            <a:extLst>
+              <a:ext uri="{FF2B5EF4-FFF2-40B4-BE49-F238E27FC236}">
+                <a16:creationId xmlns:a16="http://schemas.microsoft.com/office/drawing/2014/main" id="{47AE051D-5677-EC4D-A11E-908731BC3089}"/>
+              </a:ext>
+            </a:extLst>
+          </p:cNvPr>
+          <p:cNvSpPr/>
+          <p:nvPr/>
+        </p:nvSpPr>
+        <p:spPr>
+          <a:xfrm>
+            <a:off x="7352790" y="3607105"/>
+            <a:ext cx="122304" cy="122304"/>
+          </a:xfrm>
+          <a:prstGeom prst="ellipse">
+            <a:avLst/>
+          </a:prstGeom>
+          <a:solidFill>
+            <a:schemeClr val="tx1"/>
+          </a:solidFill>
+          <a:ln>
+            <a:noFill/>
+          </a:ln>
+        </p:spPr>
+        <p:style>
+          <a:lnRef idx="2">
+            <a:schemeClr val="accent1">
+              <a:shade val="50000"/>
+            </a:schemeClr>
+          </a:lnRef>
+          <a:fillRef idx="1">
+            <a:schemeClr val="accent1"/>
+          </a:fillRef>
+          <a:effectRef idx="0">
+            <a:schemeClr val="accent1"/>
+          </a:effectRef>
+          <a:fontRef idx="minor">
+            <a:schemeClr val="lt1"/>
+          </a:fontRef>
+        </p:style>
+        <p:txBody>
+          <a:bodyPr rtlCol="0" anchor="ctr"/>
+          <a:lstStyle/>
+          <a:p>
+            <a:pPr algn="ctr"/>
+            <a:endParaRPr lang="en-US">
+              <a:solidFill>
+                <a:schemeClr val="tx1"/>
+              </a:solidFill>
+            </a:endParaRPr>
+          </a:p>
+        </p:txBody>
+      </p:sp>
+      <mc:AlternateContent xmlns:mc="http://schemas.openxmlformats.org/markup-compatibility/2006" xmlns:a14="http://schemas.microsoft.com/office/drawing/2010/main">
+        <mc:Choice Requires="a14">
           <p:sp>
             <p:nvSpPr>
               <p:cNvPr id="32" name="TextBox 31">
@@ -10221,6 +11919,7 @@
               </a:bodyPr>
               <a:lstStyle/>
               <a:p>
+                <a:pPr/>
                 <a14:m>
                   <m:oMathPara xmlns:m="http://schemas.openxmlformats.org/officeDocument/2006/math">
                     <m:oMathParaPr>
@@ -10335,7 +12034,7 @@
             </p:txBody>
           </p:sp>
         </mc:Choice>
-        <mc:Fallback>
+        <mc:Fallback xmlns="">
           <p:sp>
             <p:nvSpPr>
               <p:cNvPr id="32" name="TextBox 31">
@@ -11176,7 +12875,7 @@
 </p:sld>
 </file>
 
-<file path=ppt/slides/slide5.xml><?xml version="1.0" encoding="utf-8"?>
+<file path=ppt/slides/slide6.xml><?xml version="1.0" encoding="utf-8"?>
 <p:sld xmlns:a="http://schemas.openxmlformats.org/drawingml/2006/main" xmlns:r="http://schemas.openxmlformats.org/officeDocument/2006/relationships" xmlns:p="http://schemas.openxmlformats.org/presentationml/2006/main">
   <p:cSld>
     <p:spTree>

--- a/datasets/metrics/metrics_figures.pptx
+++ b/datasets/metrics/metrics_figures.pptx
@@ -5,15 +5,17 @@
     <p:sldMasterId id="2147483648" r:id="rId1"/>
   </p:sldMasterIdLst>
   <p:notesMasterIdLst>
-    <p:notesMasterId r:id="rId8"/>
+    <p:notesMasterId r:id="rId10"/>
   </p:notesMasterIdLst>
   <p:sldIdLst>
     <p:sldId id="257" r:id="rId2"/>
     <p:sldId id="261" r:id="rId3"/>
     <p:sldId id="265" r:id="rId4"/>
     <p:sldId id="262" r:id="rId5"/>
-    <p:sldId id="264" r:id="rId6"/>
-    <p:sldId id="263" r:id="rId7"/>
+    <p:sldId id="267" r:id="rId6"/>
+    <p:sldId id="266" r:id="rId7"/>
+    <p:sldId id="264" r:id="rId8"/>
+    <p:sldId id="263" r:id="rId9"/>
   </p:sldIdLst>
   <p:sldSz cx="12192000" cy="6858000"/>
   <p:notesSz cx="6858000" cy="9144000"/>
@@ -202,7 +204,7 @@
           <a:p>
             <a:fld id="{AF893291-45D8-D541-935E-8339902000C7}" type="datetimeFigureOut">
               <a:rPr lang="en-US" smtClean="0"/>
-              <a:t>5/8/20</a:t>
+              <a:t>5/15/20</a:t>
             </a:fld>
             <a:endParaRPr lang="en-US"/>
           </a:p>
@@ -1060,6 +1062,180 @@
     </p:spTree>
     <p:extLst>
       <p:ext uri="{BB962C8B-B14F-4D97-AF65-F5344CB8AC3E}">
+        <p14:creationId xmlns:p14="http://schemas.microsoft.com/office/powerpoint/2010/main" val="1263829370"/>
+      </p:ext>
+    </p:extLst>
+  </p:cSld>
+  <p:clrMapOvr>
+    <a:masterClrMapping/>
+  </p:clrMapOvr>
+</p:notes>
+</file>
+
+<file path=ppt/notesSlides/notesSlide6.xml><?xml version="1.0" encoding="utf-8"?>
+<p:notes xmlns:a="http://schemas.openxmlformats.org/drawingml/2006/main" xmlns:r="http://schemas.openxmlformats.org/officeDocument/2006/relationships" xmlns:p="http://schemas.openxmlformats.org/presentationml/2006/main">
+  <p:cSld>
+    <p:spTree>
+      <p:nvGrpSpPr>
+        <p:cNvPr id="1" name=""/>
+        <p:cNvGrpSpPr/>
+        <p:nvPr/>
+      </p:nvGrpSpPr>
+      <p:grpSpPr>
+        <a:xfrm>
+          <a:off x="0" y="0"/>
+          <a:ext cx="0" cy="0"/>
+          <a:chOff x="0" y="0"/>
+          <a:chExt cx="0" cy="0"/>
+        </a:xfrm>
+      </p:grpSpPr>
+      <p:sp>
+        <p:nvSpPr>
+          <p:cNvPr id="2" name="Slide Image Placeholder 1"/>
+          <p:cNvSpPr>
+            <a:spLocks noGrp="1" noRot="1" noChangeAspect="1"/>
+          </p:cNvSpPr>
+          <p:nvPr>
+            <p:ph type="sldImg"/>
+          </p:nvPr>
+        </p:nvSpPr>
+        <p:spPr/>
+      </p:sp>
+      <p:sp>
+        <p:nvSpPr>
+          <p:cNvPr id="3" name="Notes Placeholder 2"/>
+          <p:cNvSpPr>
+            <a:spLocks noGrp="1"/>
+          </p:cNvSpPr>
+          <p:nvPr>
+            <p:ph type="body" idx="1"/>
+          </p:nvPr>
+        </p:nvSpPr>
+        <p:spPr/>
+        <p:txBody>
+          <a:bodyPr/>
+          <a:lstStyle/>
+          <a:p>
+            <a:r>
+              <a:rPr lang="en-US" dirty="0"/>
+              <a:t>MAE</a:t>
+            </a:r>
+          </a:p>
+        </p:txBody>
+      </p:sp>
+      <p:sp>
+        <p:nvSpPr>
+          <p:cNvPr id="4" name="Slide Number Placeholder 3"/>
+          <p:cNvSpPr>
+            <a:spLocks noGrp="1"/>
+          </p:cNvSpPr>
+          <p:nvPr>
+            <p:ph type="sldNum" sz="quarter" idx="5"/>
+          </p:nvPr>
+        </p:nvSpPr>
+        <p:spPr/>
+        <p:txBody>
+          <a:bodyPr/>
+          <a:lstStyle/>
+          <a:p>
+            <a:fld id="{3E62EEC7-A735-B840-8CE1-B0CFD11D3FAF}" type="slidenum">
+              <a:rPr lang="en-US" smtClean="0"/>
+              <a:t>6</a:t>
+            </a:fld>
+            <a:endParaRPr lang="en-US"/>
+          </a:p>
+        </p:txBody>
+      </p:sp>
+    </p:spTree>
+    <p:extLst>
+      <p:ext uri="{BB962C8B-B14F-4D97-AF65-F5344CB8AC3E}">
+        <p14:creationId xmlns:p14="http://schemas.microsoft.com/office/powerpoint/2010/main" val="2744062912"/>
+      </p:ext>
+    </p:extLst>
+  </p:cSld>
+  <p:clrMapOvr>
+    <a:masterClrMapping/>
+  </p:clrMapOvr>
+</p:notes>
+</file>
+
+<file path=ppt/notesSlides/notesSlide7.xml><?xml version="1.0" encoding="utf-8"?>
+<p:notes xmlns:a="http://schemas.openxmlformats.org/drawingml/2006/main" xmlns:r="http://schemas.openxmlformats.org/officeDocument/2006/relationships" xmlns:p="http://schemas.openxmlformats.org/presentationml/2006/main">
+  <p:cSld>
+    <p:spTree>
+      <p:nvGrpSpPr>
+        <p:cNvPr id="1" name=""/>
+        <p:cNvGrpSpPr/>
+        <p:nvPr/>
+      </p:nvGrpSpPr>
+      <p:grpSpPr>
+        <a:xfrm>
+          <a:off x="0" y="0"/>
+          <a:ext cx="0" cy="0"/>
+          <a:chOff x="0" y="0"/>
+          <a:chExt cx="0" cy="0"/>
+        </a:xfrm>
+      </p:grpSpPr>
+      <p:sp>
+        <p:nvSpPr>
+          <p:cNvPr id="2" name="Slide Image Placeholder 1"/>
+          <p:cNvSpPr>
+            <a:spLocks noGrp="1" noRot="1" noChangeAspect="1"/>
+          </p:cNvSpPr>
+          <p:nvPr>
+            <p:ph type="sldImg"/>
+          </p:nvPr>
+        </p:nvSpPr>
+        <p:spPr/>
+      </p:sp>
+      <p:sp>
+        <p:nvSpPr>
+          <p:cNvPr id="3" name="Notes Placeholder 2"/>
+          <p:cNvSpPr>
+            <a:spLocks noGrp="1"/>
+          </p:cNvSpPr>
+          <p:nvPr>
+            <p:ph type="body" idx="1"/>
+          </p:nvPr>
+        </p:nvSpPr>
+        <p:spPr/>
+        <p:txBody>
+          <a:bodyPr/>
+          <a:lstStyle/>
+          <a:p>
+            <a:r>
+              <a:rPr lang="en-US" dirty="0"/>
+              <a:t>MAE</a:t>
+            </a:r>
+          </a:p>
+        </p:txBody>
+      </p:sp>
+      <p:sp>
+        <p:nvSpPr>
+          <p:cNvPr id="4" name="Slide Number Placeholder 3"/>
+          <p:cNvSpPr>
+            <a:spLocks noGrp="1"/>
+          </p:cNvSpPr>
+          <p:nvPr>
+            <p:ph type="sldNum" sz="quarter" idx="5"/>
+          </p:nvPr>
+        </p:nvSpPr>
+        <p:spPr/>
+        <p:txBody>
+          <a:bodyPr/>
+          <a:lstStyle/>
+          <a:p>
+            <a:fld id="{3E62EEC7-A735-B840-8CE1-B0CFD11D3FAF}" type="slidenum">
+              <a:rPr lang="en-US" smtClean="0"/>
+              <a:t>7</a:t>
+            </a:fld>
+            <a:endParaRPr lang="en-US"/>
+          </a:p>
+        </p:txBody>
+      </p:sp>
+    </p:spTree>
+    <p:extLst>
+      <p:ext uri="{BB962C8B-B14F-4D97-AF65-F5344CB8AC3E}">
         <p14:creationId xmlns:p14="http://schemas.microsoft.com/office/powerpoint/2010/main" val="4010622144"/>
       </p:ext>
     </p:extLst>
@@ -1217,7 +1393,7 @@
           <a:p>
             <a:fld id="{7A2D6D92-7A1D-5044-8041-347960C529AC}" type="datetimeFigureOut">
               <a:rPr lang="en-US" smtClean="0"/>
-              <a:t>5/8/20</a:t>
+              <a:t>5/15/20</a:t>
             </a:fld>
             <a:endParaRPr lang="en-US"/>
           </a:p>
@@ -1415,7 +1591,7 @@
           <a:p>
             <a:fld id="{7A2D6D92-7A1D-5044-8041-347960C529AC}" type="datetimeFigureOut">
               <a:rPr lang="en-US" smtClean="0"/>
-              <a:t>5/8/20</a:t>
+              <a:t>5/15/20</a:t>
             </a:fld>
             <a:endParaRPr lang="en-US"/>
           </a:p>
@@ -1623,7 +1799,7 @@
           <a:p>
             <a:fld id="{7A2D6D92-7A1D-5044-8041-347960C529AC}" type="datetimeFigureOut">
               <a:rPr lang="en-US" smtClean="0"/>
-              <a:t>5/8/20</a:t>
+              <a:t>5/15/20</a:t>
             </a:fld>
             <a:endParaRPr lang="en-US"/>
           </a:p>
@@ -1821,7 +1997,7 @@
           <a:p>
             <a:fld id="{7A2D6D92-7A1D-5044-8041-347960C529AC}" type="datetimeFigureOut">
               <a:rPr lang="en-US" smtClean="0"/>
-              <a:t>5/8/20</a:t>
+              <a:t>5/15/20</a:t>
             </a:fld>
             <a:endParaRPr lang="en-US"/>
           </a:p>
@@ -2096,7 +2272,7 @@
           <a:p>
             <a:fld id="{7A2D6D92-7A1D-5044-8041-347960C529AC}" type="datetimeFigureOut">
               <a:rPr lang="en-US" smtClean="0"/>
-              <a:t>5/8/20</a:t>
+              <a:t>5/15/20</a:t>
             </a:fld>
             <a:endParaRPr lang="en-US"/>
           </a:p>
@@ -2361,7 +2537,7 @@
           <a:p>
             <a:fld id="{7A2D6D92-7A1D-5044-8041-347960C529AC}" type="datetimeFigureOut">
               <a:rPr lang="en-US" smtClean="0"/>
-              <a:t>5/8/20</a:t>
+              <a:t>5/15/20</a:t>
             </a:fld>
             <a:endParaRPr lang="en-US"/>
           </a:p>
@@ -2773,7 +2949,7 @@
           <a:p>
             <a:fld id="{7A2D6D92-7A1D-5044-8041-347960C529AC}" type="datetimeFigureOut">
               <a:rPr lang="en-US" smtClean="0"/>
-              <a:t>5/8/20</a:t>
+              <a:t>5/15/20</a:t>
             </a:fld>
             <a:endParaRPr lang="en-US"/>
           </a:p>
@@ -2914,7 +3090,7 @@
           <a:p>
             <a:fld id="{7A2D6D92-7A1D-5044-8041-347960C529AC}" type="datetimeFigureOut">
               <a:rPr lang="en-US" smtClean="0"/>
-              <a:t>5/8/20</a:t>
+              <a:t>5/15/20</a:t>
             </a:fld>
             <a:endParaRPr lang="en-US"/>
           </a:p>
@@ -3027,7 +3203,7 @@
           <a:p>
             <a:fld id="{7A2D6D92-7A1D-5044-8041-347960C529AC}" type="datetimeFigureOut">
               <a:rPr lang="en-US" smtClean="0"/>
-              <a:t>5/8/20</a:t>
+              <a:t>5/15/20</a:t>
             </a:fld>
             <a:endParaRPr lang="en-US"/>
           </a:p>
@@ -3338,7 +3514,7 @@
           <a:p>
             <a:fld id="{7A2D6D92-7A1D-5044-8041-347960C529AC}" type="datetimeFigureOut">
               <a:rPr lang="en-US" smtClean="0"/>
-              <a:t>5/8/20</a:t>
+              <a:t>5/15/20</a:t>
             </a:fld>
             <a:endParaRPr lang="en-US"/>
           </a:p>
@@ -3626,7 +3802,7 @@
           <a:p>
             <a:fld id="{7A2D6D92-7A1D-5044-8041-347960C529AC}" type="datetimeFigureOut">
               <a:rPr lang="en-US" smtClean="0"/>
-              <a:t>5/8/20</a:t>
+              <a:t>5/15/20</a:t>
             </a:fld>
             <a:endParaRPr lang="en-US"/>
           </a:p>
@@ -3867,7 +4043,7 @@
           <a:p>
             <a:fld id="{7A2D6D92-7A1D-5044-8041-347960C529AC}" type="datetimeFigureOut">
               <a:rPr lang="en-US" smtClean="0"/>
-              <a:t>5/8/20</a:t>
+              <a:t>5/15/20</a:t>
             </a:fld>
             <a:endParaRPr lang="en-US"/>
           </a:p>
@@ -9848,7 +10024,7 @@
         </p:nvCxnSpPr>
         <p:spPr>
           <a:xfrm flipV="1">
-            <a:off x="4313813" y="2255198"/>
+            <a:off x="4243474" y="2483798"/>
             <a:ext cx="0" cy="3474720"/>
           </a:xfrm>
           <a:prstGeom prst="straightConnector1">
@@ -9889,7 +10065,7 @@
         </p:nvCxnSpPr>
         <p:spPr>
           <a:xfrm>
-            <a:off x="4313813" y="5729918"/>
+            <a:off x="4243474" y="5958518"/>
             <a:ext cx="4174274" cy="0"/>
           </a:xfrm>
           <a:prstGeom prst="straightConnector1">
@@ -9930,7 +10106,7 @@
         </p:nvCxnSpPr>
         <p:spPr>
           <a:xfrm flipV="1">
-            <a:off x="4463062" y="2534024"/>
+            <a:off x="4392723" y="2762624"/>
             <a:ext cx="3902721" cy="3315725"/>
           </a:xfrm>
           <a:prstGeom prst="line">
@@ -9966,7 +10142,7 @@
         </p:nvSpPr>
         <p:spPr>
           <a:xfrm>
-            <a:off x="7515682" y="2876058"/>
+            <a:off x="7445343" y="3104658"/>
             <a:ext cx="122304" cy="122304"/>
           </a:xfrm>
           <a:prstGeom prst="ellipse">
@@ -10010,10 +10186,10 @@
       </p:sp>
       <p:sp>
         <p:nvSpPr>
-          <p:cNvPr id="12" name="Oval 11">
+          <p:cNvPr id="13" name="Oval 12">
             <a:extLst>
               <a:ext uri="{FF2B5EF4-FFF2-40B4-BE49-F238E27FC236}">
-                <a16:creationId xmlns:a16="http://schemas.microsoft.com/office/drawing/2014/main" id="{C55F11FE-F439-754A-B7F8-591F8F1BBF8D}"/>
+                <a16:creationId xmlns:a16="http://schemas.microsoft.com/office/drawing/2014/main" id="{F070C116-D57E-8E46-B048-FB5B06D4551F}"/>
               </a:ext>
             </a:extLst>
           </p:cNvPr>
@@ -10022,7 +10198,7 @@
         </p:nvSpPr>
         <p:spPr>
           <a:xfrm>
-            <a:off x="6339798" y="3484801"/>
+            <a:off x="8295444" y="3239952"/>
             <a:ext cx="122304" cy="122304"/>
           </a:xfrm>
           <a:prstGeom prst="ellipse">
@@ -10066,10 +10242,10 @@
       </p:sp>
       <p:sp>
         <p:nvSpPr>
-          <p:cNvPr id="13" name="Oval 12">
+          <p:cNvPr id="15" name="Oval 14">
             <a:extLst>
               <a:ext uri="{FF2B5EF4-FFF2-40B4-BE49-F238E27FC236}">
-                <a16:creationId xmlns:a16="http://schemas.microsoft.com/office/drawing/2014/main" id="{F070C116-D57E-8E46-B048-FB5B06D4551F}"/>
+                <a16:creationId xmlns:a16="http://schemas.microsoft.com/office/drawing/2014/main" id="{CCA56893-FA05-0E44-A526-2BB98AF6DDAC}"/>
               </a:ext>
             </a:extLst>
           </p:cNvPr>
@@ -10078,7 +10254,7 @@
         </p:nvSpPr>
         <p:spPr>
           <a:xfrm>
-            <a:off x="8365783" y="3011352"/>
+            <a:off x="6208307" y="4829736"/>
             <a:ext cx="122304" cy="122304"/>
           </a:xfrm>
           <a:prstGeom prst="ellipse">
@@ -10122,10 +10298,10 @@
       </p:sp>
       <p:sp>
         <p:nvSpPr>
-          <p:cNvPr id="15" name="Oval 14">
+          <p:cNvPr id="17" name="Oval 16">
             <a:extLst>
               <a:ext uri="{FF2B5EF4-FFF2-40B4-BE49-F238E27FC236}">
-                <a16:creationId xmlns:a16="http://schemas.microsoft.com/office/drawing/2014/main" id="{CCA56893-FA05-0E44-A526-2BB98AF6DDAC}"/>
+                <a16:creationId xmlns:a16="http://schemas.microsoft.com/office/drawing/2014/main" id="{C58F75B6-341D-6E40-B860-4A13EED4781C}"/>
               </a:ext>
             </a:extLst>
           </p:cNvPr>
@@ -10134,7 +10310,7 @@
         </p:nvSpPr>
         <p:spPr>
           <a:xfrm>
-            <a:off x="6278646" y="4601136"/>
+            <a:off x="5127186" y="4726751"/>
             <a:ext cx="122304" cy="122304"/>
           </a:xfrm>
           <a:prstGeom prst="ellipse">
@@ -10178,10 +10354,10 @@
       </p:sp>
       <p:sp>
         <p:nvSpPr>
-          <p:cNvPr id="17" name="Oval 16">
+          <p:cNvPr id="19" name="Oval 18">
             <a:extLst>
               <a:ext uri="{FF2B5EF4-FFF2-40B4-BE49-F238E27FC236}">
-                <a16:creationId xmlns:a16="http://schemas.microsoft.com/office/drawing/2014/main" id="{C58F75B6-341D-6E40-B860-4A13EED4781C}"/>
+                <a16:creationId xmlns:a16="http://schemas.microsoft.com/office/drawing/2014/main" id="{62100974-AB9E-6546-A020-47E6973738A0}"/>
               </a:ext>
             </a:extLst>
           </p:cNvPr>
@@ -10190,7 +10366,7 @@
         </p:nvSpPr>
         <p:spPr>
           <a:xfrm>
-            <a:off x="5197525" y="4498151"/>
+            <a:off x="7109426" y="5324230"/>
             <a:ext cx="122304" cy="122304"/>
           </a:xfrm>
           <a:prstGeom prst="ellipse">
@@ -10234,10 +10410,10 @@
       </p:sp>
       <p:sp>
         <p:nvSpPr>
-          <p:cNvPr id="19" name="Oval 18">
+          <p:cNvPr id="20" name="Oval 19">
             <a:extLst>
               <a:ext uri="{FF2B5EF4-FFF2-40B4-BE49-F238E27FC236}">
-                <a16:creationId xmlns:a16="http://schemas.microsoft.com/office/drawing/2014/main" id="{62100974-AB9E-6546-A020-47E6973738A0}"/>
+                <a16:creationId xmlns:a16="http://schemas.microsoft.com/office/drawing/2014/main" id="{47AE051D-5677-EC4D-A11E-908731BC3089}"/>
               </a:ext>
             </a:extLst>
           </p:cNvPr>
@@ -10246,7 +10422,7 @@
         </p:nvSpPr>
         <p:spPr>
           <a:xfrm>
-            <a:off x="7188738" y="4786193"/>
+            <a:off x="7282451" y="3835705"/>
             <a:ext cx="122304" cy="122304"/>
           </a:xfrm>
           <a:prstGeom prst="ellipse">
@@ -10290,10 +10466,10 @@
       </p:sp>
       <p:sp>
         <p:nvSpPr>
-          <p:cNvPr id="20" name="Oval 19">
+          <p:cNvPr id="8" name="Rectangle 7">
             <a:extLst>
               <a:ext uri="{FF2B5EF4-FFF2-40B4-BE49-F238E27FC236}">
-                <a16:creationId xmlns:a16="http://schemas.microsoft.com/office/drawing/2014/main" id="{47AE051D-5677-EC4D-A11E-908731BC3089}"/>
+                <a16:creationId xmlns:a16="http://schemas.microsoft.com/office/drawing/2014/main" id="{80766D77-34B3-934F-8759-6B9FC77443EB}"/>
               </a:ext>
             </a:extLst>
           </p:cNvPr>
@@ -10302,7 +10478,44 @@
         </p:nvSpPr>
         <p:spPr>
           <a:xfrm>
-            <a:off x="7352790" y="3607105"/>
+            <a:off x="4363376" y="441709"/>
+            <a:ext cx="4798301" cy="461665"/>
+          </a:xfrm>
+          <a:prstGeom prst="rect">
+            <a:avLst/>
+          </a:prstGeom>
+        </p:spPr>
+        <p:txBody>
+          <a:bodyPr wrap="none">
+            <a:spAutoFit/>
+          </a:bodyPr>
+          <a:lstStyle/>
+          <a:p>
+            <a:r>
+              <a:rPr lang="en-US" sz="2400" b="1" dirty="0">
+                <a:latin typeface="Avenir Black" panose="02000503020000020003" pitchFamily="2" charset="0"/>
+              </a:rPr>
+              <a:t>Max Absolute Percentage Error</a:t>
+            </a:r>
+            <a:endParaRPr lang="en-US" sz="2400" dirty="0"/>
+          </a:p>
+        </p:txBody>
+      </p:sp>
+      <p:sp>
+        <p:nvSpPr>
+          <p:cNvPr id="37" name="Oval 36">
+            <a:extLst>
+              <a:ext uri="{FF2B5EF4-FFF2-40B4-BE49-F238E27FC236}">
+                <a16:creationId xmlns:a16="http://schemas.microsoft.com/office/drawing/2014/main" id="{AEEA350B-D53A-B743-9291-30FC6D465A46}"/>
+              </a:ext>
+            </a:extLst>
+          </p:cNvPr>
+          <p:cNvSpPr/>
+          <p:nvPr/>
+        </p:nvSpPr>
+        <p:spPr>
+          <a:xfrm>
+            <a:off x="6421859" y="3865801"/>
             <a:ext cx="122304" cy="122304"/>
           </a:xfrm>
           <a:prstGeom prst="ellipse">
@@ -10346,6 +10559,3215 @@
       </p:sp>
       <p:cxnSp>
         <p:nvCxnSpPr>
+          <p:cNvPr id="46" name="Straight Connector 45">
+            <a:extLst>
+              <a:ext uri="{FF2B5EF4-FFF2-40B4-BE49-F238E27FC236}">
+                <a16:creationId xmlns:a16="http://schemas.microsoft.com/office/drawing/2014/main" id="{0EC4A75C-A3B0-1840-935F-C3D62113CC01}"/>
+              </a:ext>
+            </a:extLst>
+          </p:cNvPr>
+          <p:cNvCxnSpPr>
+            <a:cxnSpLocks/>
+          </p:cNvCxnSpPr>
+          <p:nvPr/>
+        </p:nvCxnSpPr>
+        <p:spPr>
+          <a:xfrm>
+            <a:off x="7134346" y="3734307"/>
+            <a:ext cx="2211360" cy="0"/>
+          </a:xfrm>
+          <a:prstGeom prst="line">
+            <a:avLst/>
+          </a:prstGeom>
+          <a:ln w="9525" cap="flat" cmpd="sng" algn="ctr">
+            <a:solidFill>
+              <a:srgbClr val="C00000"/>
+            </a:solidFill>
+            <a:prstDash val="dash"/>
+            <a:round/>
+            <a:headEnd type="none" w="med" len="med"/>
+            <a:tailEnd type="none" w="med" len="med"/>
+          </a:ln>
+        </p:spPr>
+        <p:style>
+          <a:lnRef idx="0">
+            <a:scrgbClr r="0" g="0" b="0"/>
+          </a:lnRef>
+          <a:fillRef idx="0">
+            <a:scrgbClr r="0" g="0" b="0"/>
+          </a:fillRef>
+          <a:effectRef idx="0">
+            <a:scrgbClr r="0" g="0" b="0"/>
+          </a:effectRef>
+          <a:fontRef idx="minor">
+            <a:schemeClr val="tx1"/>
+          </a:fontRef>
+        </p:style>
+      </p:cxnSp>
+      <p:cxnSp>
+        <p:nvCxnSpPr>
+          <p:cNvPr id="49" name="Straight Connector 48">
+            <a:extLst>
+              <a:ext uri="{FF2B5EF4-FFF2-40B4-BE49-F238E27FC236}">
+                <a16:creationId xmlns:a16="http://schemas.microsoft.com/office/drawing/2014/main" id="{5E018E40-C072-8245-BD58-5B8EEDDFCD34}"/>
+              </a:ext>
+            </a:extLst>
+          </p:cNvPr>
+          <p:cNvCxnSpPr>
+            <a:cxnSpLocks/>
+          </p:cNvCxnSpPr>
+          <p:nvPr/>
+        </p:nvCxnSpPr>
+        <p:spPr>
+          <a:xfrm>
+            <a:off x="7231730" y="5397656"/>
+            <a:ext cx="2211360" cy="0"/>
+          </a:xfrm>
+          <a:prstGeom prst="line">
+            <a:avLst/>
+          </a:prstGeom>
+          <a:ln w="9525" cap="flat" cmpd="sng" algn="ctr">
+            <a:solidFill>
+              <a:srgbClr val="C00000"/>
+            </a:solidFill>
+            <a:prstDash val="dash"/>
+            <a:round/>
+            <a:headEnd type="none" w="med" len="med"/>
+            <a:tailEnd type="none" w="med" len="med"/>
+          </a:ln>
+        </p:spPr>
+        <p:style>
+          <a:lnRef idx="0">
+            <a:scrgbClr r="0" g="0" b="0"/>
+          </a:lnRef>
+          <a:fillRef idx="0">
+            <a:scrgbClr r="0" g="0" b="0"/>
+          </a:fillRef>
+          <a:effectRef idx="0">
+            <a:scrgbClr r="0" g="0" b="0"/>
+          </a:effectRef>
+          <a:fontRef idx="minor">
+            <a:schemeClr val="tx1"/>
+          </a:fontRef>
+        </p:style>
+      </p:cxnSp>
+      <p:sp>
+        <p:nvSpPr>
+          <p:cNvPr id="18" name="Rectangle 17">
+            <a:extLst>
+              <a:ext uri="{FF2B5EF4-FFF2-40B4-BE49-F238E27FC236}">
+                <a16:creationId xmlns:a16="http://schemas.microsoft.com/office/drawing/2014/main" id="{3C381514-5C88-7C4F-AF3E-2135DBE842B9}"/>
+              </a:ext>
+            </a:extLst>
+          </p:cNvPr>
+          <p:cNvSpPr/>
+          <p:nvPr/>
+        </p:nvSpPr>
+        <p:spPr>
+          <a:xfrm>
+            <a:off x="7618392" y="3741215"/>
+            <a:ext cx="75587" cy="1662571"/>
+          </a:xfrm>
+          <a:prstGeom prst="rect">
+            <a:avLst/>
+          </a:prstGeom>
+          <a:solidFill>
+            <a:schemeClr val="accent1">
+              <a:lumMod val="50000"/>
+            </a:schemeClr>
+          </a:solidFill>
+        </p:spPr>
+        <p:style>
+          <a:lnRef idx="2">
+            <a:schemeClr val="accent1">
+              <a:shade val="50000"/>
+            </a:schemeClr>
+          </a:lnRef>
+          <a:fillRef idx="1">
+            <a:schemeClr val="accent1"/>
+          </a:fillRef>
+          <a:effectRef idx="0">
+            <a:schemeClr val="accent1"/>
+          </a:effectRef>
+          <a:fontRef idx="minor">
+            <a:schemeClr val="lt1"/>
+          </a:fontRef>
+        </p:style>
+        <p:txBody>
+          <a:bodyPr rtlCol="0" anchor="ctr"/>
+          <a:lstStyle/>
+          <a:p>
+            <a:pPr algn="ctr"/>
+            <a:endParaRPr lang="en-US"/>
+          </a:p>
+        </p:txBody>
+      </p:sp>
+      <mc:AlternateContent xmlns:mc="http://schemas.openxmlformats.org/markup-compatibility/2006">
+        <mc:Choice xmlns:a14="http://schemas.microsoft.com/office/drawing/2010/main" Requires="a14">
+          <p:sp>
+            <p:nvSpPr>
+              <p:cNvPr id="21" name="Rectangle 20">
+                <a:extLst>
+                  <a:ext uri="{FF2B5EF4-FFF2-40B4-BE49-F238E27FC236}">
+                    <a16:creationId xmlns:a16="http://schemas.microsoft.com/office/drawing/2014/main" id="{D957BB9D-22F9-9D42-AF5D-DA79E343B9FD}"/>
+                  </a:ext>
+                </a:extLst>
+              </p:cNvPr>
+              <p:cNvSpPr/>
+              <p:nvPr/>
+            </p:nvSpPr>
+            <p:spPr>
+              <a:xfrm>
+                <a:off x="7681171" y="4294612"/>
+                <a:ext cx="883511" cy="369332"/>
+              </a:xfrm>
+              <a:prstGeom prst="rect">
+                <a:avLst/>
+              </a:prstGeom>
+            </p:spPr>
+            <p:txBody>
+              <a:bodyPr wrap="none">
+                <a:spAutoFit/>
+              </a:bodyPr>
+              <a:lstStyle/>
+              <a:p>
+                <a14:m>
+                  <m:oMathPara xmlns:m="http://schemas.openxmlformats.org/officeDocument/2006/math">
+                    <m:oMathParaPr>
+                      <m:jc m:val="centerGroup"/>
+                    </m:oMathParaPr>
+                    <m:oMath xmlns:m="http://schemas.openxmlformats.org/officeDocument/2006/math">
+                      <m:r>
+                        <a:rPr lang="en-US" i="1">
+                          <a:latin typeface="Cambria Math" panose="02040503050406030204" pitchFamily="18" charset="0"/>
+                        </a:rPr>
+                        <m:t>𝑦</m:t>
+                      </m:r>
+                      <m:r>
+                        <a:rPr lang="en-US" i="1">
+                          <a:latin typeface="Cambria Math" panose="02040503050406030204" pitchFamily="18" charset="0"/>
+                        </a:rPr>
+                        <m:t> − </m:t>
+                      </m:r>
+                      <m:acc>
+                        <m:accPr>
+                          <m:chr m:val="̂"/>
+                          <m:ctrlPr>
+                            <a:rPr lang="en-US" i="1">
+                              <a:latin typeface="Cambria Math" panose="02040503050406030204" pitchFamily="18" charset="0"/>
+                            </a:rPr>
+                          </m:ctrlPr>
+                        </m:accPr>
+                        <m:e>
+                          <m:r>
+                            <a:rPr lang="en-US" i="1">
+                              <a:latin typeface="Cambria Math" panose="02040503050406030204" pitchFamily="18" charset="0"/>
+                            </a:rPr>
+                            <m:t>𝑦</m:t>
+                          </m:r>
+                        </m:e>
+                      </m:acc>
+                    </m:oMath>
+                  </m:oMathPara>
+                </a14:m>
+                <a:endParaRPr lang="en-US" dirty="0"/>
+              </a:p>
+            </p:txBody>
+          </p:sp>
+        </mc:Choice>
+        <mc:Fallback>
+          <p:sp>
+            <p:nvSpPr>
+              <p:cNvPr id="21" name="Rectangle 20">
+                <a:extLst>
+                  <a:ext uri="{FF2B5EF4-FFF2-40B4-BE49-F238E27FC236}">
+                    <a16:creationId xmlns:a16="http://schemas.microsoft.com/office/drawing/2014/main" id="{D957BB9D-22F9-9D42-AF5D-DA79E343B9FD}"/>
+                  </a:ext>
+                </a:extLst>
+              </p:cNvPr>
+              <p:cNvSpPr>
+                <a:spLocks noRot="1" noChangeAspect="1" noMove="1" noResize="1" noEditPoints="1" noAdjustHandles="1" noChangeArrowheads="1" noChangeShapeType="1" noTextEdit="1"/>
+              </p:cNvSpPr>
+              <p:nvPr/>
+            </p:nvSpPr>
+            <p:spPr>
+              <a:xfrm>
+                <a:off x="7681171" y="4294612"/>
+                <a:ext cx="883511" cy="369332"/>
+              </a:xfrm>
+              <a:prstGeom prst="rect">
+                <a:avLst/>
+              </a:prstGeom>
+              <a:blipFill>
+                <a:blip r:embed="rId3"/>
+                <a:stretch>
+                  <a:fillRect b="-16667"/>
+                </a:stretch>
+              </a:blipFill>
+            </p:spPr>
+            <p:txBody>
+              <a:bodyPr/>
+              <a:lstStyle/>
+              <a:p>
+                <a:r>
+                  <a:rPr lang="en-US">
+                    <a:noFill/>
+                  </a:rPr>
+                  <a:t> </a:t>
+                </a:r>
+              </a:p>
+            </p:txBody>
+          </p:sp>
+        </mc:Fallback>
+      </mc:AlternateContent>
+      <mc:AlternateContent xmlns:mc="http://schemas.openxmlformats.org/markup-compatibility/2006">
+        <mc:Choice xmlns:a14="http://schemas.microsoft.com/office/drawing/2010/main" Requires="a14">
+          <p:sp>
+            <p:nvSpPr>
+              <p:cNvPr id="22" name="Rectangle 21">
+                <a:extLst>
+                  <a:ext uri="{FF2B5EF4-FFF2-40B4-BE49-F238E27FC236}">
+                    <a16:creationId xmlns:a16="http://schemas.microsoft.com/office/drawing/2014/main" id="{1D37B46D-6084-6847-8C83-F12F9EFDFF35}"/>
+                  </a:ext>
+                </a:extLst>
+              </p:cNvPr>
+              <p:cNvSpPr/>
+              <p:nvPr/>
+            </p:nvSpPr>
+            <p:spPr>
+              <a:xfrm>
+                <a:off x="9182078" y="5324230"/>
+                <a:ext cx="422680" cy="369332"/>
+              </a:xfrm>
+              <a:prstGeom prst="rect">
+                <a:avLst/>
+              </a:prstGeom>
+            </p:spPr>
+            <p:txBody>
+              <a:bodyPr wrap="none">
+                <a:spAutoFit/>
+              </a:bodyPr>
+              <a:lstStyle/>
+              <a:p>
+                <a14:m>
+                  <m:oMathPara xmlns:m="http://schemas.openxmlformats.org/officeDocument/2006/math">
+                    <m:oMathParaPr>
+                      <m:jc m:val="centerGroup"/>
+                    </m:oMathParaPr>
+                    <m:oMath xmlns:m="http://schemas.openxmlformats.org/officeDocument/2006/math">
+                      <m:r>
+                        <a:rPr lang="en-US" i="1">
+                          <a:latin typeface="Cambria Math" panose="02040503050406030204" pitchFamily="18" charset="0"/>
+                        </a:rPr>
+                        <m:t>𝑦</m:t>
+                      </m:r>
+                      <m:r>
+                        <a:rPr lang="en-US" i="1">
+                          <a:latin typeface="Cambria Math" panose="02040503050406030204" pitchFamily="18" charset="0"/>
+                        </a:rPr>
+                        <m:t> </m:t>
+                      </m:r>
+                    </m:oMath>
+                  </m:oMathPara>
+                </a14:m>
+                <a:endParaRPr lang="en-US" dirty="0"/>
+              </a:p>
+            </p:txBody>
+          </p:sp>
+        </mc:Choice>
+        <mc:Fallback>
+          <p:sp>
+            <p:nvSpPr>
+              <p:cNvPr id="22" name="Rectangle 21">
+                <a:extLst>
+                  <a:ext uri="{FF2B5EF4-FFF2-40B4-BE49-F238E27FC236}">
+                    <a16:creationId xmlns:a16="http://schemas.microsoft.com/office/drawing/2014/main" id="{1D37B46D-6084-6847-8C83-F12F9EFDFF35}"/>
+                  </a:ext>
+                </a:extLst>
+              </p:cNvPr>
+              <p:cNvSpPr>
+                <a:spLocks noRot="1" noChangeAspect="1" noMove="1" noResize="1" noEditPoints="1" noAdjustHandles="1" noChangeArrowheads="1" noChangeShapeType="1" noTextEdit="1"/>
+              </p:cNvSpPr>
+              <p:nvPr/>
+            </p:nvSpPr>
+            <p:spPr>
+              <a:xfrm>
+                <a:off x="9182078" y="5324230"/>
+                <a:ext cx="422680" cy="369332"/>
+              </a:xfrm>
+              <a:prstGeom prst="rect">
+                <a:avLst/>
+              </a:prstGeom>
+              <a:blipFill>
+                <a:blip r:embed="rId4"/>
+                <a:stretch>
+                  <a:fillRect b="-16667"/>
+                </a:stretch>
+              </a:blipFill>
+            </p:spPr>
+            <p:txBody>
+              <a:bodyPr/>
+              <a:lstStyle/>
+              <a:p>
+                <a:r>
+                  <a:rPr lang="en-US">
+                    <a:noFill/>
+                  </a:rPr>
+                  <a:t> </a:t>
+                </a:r>
+              </a:p>
+            </p:txBody>
+          </p:sp>
+        </mc:Fallback>
+      </mc:AlternateContent>
+      <mc:AlternateContent xmlns:mc="http://schemas.openxmlformats.org/markup-compatibility/2006">
+        <mc:Choice xmlns:a14="http://schemas.microsoft.com/office/drawing/2010/main" Requires="a14">
+          <p:sp>
+            <p:nvSpPr>
+              <p:cNvPr id="25" name="Rectangle 24">
+                <a:extLst>
+                  <a:ext uri="{FF2B5EF4-FFF2-40B4-BE49-F238E27FC236}">
+                    <a16:creationId xmlns:a16="http://schemas.microsoft.com/office/drawing/2014/main" id="{7371D5D6-D472-F54F-AFDD-D7EF88A649EC}"/>
+                  </a:ext>
+                </a:extLst>
+              </p:cNvPr>
+              <p:cNvSpPr/>
+              <p:nvPr/>
+            </p:nvSpPr>
+            <p:spPr>
+              <a:xfrm>
+                <a:off x="9336381" y="3405221"/>
+                <a:ext cx="371384" cy="369332"/>
+              </a:xfrm>
+              <a:prstGeom prst="rect">
+                <a:avLst/>
+              </a:prstGeom>
+            </p:spPr>
+            <p:txBody>
+              <a:bodyPr wrap="none">
+                <a:spAutoFit/>
+              </a:bodyPr>
+              <a:lstStyle/>
+              <a:p>
+                <a14:m>
+                  <m:oMathPara xmlns:m="http://schemas.openxmlformats.org/officeDocument/2006/math">
+                    <m:oMathParaPr>
+                      <m:jc m:val="centerGroup"/>
+                    </m:oMathParaPr>
+                    <m:oMath xmlns:m="http://schemas.openxmlformats.org/officeDocument/2006/math">
+                      <m:acc>
+                        <m:accPr>
+                          <m:chr m:val="̂"/>
+                          <m:ctrlPr>
+                            <a:rPr lang="en-US" i="1">
+                              <a:latin typeface="Cambria Math" panose="02040503050406030204" pitchFamily="18" charset="0"/>
+                            </a:rPr>
+                          </m:ctrlPr>
+                        </m:accPr>
+                        <m:e>
+                          <m:r>
+                            <a:rPr lang="en-US" i="1">
+                              <a:latin typeface="Cambria Math" panose="02040503050406030204" pitchFamily="18" charset="0"/>
+                            </a:rPr>
+                            <m:t>𝑦</m:t>
+                          </m:r>
+                        </m:e>
+                      </m:acc>
+                    </m:oMath>
+                  </m:oMathPara>
+                </a14:m>
+                <a:endParaRPr lang="en-US" dirty="0"/>
+              </a:p>
+            </p:txBody>
+          </p:sp>
+        </mc:Choice>
+        <mc:Fallback>
+          <p:sp>
+            <p:nvSpPr>
+              <p:cNvPr id="25" name="Rectangle 24">
+                <a:extLst>
+                  <a:ext uri="{FF2B5EF4-FFF2-40B4-BE49-F238E27FC236}">
+                    <a16:creationId xmlns:a16="http://schemas.microsoft.com/office/drawing/2014/main" id="{7371D5D6-D472-F54F-AFDD-D7EF88A649EC}"/>
+                  </a:ext>
+                </a:extLst>
+              </p:cNvPr>
+              <p:cNvSpPr>
+                <a:spLocks noRot="1" noChangeAspect="1" noMove="1" noResize="1" noEditPoints="1" noAdjustHandles="1" noChangeArrowheads="1" noChangeShapeType="1" noTextEdit="1"/>
+              </p:cNvSpPr>
+              <p:nvPr/>
+            </p:nvSpPr>
+            <p:spPr>
+              <a:xfrm>
+                <a:off x="9336381" y="3405221"/>
+                <a:ext cx="371384" cy="369332"/>
+              </a:xfrm>
+              <a:prstGeom prst="rect">
+                <a:avLst/>
+              </a:prstGeom>
+              <a:blipFill>
+                <a:blip r:embed="rId5"/>
+                <a:stretch>
+                  <a:fillRect b="-6667"/>
+                </a:stretch>
+              </a:blipFill>
+            </p:spPr>
+            <p:txBody>
+              <a:bodyPr/>
+              <a:lstStyle/>
+              <a:p>
+                <a:r>
+                  <a:rPr lang="en-US">
+                    <a:noFill/>
+                  </a:rPr>
+                  <a:t> </a:t>
+                </a:r>
+              </a:p>
+            </p:txBody>
+          </p:sp>
+        </mc:Fallback>
+      </mc:AlternateContent>
+      <mc:AlternateContent xmlns:mc="http://schemas.openxmlformats.org/markup-compatibility/2006">
+        <mc:Choice xmlns:a14="http://schemas.microsoft.com/office/drawing/2010/main" Requires="a14">
+          <p:sp>
+            <p:nvSpPr>
+              <p:cNvPr id="54" name="TextBox 53">
+                <a:extLst>
+                  <a:ext uri="{FF2B5EF4-FFF2-40B4-BE49-F238E27FC236}">
+                    <a16:creationId xmlns:a16="http://schemas.microsoft.com/office/drawing/2014/main" id="{8CF323A7-DE7F-7848-B53D-40B241D8D38F}"/>
+                  </a:ext>
+                </a:extLst>
+              </p:cNvPr>
+              <p:cNvSpPr txBox="1"/>
+              <p:nvPr/>
+            </p:nvSpPr>
+            <p:spPr>
+              <a:xfrm>
+                <a:off x="4910340" y="1651045"/>
+                <a:ext cx="4316695" cy="894219"/>
+              </a:xfrm>
+              <a:prstGeom prst="rect">
+                <a:avLst/>
+              </a:prstGeom>
+              <a:noFill/>
+            </p:spPr>
+            <p:txBody>
+              <a:bodyPr wrap="none" lIns="0" tIns="0" rIns="0" bIns="0" rtlCol="0">
+                <a:spAutoFit/>
+              </a:bodyPr>
+              <a:lstStyle/>
+              <a:p>
+                <a:pPr/>
+                <a14:m>
+                  <m:oMathPara xmlns:m="http://schemas.openxmlformats.org/officeDocument/2006/math">
+                    <m:oMathParaPr>
+                      <m:jc m:val="centerGroup"/>
+                    </m:oMathParaPr>
+                    <m:oMath xmlns:m="http://schemas.openxmlformats.org/officeDocument/2006/math">
+                      <m:r>
+                        <a:rPr lang="en-US" sz="2400" b="0" i="1" smtClean="0">
+                          <a:latin typeface="Cambria Math" panose="02040503050406030204" pitchFamily="18" charset="0"/>
+                        </a:rPr>
+                        <m:t>𝑀𝐴𝑃𝐸</m:t>
+                      </m:r>
+                      <m:r>
+                        <a:rPr lang="en-US" sz="2400" b="0" i="1" smtClean="0">
+                          <a:latin typeface="Cambria Math" panose="02040503050406030204" pitchFamily="18" charset="0"/>
+                        </a:rPr>
+                        <m:t>= </m:t>
+                      </m:r>
+                      <m:f>
+                        <m:fPr>
+                          <m:ctrlPr>
+                            <a:rPr lang="en-US" sz="2400" b="0" i="1" smtClean="0">
+                              <a:latin typeface="Cambria Math" panose="02040503050406030204" pitchFamily="18" charset="0"/>
+                            </a:rPr>
+                          </m:ctrlPr>
+                        </m:fPr>
+                        <m:num>
+                          <m:r>
+                            <a:rPr lang="en-US" sz="2400" b="0" i="1" smtClean="0">
+                              <a:latin typeface="Cambria Math" panose="02040503050406030204" pitchFamily="18" charset="0"/>
+                            </a:rPr>
+                            <m:t>1</m:t>
+                          </m:r>
+                          <m:r>
+                            <a:rPr lang="en-US" sz="2400" b="0" i="1" smtClean="0">
+                              <a:latin typeface="Cambria Math" panose="02040503050406030204" pitchFamily="18" charset="0"/>
+                            </a:rPr>
+                            <m:t>00%</m:t>
+                          </m:r>
+                        </m:num>
+                        <m:den>
+                          <m:r>
+                            <a:rPr lang="en-US" sz="2400" b="0" i="1" smtClean="0">
+                              <a:latin typeface="Cambria Math" panose="02040503050406030204" pitchFamily="18" charset="0"/>
+                            </a:rPr>
+                            <m:t>𝑛</m:t>
+                          </m:r>
+                        </m:den>
+                      </m:f>
+                      <m:nary>
+                        <m:naryPr>
+                          <m:chr m:val="∑"/>
+                          <m:subHide m:val="on"/>
+                          <m:supHide m:val="on"/>
+                          <m:ctrlPr>
+                            <a:rPr lang="en-US" sz="2400" b="0" i="1" smtClean="0">
+                              <a:latin typeface="Cambria Math" panose="02040503050406030204" pitchFamily="18" charset="0"/>
+                            </a:rPr>
+                          </m:ctrlPr>
+                        </m:naryPr>
+                        <m:sub/>
+                        <m:sup/>
+                        <m:e>
+                          <m:r>
+                            <a:rPr lang="en-US" sz="2400" b="0" i="1" smtClean="0">
+                              <a:latin typeface="Cambria Math" panose="02040503050406030204" pitchFamily="18" charset="0"/>
+                            </a:rPr>
+                            <m:t>|</m:t>
+                          </m:r>
+                          <m:r>
+                            <a:rPr lang="en-US" sz="2400" i="1">
+                              <a:latin typeface="Cambria Math" panose="02040503050406030204" pitchFamily="18" charset="0"/>
+                            </a:rPr>
+                            <m:t>(</m:t>
+                          </m:r>
+                          <m:r>
+                            <a:rPr lang="en-US" sz="2400" i="1">
+                              <a:latin typeface="Cambria Math" panose="02040503050406030204" pitchFamily="18" charset="0"/>
+                            </a:rPr>
+                            <m:t>𝑦</m:t>
+                          </m:r>
+                          <m:r>
+                            <a:rPr lang="en-US" sz="2400" i="1">
+                              <a:latin typeface="Cambria Math" panose="02040503050406030204" pitchFamily="18" charset="0"/>
+                            </a:rPr>
+                            <m:t> − </m:t>
+                          </m:r>
+                          <m:acc>
+                            <m:accPr>
+                              <m:chr m:val="̂"/>
+                              <m:ctrlPr>
+                                <a:rPr lang="en-US" sz="2400" i="1">
+                                  <a:latin typeface="Cambria Math" panose="02040503050406030204" pitchFamily="18" charset="0"/>
+                                </a:rPr>
+                              </m:ctrlPr>
+                            </m:accPr>
+                            <m:e>
+                              <m:r>
+                                <a:rPr lang="en-US" sz="2400" i="1">
+                                  <a:latin typeface="Cambria Math" panose="02040503050406030204" pitchFamily="18" charset="0"/>
+                                </a:rPr>
+                                <m:t>𝑦</m:t>
+                              </m:r>
+                            </m:e>
+                          </m:acc>
+                          <m:r>
+                            <a:rPr lang="en-US" sz="2400" b="0" i="1" smtClean="0">
+                              <a:latin typeface="Cambria Math" panose="02040503050406030204" pitchFamily="18" charset="0"/>
+                            </a:rPr>
+                            <m:t>)</m:t>
+                          </m:r>
+                          <m:r>
+                            <a:rPr lang="en-US" sz="2400" b="0" i="1" smtClean="0">
+                              <a:latin typeface="Cambria Math" panose="02040503050406030204" pitchFamily="18" charset="0"/>
+                            </a:rPr>
+                            <m:t>/</m:t>
+                          </m:r>
+                          <m:r>
+                            <a:rPr lang="en-US" sz="2400" b="0" i="1" smtClean="0">
+                              <a:latin typeface="Cambria Math" panose="02040503050406030204" pitchFamily="18" charset="0"/>
+                            </a:rPr>
+                            <m:t>𝑦</m:t>
+                          </m:r>
+                          <m:r>
+                            <a:rPr lang="en-US" sz="2400" b="0" i="1" smtClean="0">
+                              <a:latin typeface="Cambria Math" panose="02040503050406030204" pitchFamily="18" charset="0"/>
+                            </a:rPr>
+                            <m:t>|</m:t>
+                          </m:r>
+                        </m:e>
+                      </m:nary>
+                    </m:oMath>
+                  </m:oMathPara>
+                </a14:m>
+                <a:endParaRPr lang="en-US" sz="2400" dirty="0"/>
+              </a:p>
+            </p:txBody>
+          </p:sp>
+        </mc:Choice>
+        <mc:Fallback>
+          <p:sp>
+            <p:nvSpPr>
+              <p:cNvPr id="54" name="TextBox 53">
+                <a:extLst>
+                  <a:ext uri="{FF2B5EF4-FFF2-40B4-BE49-F238E27FC236}">
+                    <a16:creationId xmlns:a16="http://schemas.microsoft.com/office/drawing/2014/main" id="{8CF323A7-DE7F-7848-B53D-40B241D8D38F}"/>
+                  </a:ext>
+                </a:extLst>
+              </p:cNvPr>
+              <p:cNvSpPr txBox="1">
+                <a:spLocks noRot="1" noChangeAspect="1" noMove="1" noResize="1" noEditPoints="1" noAdjustHandles="1" noChangeArrowheads="1" noChangeShapeType="1" noTextEdit="1"/>
+              </p:cNvSpPr>
+              <p:nvPr/>
+            </p:nvSpPr>
+            <p:spPr>
+              <a:xfrm>
+                <a:off x="4910340" y="1651045"/>
+                <a:ext cx="4316695" cy="894219"/>
+              </a:xfrm>
+              <a:prstGeom prst="rect">
+                <a:avLst/>
+              </a:prstGeom>
+              <a:blipFill>
+                <a:blip r:embed="rId6"/>
+                <a:stretch>
+                  <a:fillRect l="-1173" t="-147887" r="-1760" b="-205634"/>
+                </a:stretch>
+              </a:blipFill>
+            </p:spPr>
+            <p:txBody>
+              <a:bodyPr/>
+              <a:lstStyle/>
+              <a:p>
+                <a:r>
+                  <a:rPr lang="en-US">
+                    <a:noFill/>
+                  </a:rPr>
+                  <a:t> </a:t>
+                </a:r>
+              </a:p>
+            </p:txBody>
+          </p:sp>
+        </mc:Fallback>
+      </mc:AlternateContent>
+      <p:grpSp>
+        <p:nvGrpSpPr>
+          <p:cNvPr id="72" name="Group 71">
+            <a:extLst>
+              <a:ext uri="{FF2B5EF4-FFF2-40B4-BE49-F238E27FC236}">
+                <a16:creationId xmlns:a16="http://schemas.microsoft.com/office/drawing/2014/main" id="{A4C1DA6B-58AC-9046-A4DE-87C268FF6CEB}"/>
+              </a:ext>
+            </a:extLst>
+          </p:cNvPr>
+          <p:cNvGrpSpPr/>
+          <p:nvPr/>
+        </p:nvGrpSpPr>
+        <p:grpSpPr>
+          <a:xfrm>
+            <a:off x="8077185" y="997050"/>
+            <a:ext cx="959109" cy="1248513"/>
+            <a:chOff x="7201616" y="1036160"/>
+            <a:chExt cx="959109" cy="1248513"/>
+          </a:xfrm>
+        </p:grpSpPr>
+        <p:sp>
+          <p:nvSpPr>
+            <p:cNvPr id="56" name="Rectangle 55">
+              <a:extLst>
+                <a:ext uri="{FF2B5EF4-FFF2-40B4-BE49-F238E27FC236}">
+                  <a16:creationId xmlns:a16="http://schemas.microsoft.com/office/drawing/2014/main" id="{62FE70B8-B4F4-E34A-A244-06C3495F07DA}"/>
+                </a:ext>
+              </a:extLst>
+            </p:cNvPr>
+            <p:cNvSpPr/>
+            <p:nvPr/>
+          </p:nvSpPr>
+          <p:spPr>
+            <a:xfrm>
+              <a:off x="7511309" y="1901071"/>
+              <a:ext cx="223025" cy="383602"/>
+            </a:xfrm>
+            <a:prstGeom prst="rect">
+              <a:avLst/>
+            </a:prstGeom>
+            <a:noFill/>
+            <a:ln>
+              <a:solidFill>
+                <a:srgbClr val="C00000"/>
+              </a:solidFill>
+            </a:ln>
+          </p:spPr>
+          <p:style>
+            <a:lnRef idx="2">
+              <a:schemeClr val="dk1"/>
+            </a:lnRef>
+            <a:fillRef idx="1">
+              <a:schemeClr val="lt1"/>
+            </a:fillRef>
+            <a:effectRef idx="0">
+              <a:schemeClr val="dk1"/>
+            </a:effectRef>
+            <a:fontRef idx="minor">
+              <a:schemeClr val="dk1"/>
+            </a:fontRef>
+          </p:style>
+          <p:txBody>
+            <a:bodyPr rtlCol="0" anchor="ctr"/>
+            <a:lstStyle/>
+            <a:p>
+              <a:pPr algn="ctr"/>
+              <a:endParaRPr lang="en-US"/>
+            </a:p>
+          </p:txBody>
+        </p:sp>
+        <p:cxnSp>
+          <p:nvCxnSpPr>
+            <p:cNvPr id="57" name="Straight Connector 56">
+              <a:extLst>
+                <a:ext uri="{FF2B5EF4-FFF2-40B4-BE49-F238E27FC236}">
+                  <a16:creationId xmlns:a16="http://schemas.microsoft.com/office/drawing/2014/main" id="{A437AA53-7511-9243-87E7-5072189110E5}"/>
+                </a:ext>
+              </a:extLst>
+            </p:cNvPr>
+            <p:cNvCxnSpPr>
+              <a:cxnSpLocks/>
+            </p:cNvCxnSpPr>
+            <p:nvPr/>
+          </p:nvCxnSpPr>
+          <p:spPr>
+            <a:xfrm>
+              <a:off x="7604557" y="1507959"/>
+              <a:ext cx="0" cy="365534"/>
+            </a:xfrm>
+            <a:prstGeom prst="line">
+              <a:avLst/>
+            </a:prstGeom>
+            <a:ln w="9525" cap="flat" cmpd="sng" algn="ctr">
+              <a:solidFill>
+                <a:srgbClr val="C00000"/>
+              </a:solidFill>
+              <a:prstDash val="dash"/>
+              <a:round/>
+              <a:headEnd type="none" w="med" len="med"/>
+              <a:tailEnd type="none" w="med" len="med"/>
+            </a:ln>
+          </p:spPr>
+          <p:style>
+            <a:lnRef idx="0">
+              <a:scrgbClr r="0" g="0" b="0"/>
+            </a:lnRef>
+            <a:fillRef idx="0">
+              <a:scrgbClr r="0" g="0" b="0"/>
+            </a:fillRef>
+            <a:effectRef idx="0">
+              <a:scrgbClr r="0" g="0" b="0"/>
+            </a:effectRef>
+            <a:fontRef idx="minor">
+              <a:schemeClr val="tx1"/>
+            </a:fontRef>
+          </p:style>
+        </p:cxnSp>
+        <p:sp>
+          <p:nvSpPr>
+            <p:cNvPr id="58" name="Rectangle 57">
+              <a:extLst>
+                <a:ext uri="{FF2B5EF4-FFF2-40B4-BE49-F238E27FC236}">
+                  <a16:creationId xmlns:a16="http://schemas.microsoft.com/office/drawing/2014/main" id="{ACF44C9E-C805-B54E-BD94-AAB9FC7FD296}"/>
+                </a:ext>
+              </a:extLst>
+            </p:cNvPr>
+            <p:cNvSpPr/>
+            <p:nvPr/>
+          </p:nvSpPr>
+          <p:spPr>
+            <a:xfrm>
+              <a:off x="7201616" y="1036160"/>
+              <a:ext cx="959109" cy="523220"/>
+            </a:xfrm>
+            <a:prstGeom prst="rect">
+              <a:avLst/>
+            </a:prstGeom>
+          </p:spPr>
+          <p:txBody>
+            <a:bodyPr wrap="none">
+              <a:spAutoFit/>
+            </a:bodyPr>
+            <a:lstStyle/>
+            <a:p>
+              <a:pPr algn="ctr"/>
+              <a:r>
+                <a:rPr lang="en-US" sz="1400" dirty="0">
+                  <a:solidFill>
+                    <a:srgbClr val="C00000"/>
+                  </a:solidFill>
+                  <a:latin typeface="Avenir Roman" panose="02000503020000020003" pitchFamily="2" charset="0"/>
+                </a:rPr>
+                <a:t>Predicted</a:t>
+              </a:r>
+            </a:p>
+            <a:p>
+              <a:pPr algn="ctr"/>
+              <a:r>
+                <a:rPr lang="en-US" sz="1400" dirty="0">
+                  <a:solidFill>
+                    <a:srgbClr val="C00000"/>
+                  </a:solidFill>
+                  <a:latin typeface="Avenir Roman" panose="02000503020000020003" pitchFamily="2" charset="0"/>
+                </a:rPr>
+                <a:t>value</a:t>
+              </a:r>
+            </a:p>
+          </p:txBody>
+        </p:sp>
+      </p:grpSp>
+      <p:grpSp>
+        <p:nvGrpSpPr>
+          <p:cNvPr id="71" name="Group 70">
+            <a:extLst>
+              <a:ext uri="{FF2B5EF4-FFF2-40B4-BE49-F238E27FC236}">
+                <a16:creationId xmlns:a16="http://schemas.microsoft.com/office/drawing/2014/main" id="{A7BF6434-F69D-A548-A818-D14A360FEE82}"/>
+              </a:ext>
+            </a:extLst>
+          </p:cNvPr>
+          <p:cNvGrpSpPr/>
+          <p:nvPr/>
+        </p:nvGrpSpPr>
+        <p:grpSpPr>
+          <a:xfrm>
+            <a:off x="7376601" y="1879720"/>
+            <a:ext cx="798617" cy="1239041"/>
+            <a:chOff x="6491673" y="1859631"/>
+            <a:chExt cx="798617" cy="1239041"/>
+          </a:xfrm>
+        </p:grpSpPr>
+        <p:sp>
+          <p:nvSpPr>
+            <p:cNvPr id="55" name="Rectangle 54">
+              <a:extLst>
+                <a:ext uri="{FF2B5EF4-FFF2-40B4-BE49-F238E27FC236}">
+                  <a16:creationId xmlns:a16="http://schemas.microsoft.com/office/drawing/2014/main" id="{CBEBD6FE-EA92-A847-A8BE-F19BE24C9F5B}"/>
+                </a:ext>
+              </a:extLst>
+            </p:cNvPr>
+            <p:cNvSpPr/>
+            <p:nvPr/>
+          </p:nvSpPr>
+          <p:spPr>
+            <a:xfrm>
+              <a:off x="6830556" y="1859631"/>
+              <a:ext cx="223025" cy="383602"/>
+            </a:xfrm>
+            <a:prstGeom prst="rect">
+              <a:avLst/>
+            </a:prstGeom>
+            <a:noFill/>
+            <a:ln>
+              <a:solidFill>
+                <a:srgbClr val="C00000"/>
+              </a:solidFill>
+            </a:ln>
+          </p:spPr>
+          <p:style>
+            <a:lnRef idx="2">
+              <a:schemeClr val="dk1"/>
+            </a:lnRef>
+            <a:fillRef idx="1">
+              <a:schemeClr val="lt1"/>
+            </a:fillRef>
+            <a:effectRef idx="0">
+              <a:schemeClr val="dk1"/>
+            </a:effectRef>
+            <a:fontRef idx="minor">
+              <a:schemeClr val="dk1"/>
+            </a:fontRef>
+          </p:style>
+          <p:txBody>
+            <a:bodyPr rtlCol="0" anchor="ctr"/>
+            <a:lstStyle/>
+            <a:p>
+              <a:pPr algn="ctr"/>
+              <a:endParaRPr lang="en-US"/>
+            </a:p>
+          </p:txBody>
+        </p:sp>
+        <p:cxnSp>
+          <p:nvCxnSpPr>
+            <p:cNvPr id="59" name="Straight Connector 58">
+              <a:extLst>
+                <a:ext uri="{FF2B5EF4-FFF2-40B4-BE49-F238E27FC236}">
+                  <a16:creationId xmlns:a16="http://schemas.microsoft.com/office/drawing/2014/main" id="{5A67FF75-04C7-E345-9B24-CFAF0A1A85CA}"/>
+                </a:ext>
+              </a:extLst>
+            </p:cNvPr>
+            <p:cNvCxnSpPr>
+              <a:cxnSpLocks/>
+            </p:cNvCxnSpPr>
+            <p:nvPr/>
+          </p:nvCxnSpPr>
+          <p:spPr>
+            <a:xfrm>
+              <a:off x="6942069" y="2270702"/>
+              <a:ext cx="0" cy="365534"/>
+            </a:xfrm>
+            <a:prstGeom prst="line">
+              <a:avLst/>
+            </a:prstGeom>
+            <a:ln w="9525" cap="flat" cmpd="sng" algn="ctr">
+              <a:solidFill>
+                <a:srgbClr val="C00000"/>
+              </a:solidFill>
+              <a:prstDash val="dash"/>
+              <a:round/>
+              <a:headEnd type="none" w="med" len="med"/>
+              <a:tailEnd type="none" w="med" len="med"/>
+            </a:ln>
+          </p:spPr>
+          <p:style>
+            <a:lnRef idx="0">
+              <a:scrgbClr r="0" g="0" b="0"/>
+            </a:lnRef>
+            <a:fillRef idx="0">
+              <a:scrgbClr r="0" g="0" b="0"/>
+            </a:fillRef>
+            <a:effectRef idx="0">
+              <a:scrgbClr r="0" g="0" b="0"/>
+            </a:effectRef>
+            <a:fontRef idx="minor">
+              <a:schemeClr val="tx1"/>
+            </a:fontRef>
+          </p:style>
+        </p:cxnSp>
+        <p:sp>
+          <p:nvSpPr>
+            <p:cNvPr id="60" name="Rectangle 59">
+              <a:extLst>
+                <a:ext uri="{FF2B5EF4-FFF2-40B4-BE49-F238E27FC236}">
+                  <a16:creationId xmlns:a16="http://schemas.microsoft.com/office/drawing/2014/main" id="{DABDC104-7788-0F43-8FB1-61605E8A005A}"/>
+                </a:ext>
+              </a:extLst>
+            </p:cNvPr>
+            <p:cNvSpPr/>
+            <p:nvPr/>
+          </p:nvSpPr>
+          <p:spPr>
+            <a:xfrm>
+              <a:off x="6491673" y="2575452"/>
+              <a:ext cx="798617" cy="523220"/>
+            </a:xfrm>
+            <a:prstGeom prst="rect">
+              <a:avLst/>
+            </a:prstGeom>
+          </p:spPr>
+          <p:txBody>
+            <a:bodyPr wrap="none">
+              <a:spAutoFit/>
+            </a:bodyPr>
+            <a:lstStyle/>
+            <a:p>
+              <a:pPr algn="ctr"/>
+              <a:r>
+                <a:rPr lang="en-US" sz="1400" dirty="0">
+                  <a:solidFill>
+                    <a:srgbClr val="C00000"/>
+                  </a:solidFill>
+                  <a:latin typeface="Avenir Roman" panose="02000503020000020003" pitchFamily="2" charset="0"/>
+                </a:rPr>
+                <a:t>Ground</a:t>
+              </a:r>
+            </a:p>
+            <a:p>
+              <a:pPr algn="ctr"/>
+              <a:r>
+                <a:rPr lang="en-US" sz="1400" dirty="0">
+                  <a:solidFill>
+                    <a:srgbClr val="C00000"/>
+                  </a:solidFill>
+                  <a:latin typeface="Avenir Roman" panose="02000503020000020003" pitchFamily="2" charset="0"/>
+                </a:rPr>
+                <a:t>truth</a:t>
+              </a:r>
+            </a:p>
+          </p:txBody>
+        </p:sp>
+      </p:grpSp>
+      <p:grpSp>
+        <p:nvGrpSpPr>
+          <p:cNvPr id="70" name="Group 69">
+            <a:extLst>
+              <a:ext uri="{FF2B5EF4-FFF2-40B4-BE49-F238E27FC236}">
+                <a16:creationId xmlns:a16="http://schemas.microsoft.com/office/drawing/2014/main" id="{3DA49BAB-190E-3F44-A568-125E77AC3778}"/>
+              </a:ext>
+            </a:extLst>
+          </p:cNvPr>
+          <p:cNvGrpSpPr/>
+          <p:nvPr/>
+        </p:nvGrpSpPr>
+        <p:grpSpPr>
+          <a:xfrm>
+            <a:off x="6869468" y="1131806"/>
+            <a:ext cx="748924" cy="577648"/>
+            <a:chOff x="4544708" y="1136028"/>
+            <a:chExt cx="748924" cy="577648"/>
+          </a:xfrm>
+        </p:grpSpPr>
+        <p:cxnSp>
+          <p:nvCxnSpPr>
+            <p:cNvPr id="61" name="Straight Connector 60">
+              <a:extLst>
+                <a:ext uri="{FF2B5EF4-FFF2-40B4-BE49-F238E27FC236}">
+                  <a16:creationId xmlns:a16="http://schemas.microsoft.com/office/drawing/2014/main" id="{B3D987E7-E7BB-DC4A-A867-5B24A7811F71}"/>
+                </a:ext>
+              </a:extLst>
+            </p:cNvPr>
+            <p:cNvCxnSpPr>
+              <a:cxnSpLocks/>
+            </p:cNvCxnSpPr>
+            <p:nvPr/>
+          </p:nvCxnSpPr>
+          <p:spPr>
+            <a:xfrm>
+              <a:off x="4977337" y="1348142"/>
+              <a:ext cx="0" cy="365534"/>
+            </a:xfrm>
+            <a:prstGeom prst="line">
+              <a:avLst/>
+            </a:prstGeom>
+            <a:ln w="9525" cap="flat" cmpd="sng" algn="ctr">
+              <a:solidFill>
+                <a:srgbClr val="C00000"/>
+              </a:solidFill>
+              <a:prstDash val="dash"/>
+              <a:round/>
+              <a:headEnd type="none" w="med" len="med"/>
+              <a:tailEnd type="none" w="med" len="med"/>
+            </a:ln>
+          </p:spPr>
+          <p:style>
+            <a:lnRef idx="0">
+              <a:scrgbClr r="0" g="0" b="0"/>
+            </a:lnRef>
+            <a:fillRef idx="0">
+              <a:scrgbClr r="0" g="0" b="0"/>
+            </a:fillRef>
+            <a:effectRef idx="0">
+              <a:scrgbClr r="0" g="0" b="0"/>
+            </a:effectRef>
+            <a:fontRef idx="minor">
+              <a:schemeClr val="tx1"/>
+            </a:fontRef>
+          </p:style>
+        </p:cxnSp>
+        <p:sp>
+          <p:nvSpPr>
+            <p:cNvPr id="62" name="Rectangle 61">
+              <a:extLst>
+                <a:ext uri="{FF2B5EF4-FFF2-40B4-BE49-F238E27FC236}">
+                  <a16:creationId xmlns:a16="http://schemas.microsoft.com/office/drawing/2014/main" id="{9D5FB42D-0E90-2245-A189-BAE478E1FCB8}"/>
+                </a:ext>
+              </a:extLst>
+            </p:cNvPr>
+            <p:cNvSpPr/>
+            <p:nvPr/>
+          </p:nvSpPr>
+          <p:spPr>
+            <a:xfrm>
+              <a:off x="4544708" y="1136028"/>
+              <a:ext cx="748924" cy="307777"/>
+            </a:xfrm>
+            <a:prstGeom prst="rect">
+              <a:avLst/>
+            </a:prstGeom>
+          </p:spPr>
+          <p:txBody>
+            <a:bodyPr wrap="none">
+              <a:spAutoFit/>
+            </a:bodyPr>
+            <a:lstStyle/>
+            <a:p>
+              <a:pPr algn="ctr"/>
+              <a:r>
+                <a:rPr lang="en-US" sz="1400" dirty="0">
+                  <a:solidFill>
+                    <a:srgbClr val="C00000"/>
+                  </a:solidFill>
+                  <a:latin typeface="Avenir Roman" panose="02000503020000020003" pitchFamily="2" charset="0"/>
+                </a:rPr>
+                <a:t>Sum of</a:t>
+              </a:r>
+            </a:p>
+          </p:txBody>
+        </p:sp>
+      </p:grpSp>
+      <p:grpSp>
+        <p:nvGrpSpPr>
+          <p:cNvPr id="69" name="Group 68">
+            <a:extLst>
+              <a:ext uri="{FF2B5EF4-FFF2-40B4-BE49-F238E27FC236}">
+                <a16:creationId xmlns:a16="http://schemas.microsoft.com/office/drawing/2014/main" id="{09A77B56-EEA3-1247-BBC4-69EC41312942}"/>
+              </a:ext>
+            </a:extLst>
+          </p:cNvPr>
+          <p:cNvGrpSpPr/>
+          <p:nvPr/>
+        </p:nvGrpSpPr>
+        <p:grpSpPr>
+          <a:xfrm>
+            <a:off x="5619281" y="2139218"/>
+            <a:ext cx="1300356" cy="1006509"/>
+            <a:chOff x="5084577" y="1638272"/>
+            <a:chExt cx="1300356" cy="1006509"/>
+          </a:xfrm>
+        </p:grpSpPr>
+        <p:sp>
+          <p:nvSpPr>
+            <p:cNvPr id="63" name="Rectangle 62">
+              <a:extLst>
+                <a:ext uri="{FF2B5EF4-FFF2-40B4-BE49-F238E27FC236}">
+                  <a16:creationId xmlns:a16="http://schemas.microsoft.com/office/drawing/2014/main" id="{64EFD44C-3AA9-5B4E-92F4-F2134672C77C}"/>
+                </a:ext>
+              </a:extLst>
+            </p:cNvPr>
+            <p:cNvSpPr/>
+            <p:nvPr/>
+          </p:nvSpPr>
+          <p:spPr>
+            <a:xfrm>
+              <a:off x="6009459" y="1638272"/>
+              <a:ext cx="219819" cy="303146"/>
+            </a:xfrm>
+            <a:prstGeom prst="rect">
+              <a:avLst/>
+            </a:prstGeom>
+            <a:noFill/>
+            <a:ln>
+              <a:solidFill>
+                <a:srgbClr val="C00000"/>
+              </a:solidFill>
+            </a:ln>
+          </p:spPr>
+          <p:style>
+            <a:lnRef idx="2">
+              <a:schemeClr val="dk1"/>
+            </a:lnRef>
+            <a:fillRef idx="1">
+              <a:schemeClr val="lt1"/>
+            </a:fillRef>
+            <a:effectRef idx="0">
+              <a:schemeClr val="dk1"/>
+            </a:effectRef>
+            <a:fontRef idx="minor">
+              <a:schemeClr val="dk1"/>
+            </a:fontRef>
+          </p:style>
+          <p:txBody>
+            <a:bodyPr rtlCol="0" anchor="ctr"/>
+            <a:lstStyle/>
+            <a:p>
+              <a:pPr algn="ctr"/>
+              <a:endParaRPr lang="en-US"/>
+            </a:p>
+          </p:txBody>
+        </p:sp>
+        <p:cxnSp>
+          <p:nvCxnSpPr>
+            <p:cNvPr id="64" name="Straight Connector 63">
+              <a:extLst>
+                <a:ext uri="{FF2B5EF4-FFF2-40B4-BE49-F238E27FC236}">
+                  <a16:creationId xmlns:a16="http://schemas.microsoft.com/office/drawing/2014/main" id="{7C0007BF-2973-7948-BC51-16F26F6EF01C}"/>
+                </a:ext>
+              </a:extLst>
+            </p:cNvPr>
+            <p:cNvCxnSpPr>
+              <a:cxnSpLocks/>
+            </p:cNvCxnSpPr>
+            <p:nvPr/>
+          </p:nvCxnSpPr>
+          <p:spPr>
+            <a:xfrm flipH="1">
+              <a:off x="5869702" y="2012594"/>
+              <a:ext cx="171187" cy="384736"/>
+            </a:xfrm>
+            <a:prstGeom prst="line">
+              <a:avLst/>
+            </a:prstGeom>
+            <a:ln w="9525" cap="flat" cmpd="sng" algn="ctr">
+              <a:solidFill>
+                <a:srgbClr val="C00000"/>
+              </a:solidFill>
+              <a:prstDash val="dash"/>
+              <a:round/>
+              <a:headEnd type="none" w="med" len="med"/>
+              <a:tailEnd type="none" w="med" len="med"/>
+            </a:ln>
+          </p:spPr>
+          <p:style>
+            <a:lnRef idx="0">
+              <a:scrgbClr r="0" g="0" b="0"/>
+            </a:lnRef>
+            <a:fillRef idx="0">
+              <a:scrgbClr r="0" g="0" b="0"/>
+            </a:fillRef>
+            <a:effectRef idx="0">
+              <a:scrgbClr r="0" g="0" b="0"/>
+            </a:effectRef>
+            <a:fontRef idx="minor">
+              <a:schemeClr val="tx1"/>
+            </a:fontRef>
+          </p:style>
+        </p:cxnSp>
+        <p:sp>
+          <p:nvSpPr>
+            <p:cNvPr id="65" name="Rectangle 64">
+              <a:extLst>
+                <a:ext uri="{FF2B5EF4-FFF2-40B4-BE49-F238E27FC236}">
+                  <a16:creationId xmlns:a16="http://schemas.microsoft.com/office/drawing/2014/main" id="{EA2EB60D-02EC-6644-AD23-04E873F2907E}"/>
+                </a:ext>
+              </a:extLst>
+            </p:cNvPr>
+            <p:cNvSpPr/>
+            <p:nvPr/>
+          </p:nvSpPr>
+          <p:spPr>
+            <a:xfrm>
+              <a:off x="5084577" y="2337004"/>
+              <a:ext cx="1300356" cy="307777"/>
+            </a:xfrm>
+            <a:prstGeom prst="rect">
+              <a:avLst/>
+            </a:prstGeom>
+          </p:spPr>
+          <p:txBody>
+            <a:bodyPr wrap="none">
+              <a:spAutoFit/>
+            </a:bodyPr>
+            <a:lstStyle/>
+            <a:p>
+              <a:pPr algn="ctr"/>
+              <a:r>
+                <a:rPr lang="en-US" sz="1400" dirty="0">
+                  <a:solidFill>
+                    <a:srgbClr val="C00000"/>
+                  </a:solidFill>
+                  <a:latin typeface="Avenir Roman" panose="02000503020000020003" pitchFamily="2" charset="0"/>
+                </a:rPr>
+                <a:t>Average of…</a:t>
+              </a:r>
+            </a:p>
+          </p:txBody>
+        </p:sp>
+      </p:grpSp>
+      <p:grpSp>
+        <p:nvGrpSpPr>
+          <p:cNvPr id="73" name="Group 72">
+            <a:extLst>
+              <a:ext uri="{FF2B5EF4-FFF2-40B4-BE49-F238E27FC236}">
+                <a16:creationId xmlns:a16="http://schemas.microsoft.com/office/drawing/2014/main" id="{F225EE4D-1775-814B-9211-3A3D35A21EC0}"/>
+              </a:ext>
+            </a:extLst>
+          </p:cNvPr>
+          <p:cNvGrpSpPr/>
+          <p:nvPr/>
+        </p:nvGrpSpPr>
+        <p:grpSpPr>
+          <a:xfrm>
+            <a:off x="7475960" y="1329317"/>
+            <a:ext cx="2850616" cy="969920"/>
+            <a:chOff x="6623720" y="1365907"/>
+            <a:chExt cx="2850616" cy="969920"/>
+          </a:xfrm>
+        </p:grpSpPr>
+        <p:sp>
+          <p:nvSpPr>
+            <p:cNvPr id="66" name="Rectangle 65">
+              <a:extLst>
+                <a:ext uri="{FF2B5EF4-FFF2-40B4-BE49-F238E27FC236}">
+                  <a16:creationId xmlns:a16="http://schemas.microsoft.com/office/drawing/2014/main" id="{6473E562-2CB2-0A47-88CC-687E4D489AE8}"/>
+                </a:ext>
+              </a:extLst>
+            </p:cNvPr>
+            <p:cNvSpPr/>
+            <p:nvPr/>
+          </p:nvSpPr>
+          <p:spPr>
+            <a:xfrm>
+              <a:off x="6623720" y="1844877"/>
+              <a:ext cx="1751076" cy="490950"/>
+            </a:xfrm>
+            <a:prstGeom prst="rect">
+              <a:avLst/>
+            </a:prstGeom>
+            <a:noFill/>
+            <a:ln>
+              <a:solidFill>
+                <a:schemeClr val="accent1">
+                  <a:lumMod val="50000"/>
+                </a:schemeClr>
+              </a:solidFill>
+            </a:ln>
+          </p:spPr>
+          <p:style>
+            <a:lnRef idx="2">
+              <a:schemeClr val="dk1"/>
+            </a:lnRef>
+            <a:fillRef idx="1">
+              <a:schemeClr val="lt1"/>
+            </a:fillRef>
+            <a:effectRef idx="0">
+              <a:schemeClr val="dk1"/>
+            </a:effectRef>
+            <a:fontRef idx="minor">
+              <a:schemeClr val="dk1"/>
+            </a:fontRef>
+          </p:style>
+          <p:txBody>
+            <a:bodyPr rtlCol="0" anchor="ctr"/>
+            <a:lstStyle/>
+            <a:p>
+              <a:pPr algn="ctr"/>
+              <a:endParaRPr lang="en-US">
+                <a:solidFill>
+                  <a:schemeClr val="accent1">
+                    <a:lumMod val="50000"/>
+                  </a:schemeClr>
+                </a:solidFill>
+              </a:endParaRPr>
+            </a:p>
+          </p:txBody>
+        </p:sp>
+        <p:cxnSp>
+          <p:nvCxnSpPr>
+            <p:cNvPr id="67" name="Straight Connector 66">
+              <a:extLst>
+                <a:ext uri="{FF2B5EF4-FFF2-40B4-BE49-F238E27FC236}">
+                  <a16:creationId xmlns:a16="http://schemas.microsoft.com/office/drawing/2014/main" id="{720C7C68-DFC1-5E4B-B79A-E294C19FE5B2}"/>
+                </a:ext>
+              </a:extLst>
+            </p:cNvPr>
+            <p:cNvCxnSpPr>
+              <a:cxnSpLocks/>
+              <a:stCxn id="68" idx="1"/>
+            </p:cNvCxnSpPr>
+            <p:nvPr/>
+          </p:nvCxnSpPr>
+          <p:spPr>
+            <a:xfrm flipH="1">
+              <a:off x="8073862" y="1627517"/>
+              <a:ext cx="401482" cy="197752"/>
+            </a:xfrm>
+            <a:prstGeom prst="line">
+              <a:avLst/>
+            </a:prstGeom>
+            <a:ln w="9525" cap="flat" cmpd="sng" algn="ctr">
+              <a:solidFill>
+                <a:schemeClr val="accent1">
+                  <a:lumMod val="50000"/>
+                </a:schemeClr>
+              </a:solidFill>
+              <a:prstDash val="dash"/>
+              <a:round/>
+              <a:headEnd type="none" w="med" len="med"/>
+              <a:tailEnd type="none" w="med" len="med"/>
+            </a:ln>
+          </p:spPr>
+          <p:style>
+            <a:lnRef idx="0">
+              <a:scrgbClr r="0" g="0" b="0"/>
+            </a:lnRef>
+            <a:fillRef idx="0">
+              <a:scrgbClr r="0" g="0" b="0"/>
+            </a:fillRef>
+            <a:effectRef idx="0">
+              <a:scrgbClr r="0" g="0" b="0"/>
+            </a:effectRef>
+            <a:fontRef idx="minor">
+              <a:schemeClr val="tx1"/>
+            </a:fontRef>
+          </p:style>
+        </p:cxnSp>
+        <p:sp>
+          <p:nvSpPr>
+            <p:cNvPr id="68" name="Rectangle 67">
+              <a:extLst>
+                <a:ext uri="{FF2B5EF4-FFF2-40B4-BE49-F238E27FC236}">
+                  <a16:creationId xmlns:a16="http://schemas.microsoft.com/office/drawing/2014/main" id="{4F1F0CF9-F996-8647-9845-C5223FB4B60F}"/>
+                </a:ext>
+              </a:extLst>
+            </p:cNvPr>
+            <p:cNvSpPr/>
+            <p:nvPr/>
+          </p:nvSpPr>
+          <p:spPr>
+            <a:xfrm>
+              <a:off x="8475344" y="1365907"/>
+              <a:ext cx="998992" cy="523220"/>
+            </a:xfrm>
+            <a:prstGeom prst="rect">
+              <a:avLst/>
+            </a:prstGeom>
+          </p:spPr>
+          <p:txBody>
+            <a:bodyPr wrap="none">
+              <a:spAutoFit/>
+            </a:bodyPr>
+            <a:lstStyle/>
+            <a:p>
+              <a:pPr algn="ctr"/>
+              <a:r>
+                <a:rPr lang="en-US" sz="1400" dirty="0">
+                  <a:solidFill>
+                    <a:schemeClr val="accent1">
+                      <a:lumMod val="50000"/>
+                    </a:schemeClr>
+                  </a:solidFill>
+                  <a:latin typeface="Avenir Roman" panose="02000503020000020003" pitchFamily="2" charset="0"/>
+                </a:rPr>
+                <a:t>Absolute </a:t>
+              </a:r>
+            </a:p>
+            <a:p>
+              <a:pPr algn="ctr"/>
+              <a:r>
+                <a:rPr lang="en-US" sz="1400" dirty="0">
+                  <a:solidFill>
+                    <a:schemeClr val="accent1">
+                      <a:lumMod val="50000"/>
+                    </a:schemeClr>
+                  </a:solidFill>
+                  <a:latin typeface="Avenir Roman" panose="02000503020000020003" pitchFamily="2" charset="0"/>
+                </a:rPr>
+                <a:t>value of…</a:t>
+              </a:r>
+            </a:p>
+          </p:txBody>
+        </p:sp>
+      </p:grpSp>
+    </p:spTree>
+    <p:extLst>
+      <p:ext uri="{BB962C8B-B14F-4D97-AF65-F5344CB8AC3E}">
+        <p14:creationId xmlns:p14="http://schemas.microsoft.com/office/powerpoint/2010/main" val="3230042615"/>
+      </p:ext>
+    </p:extLst>
+  </p:cSld>
+  <p:clrMapOvr>
+    <a:masterClrMapping/>
+  </p:clrMapOvr>
+</p:sld>
+</file>
+
+<file path=ppt/slides/slide5.xml><?xml version="1.0" encoding="utf-8"?>
+<p:sld xmlns:a="http://schemas.openxmlformats.org/drawingml/2006/main" xmlns:r="http://schemas.openxmlformats.org/officeDocument/2006/relationships" xmlns:p="http://schemas.openxmlformats.org/presentationml/2006/main">
+  <p:cSld>
+    <p:spTree>
+      <p:nvGrpSpPr>
+        <p:cNvPr id="1" name=""/>
+        <p:cNvGrpSpPr/>
+        <p:nvPr/>
+      </p:nvGrpSpPr>
+      <p:grpSpPr>
+        <a:xfrm>
+          <a:off x="0" y="0"/>
+          <a:ext cx="0" cy="0"/>
+          <a:chOff x="0" y="0"/>
+          <a:chExt cx="0" cy="0"/>
+        </a:xfrm>
+      </p:grpSpPr>
+      <p:cxnSp>
+        <p:nvCxnSpPr>
+          <p:cNvPr id="5" name="Straight Arrow Connector 4">
+            <a:extLst>
+              <a:ext uri="{FF2B5EF4-FFF2-40B4-BE49-F238E27FC236}">
+                <a16:creationId xmlns:a16="http://schemas.microsoft.com/office/drawing/2014/main" id="{14C1BCF9-D974-F24A-9036-18381FE7B587}"/>
+              </a:ext>
+            </a:extLst>
+          </p:cNvPr>
+          <p:cNvCxnSpPr/>
+          <p:nvPr/>
+        </p:nvCxnSpPr>
+        <p:spPr>
+          <a:xfrm flipV="1">
+            <a:off x="4243474" y="2483798"/>
+            <a:ext cx="0" cy="3474720"/>
+          </a:xfrm>
+          <a:prstGeom prst="straightConnector1">
+            <a:avLst/>
+          </a:prstGeom>
+          <a:ln>
+            <a:tailEnd type="triangle"/>
+          </a:ln>
+        </p:spPr>
+        <p:style>
+          <a:lnRef idx="3">
+            <a:schemeClr val="dk1"/>
+          </a:lnRef>
+          <a:fillRef idx="0">
+            <a:schemeClr val="dk1"/>
+          </a:fillRef>
+          <a:effectRef idx="2">
+            <a:schemeClr val="dk1"/>
+          </a:effectRef>
+          <a:fontRef idx="minor">
+            <a:schemeClr val="tx1"/>
+          </a:fontRef>
+        </p:style>
+      </p:cxnSp>
+      <p:cxnSp>
+        <p:nvCxnSpPr>
+          <p:cNvPr id="6" name="Straight Arrow Connector 5">
+            <a:extLst>
+              <a:ext uri="{FF2B5EF4-FFF2-40B4-BE49-F238E27FC236}">
+                <a16:creationId xmlns:a16="http://schemas.microsoft.com/office/drawing/2014/main" id="{37758B7A-6393-9C4C-AF31-6AD235A42E1A}"/>
+              </a:ext>
+            </a:extLst>
+          </p:cNvPr>
+          <p:cNvCxnSpPr>
+            <a:cxnSpLocks/>
+          </p:cNvCxnSpPr>
+          <p:nvPr/>
+        </p:nvCxnSpPr>
+        <p:spPr>
+          <a:xfrm>
+            <a:off x="4243474" y="5958518"/>
+            <a:ext cx="4174274" cy="0"/>
+          </a:xfrm>
+          <a:prstGeom prst="straightConnector1">
+            <a:avLst/>
+          </a:prstGeom>
+          <a:ln>
+            <a:tailEnd type="triangle"/>
+          </a:ln>
+        </p:spPr>
+        <p:style>
+          <a:lnRef idx="3">
+            <a:schemeClr val="dk1"/>
+          </a:lnRef>
+          <a:fillRef idx="0">
+            <a:schemeClr val="dk1"/>
+          </a:fillRef>
+          <a:effectRef idx="2">
+            <a:schemeClr val="dk1"/>
+          </a:effectRef>
+          <a:fontRef idx="minor">
+            <a:schemeClr val="tx1"/>
+          </a:fontRef>
+        </p:style>
+      </p:cxnSp>
+      <p:cxnSp>
+        <p:nvCxnSpPr>
+          <p:cNvPr id="9" name="Straight Connector 8">
+            <a:extLst>
+              <a:ext uri="{FF2B5EF4-FFF2-40B4-BE49-F238E27FC236}">
+                <a16:creationId xmlns:a16="http://schemas.microsoft.com/office/drawing/2014/main" id="{D83F23B7-7093-794D-BF08-70933BB31108}"/>
+              </a:ext>
+            </a:extLst>
+          </p:cNvPr>
+          <p:cNvCxnSpPr>
+            <a:cxnSpLocks/>
+          </p:cNvCxnSpPr>
+          <p:nvPr/>
+        </p:nvCxnSpPr>
+        <p:spPr>
+          <a:xfrm flipV="1">
+            <a:off x="4392723" y="2762624"/>
+            <a:ext cx="3902721" cy="3315725"/>
+          </a:xfrm>
+          <a:prstGeom prst="line">
+            <a:avLst/>
+          </a:prstGeom>
+        </p:spPr>
+        <p:style>
+          <a:lnRef idx="3">
+            <a:schemeClr val="accent1"/>
+          </a:lnRef>
+          <a:fillRef idx="0">
+            <a:schemeClr val="accent1"/>
+          </a:fillRef>
+          <a:effectRef idx="2">
+            <a:schemeClr val="accent1"/>
+          </a:effectRef>
+          <a:fontRef idx="minor">
+            <a:schemeClr val="tx1"/>
+          </a:fontRef>
+        </p:style>
+      </p:cxnSp>
+      <p:sp>
+        <p:nvSpPr>
+          <p:cNvPr id="11" name="Oval 10">
+            <a:extLst>
+              <a:ext uri="{FF2B5EF4-FFF2-40B4-BE49-F238E27FC236}">
+                <a16:creationId xmlns:a16="http://schemas.microsoft.com/office/drawing/2014/main" id="{EA1EEF15-83FB-3D49-8865-7EAA71E3B6F7}"/>
+              </a:ext>
+            </a:extLst>
+          </p:cNvPr>
+          <p:cNvSpPr/>
+          <p:nvPr/>
+        </p:nvSpPr>
+        <p:spPr>
+          <a:xfrm>
+            <a:off x="7445343" y="3104658"/>
+            <a:ext cx="122304" cy="122304"/>
+          </a:xfrm>
+          <a:prstGeom prst="ellipse">
+            <a:avLst/>
+          </a:prstGeom>
+          <a:solidFill>
+            <a:schemeClr val="tx1"/>
+          </a:solidFill>
+          <a:ln>
+            <a:noFill/>
+          </a:ln>
+        </p:spPr>
+        <p:style>
+          <a:lnRef idx="2">
+            <a:schemeClr val="accent1">
+              <a:shade val="50000"/>
+            </a:schemeClr>
+          </a:lnRef>
+          <a:fillRef idx="1">
+            <a:schemeClr val="accent1"/>
+          </a:fillRef>
+          <a:effectRef idx="0">
+            <a:schemeClr val="accent1"/>
+          </a:effectRef>
+          <a:fontRef idx="minor">
+            <a:schemeClr val="lt1"/>
+          </a:fontRef>
+        </p:style>
+        <p:txBody>
+          <a:bodyPr rtlCol="0" anchor="ctr"/>
+          <a:lstStyle/>
+          <a:p>
+            <a:pPr algn="ctr"/>
+            <a:endParaRPr lang="en-US">
+              <a:solidFill>
+                <a:schemeClr val="tx1"/>
+              </a:solidFill>
+            </a:endParaRPr>
+          </a:p>
+        </p:txBody>
+      </p:sp>
+      <p:sp>
+        <p:nvSpPr>
+          <p:cNvPr id="12" name="Oval 11">
+            <a:extLst>
+              <a:ext uri="{FF2B5EF4-FFF2-40B4-BE49-F238E27FC236}">
+                <a16:creationId xmlns:a16="http://schemas.microsoft.com/office/drawing/2014/main" id="{C55F11FE-F439-754A-B7F8-591F8F1BBF8D}"/>
+              </a:ext>
+            </a:extLst>
+          </p:cNvPr>
+          <p:cNvSpPr/>
+          <p:nvPr/>
+        </p:nvSpPr>
+        <p:spPr>
+          <a:xfrm>
+            <a:off x="6269459" y="3713401"/>
+            <a:ext cx="122304" cy="122304"/>
+          </a:xfrm>
+          <a:prstGeom prst="ellipse">
+            <a:avLst/>
+          </a:prstGeom>
+          <a:solidFill>
+            <a:schemeClr val="tx1"/>
+          </a:solidFill>
+          <a:ln>
+            <a:noFill/>
+          </a:ln>
+        </p:spPr>
+        <p:style>
+          <a:lnRef idx="2">
+            <a:schemeClr val="accent1">
+              <a:shade val="50000"/>
+            </a:schemeClr>
+          </a:lnRef>
+          <a:fillRef idx="1">
+            <a:schemeClr val="accent1"/>
+          </a:fillRef>
+          <a:effectRef idx="0">
+            <a:schemeClr val="accent1"/>
+          </a:effectRef>
+          <a:fontRef idx="minor">
+            <a:schemeClr val="lt1"/>
+          </a:fontRef>
+        </p:style>
+        <p:txBody>
+          <a:bodyPr rtlCol="0" anchor="ctr"/>
+          <a:lstStyle/>
+          <a:p>
+            <a:pPr algn="ctr"/>
+            <a:endParaRPr lang="en-US">
+              <a:solidFill>
+                <a:schemeClr val="tx1"/>
+              </a:solidFill>
+            </a:endParaRPr>
+          </a:p>
+        </p:txBody>
+      </p:sp>
+      <p:sp>
+        <p:nvSpPr>
+          <p:cNvPr id="15" name="Oval 14">
+            <a:extLst>
+              <a:ext uri="{FF2B5EF4-FFF2-40B4-BE49-F238E27FC236}">
+                <a16:creationId xmlns:a16="http://schemas.microsoft.com/office/drawing/2014/main" id="{CCA56893-FA05-0E44-A526-2BB98AF6DDAC}"/>
+              </a:ext>
+            </a:extLst>
+          </p:cNvPr>
+          <p:cNvSpPr/>
+          <p:nvPr/>
+        </p:nvSpPr>
+        <p:spPr>
+          <a:xfrm>
+            <a:off x="6208307" y="4829736"/>
+            <a:ext cx="122304" cy="122304"/>
+          </a:xfrm>
+          <a:prstGeom prst="ellipse">
+            <a:avLst/>
+          </a:prstGeom>
+          <a:solidFill>
+            <a:schemeClr val="tx1"/>
+          </a:solidFill>
+          <a:ln>
+            <a:noFill/>
+          </a:ln>
+        </p:spPr>
+        <p:style>
+          <a:lnRef idx="2">
+            <a:schemeClr val="accent1">
+              <a:shade val="50000"/>
+            </a:schemeClr>
+          </a:lnRef>
+          <a:fillRef idx="1">
+            <a:schemeClr val="accent1"/>
+          </a:fillRef>
+          <a:effectRef idx="0">
+            <a:schemeClr val="accent1"/>
+          </a:effectRef>
+          <a:fontRef idx="minor">
+            <a:schemeClr val="lt1"/>
+          </a:fontRef>
+        </p:style>
+        <p:txBody>
+          <a:bodyPr rtlCol="0" anchor="ctr"/>
+          <a:lstStyle/>
+          <a:p>
+            <a:pPr algn="ctr"/>
+            <a:endParaRPr lang="en-US">
+              <a:solidFill>
+                <a:schemeClr val="tx1"/>
+              </a:solidFill>
+            </a:endParaRPr>
+          </a:p>
+        </p:txBody>
+      </p:sp>
+      <p:sp>
+        <p:nvSpPr>
+          <p:cNvPr id="17" name="Oval 16">
+            <a:extLst>
+              <a:ext uri="{FF2B5EF4-FFF2-40B4-BE49-F238E27FC236}">
+                <a16:creationId xmlns:a16="http://schemas.microsoft.com/office/drawing/2014/main" id="{C58F75B6-341D-6E40-B860-4A13EED4781C}"/>
+              </a:ext>
+            </a:extLst>
+          </p:cNvPr>
+          <p:cNvSpPr/>
+          <p:nvPr/>
+        </p:nvSpPr>
+        <p:spPr>
+          <a:xfrm>
+            <a:off x="5127186" y="4726751"/>
+            <a:ext cx="122304" cy="122304"/>
+          </a:xfrm>
+          <a:prstGeom prst="ellipse">
+            <a:avLst/>
+          </a:prstGeom>
+          <a:solidFill>
+            <a:schemeClr val="tx1"/>
+          </a:solidFill>
+          <a:ln>
+            <a:noFill/>
+          </a:ln>
+        </p:spPr>
+        <p:style>
+          <a:lnRef idx="2">
+            <a:schemeClr val="accent1">
+              <a:shade val="50000"/>
+            </a:schemeClr>
+          </a:lnRef>
+          <a:fillRef idx="1">
+            <a:schemeClr val="accent1"/>
+          </a:fillRef>
+          <a:effectRef idx="0">
+            <a:schemeClr val="accent1"/>
+          </a:effectRef>
+          <a:fontRef idx="minor">
+            <a:schemeClr val="lt1"/>
+          </a:fontRef>
+        </p:style>
+        <p:txBody>
+          <a:bodyPr rtlCol="0" anchor="ctr"/>
+          <a:lstStyle/>
+          <a:p>
+            <a:pPr algn="ctr"/>
+            <a:endParaRPr lang="en-US">
+              <a:solidFill>
+                <a:schemeClr val="tx1"/>
+              </a:solidFill>
+            </a:endParaRPr>
+          </a:p>
+        </p:txBody>
+      </p:sp>
+      <p:sp>
+        <p:nvSpPr>
+          <p:cNvPr id="19" name="Oval 18">
+            <a:extLst>
+              <a:ext uri="{FF2B5EF4-FFF2-40B4-BE49-F238E27FC236}">
+                <a16:creationId xmlns:a16="http://schemas.microsoft.com/office/drawing/2014/main" id="{62100974-AB9E-6546-A020-47E6973738A0}"/>
+              </a:ext>
+            </a:extLst>
+          </p:cNvPr>
+          <p:cNvSpPr/>
+          <p:nvPr/>
+        </p:nvSpPr>
+        <p:spPr>
+          <a:xfrm>
+            <a:off x="7134346" y="5720169"/>
+            <a:ext cx="122304" cy="122304"/>
+          </a:xfrm>
+          <a:prstGeom prst="ellipse">
+            <a:avLst/>
+          </a:prstGeom>
+          <a:solidFill>
+            <a:schemeClr val="tx1"/>
+          </a:solidFill>
+          <a:ln>
+            <a:noFill/>
+          </a:ln>
+        </p:spPr>
+        <p:style>
+          <a:lnRef idx="2">
+            <a:schemeClr val="accent1">
+              <a:shade val="50000"/>
+            </a:schemeClr>
+          </a:lnRef>
+          <a:fillRef idx="1">
+            <a:schemeClr val="accent1"/>
+          </a:fillRef>
+          <a:effectRef idx="0">
+            <a:schemeClr val="accent1"/>
+          </a:effectRef>
+          <a:fontRef idx="minor">
+            <a:schemeClr val="lt1"/>
+          </a:fontRef>
+        </p:style>
+        <p:txBody>
+          <a:bodyPr rtlCol="0" anchor="ctr"/>
+          <a:lstStyle/>
+          <a:p>
+            <a:pPr algn="ctr"/>
+            <a:endParaRPr lang="en-US">
+              <a:solidFill>
+                <a:schemeClr val="tx1"/>
+              </a:solidFill>
+            </a:endParaRPr>
+          </a:p>
+        </p:txBody>
+      </p:sp>
+      <p:sp>
+        <p:nvSpPr>
+          <p:cNvPr id="20" name="Oval 19">
+            <a:extLst>
+              <a:ext uri="{FF2B5EF4-FFF2-40B4-BE49-F238E27FC236}">
+                <a16:creationId xmlns:a16="http://schemas.microsoft.com/office/drawing/2014/main" id="{47AE051D-5677-EC4D-A11E-908731BC3089}"/>
+              </a:ext>
+            </a:extLst>
+          </p:cNvPr>
+          <p:cNvSpPr/>
+          <p:nvPr/>
+        </p:nvSpPr>
+        <p:spPr>
+          <a:xfrm>
+            <a:off x="7282451" y="3835705"/>
+            <a:ext cx="122304" cy="122304"/>
+          </a:xfrm>
+          <a:prstGeom prst="ellipse">
+            <a:avLst/>
+          </a:prstGeom>
+          <a:solidFill>
+            <a:schemeClr val="tx1"/>
+          </a:solidFill>
+          <a:ln>
+            <a:noFill/>
+          </a:ln>
+        </p:spPr>
+        <p:style>
+          <a:lnRef idx="2">
+            <a:schemeClr val="accent1">
+              <a:shade val="50000"/>
+            </a:schemeClr>
+          </a:lnRef>
+          <a:fillRef idx="1">
+            <a:schemeClr val="accent1"/>
+          </a:fillRef>
+          <a:effectRef idx="0">
+            <a:schemeClr val="accent1"/>
+          </a:effectRef>
+          <a:fontRef idx="minor">
+            <a:schemeClr val="lt1"/>
+          </a:fontRef>
+        </p:style>
+        <p:txBody>
+          <a:bodyPr rtlCol="0" anchor="ctr"/>
+          <a:lstStyle/>
+          <a:p>
+            <a:pPr algn="ctr"/>
+            <a:endParaRPr lang="en-US">
+              <a:solidFill>
+                <a:schemeClr val="tx1"/>
+              </a:solidFill>
+            </a:endParaRPr>
+          </a:p>
+        </p:txBody>
+      </p:sp>
+      <p:cxnSp>
+        <p:nvCxnSpPr>
+          <p:cNvPr id="23" name="Straight Connector 22">
+            <a:extLst>
+              <a:ext uri="{FF2B5EF4-FFF2-40B4-BE49-F238E27FC236}">
+                <a16:creationId xmlns:a16="http://schemas.microsoft.com/office/drawing/2014/main" id="{1514F38D-96BF-7345-AEBB-831622B18B30}"/>
+              </a:ext>
+            </a:extLst>
+          </p:cNvPr>
+          <p:cNvCxnSpPr>
+            <a:cxnSpLocks/>
+          </p:cNvCxnSpPr>
+          <p:nvPr/>
+        </p:nvCxnSpPr>
+        <p:spPr>
+          <a:xfrm>
+            <a:off x="7158226" y="3726193"/>
+            <a:ext cx="0" cy="1939501"/>
+          </a:xfrm>
+          <a:prstGeom prst="line">
+            <a:avLst/>
+          </a:prstGeom>
+          <a:ln w="9525" cap="flat" cmpd="sng" algn="ctr">
+            <a:solidFill>
+              <a:srgbClr val="C00000"/>
+            </a:solidFill>
+            <a:prstDash val="dash"/>
+            <a:round/>
+            <a:headEnd type="none" w="med" len="med"/>
+            <a:tailEnd type="none" w="med" len="med"/>
+          </a:ln>
+        </p:spPr>
+        <p:style>
+          <a:lnRef idx="0">
+            <a:scrgbClr r="0" g="0" b="0"/>
+          </a:lnRef>
+          <a:fillRef idx="0">
+            <a:scrgbClr r="0" g="0" b="0"/>
+          </a:fillRef>
+          <a:effectRef idx="0">
+            <a:scrgbClr r="0" g="0" b="0"/>
+          </a:effectRef>
+          <a:fontRef idx="minor">
+            <a:schemeClr val="tx1"/>
+          </a:fontRef>
+        </p:style>
+      </p:cxnSp>
+      <p:sp>
+        <p:nvSpPr>
+          <p:cNvPr id="30" name="Rectangle 29">
+            <a:extLst>
+              <a:ext uri="{FF2B5EF4-FFF2-40B4-BE49-F238E27FC236}">
+                <a16:creationId xmlns:a16="http://schemas.microsoft.com/office/drawing/2014/main" id="{539CB11B-3E8E-B246-BE84-15D958007FAA}"/>
+              </a:ext>
+            </a:extLst>
+          </p:cNvPr>
+          <p:cNvSpPr/>
+          <p:nvPr/>
+        </p:nvSpPr>
+        <p:spPr>
+          <a:xfrm>
+            <a:off x="7135290" y="4694889"/>
+            <a:ext cx="538930" cy="369332"/>
+          </a:xfrm>
+          <a:prstGeom prst="rect">
+            <a:avLst/>
+          </a:prstGeom>
+        </p:spPr>
+        <p:txBody>
+          <a:bodyPr wrap="none">
+            <a:spAutoFit/>
+          </a:bodyPr>
+          <a:lstStyle/>
+          <a:p>
+            <a:r>
+              <a:rPr lang="en-US" b="1" dirty="0">
+                <a:solidFill>
+                  <a:srgbClr val="C00000"/>
+                </a:solidFill>
+                <a:latin typeface="Avenir Roman" panose="02000503020000020003" pitchFamily="2" charset="0"/>
+              </a:rPr>
+              <a:t>ME</a:t>
+            </a:r>
+          </a:p>
+        </p:txBody>
+      </p:sp>
+      <mc:AlternateContent xmlns:mc="http://schemas.openxmlformats.org/markup-compatibility/2006">
+        <mc:Choice xmlns:a14="http://schemas.microsoft.com/office/drawing/2010/main" Requires="a14">
+          <p:sp>
+            <p:nvSpPr>
+              <p:cNvPr id="32" name="TextBox 31">
+                <a:extLst>
+                  <a:ext uri="{FF2B5EF4-FFF2-40B4-BE49-F238E27FC236}">
+                    <a16:creationId xmlns:a16="http://schemas.microsoft.com/office/drawing/2014/main" id="{6D87767D-EC41-D64E-BF08-10B9EB05E875}"/>
+                  </a:ext>
+                </a:extLst>
+              </p:cNvPr>
+              <p:cNvSpPr txBox="1"/>
+              <p:nvPr/>
+            </p:nvSpPr>
+            <p:spPr>
+              <a:xfrm>
+                <a:off x="5184180" y="1870004"/>
+                <a:ext cx="2691571" cy="399084"/>
+              </a:xfrm>
+              <a:prstGeom prst="rect">
+                <a:avLst/>
+              </a:prstGeom>
+              <a:noFill/>
+            </p:spPr>
+            <p:txBody>
+              <a:bodyPr wrap="none" lIns="0" tIns="0" rIns="0" bIns="0" rtlCol="0">
+                <a:spAutoFit/>
+              </a:bodyPr>
+              <a:lstStyle/>
+              <a:p>
+                <a:pPr/>
+                <a14:m>
+                  <m:oMathPara xmlns:m="http://schemas.openxmlformats.org/officeDocument/2006/math">
+                    <m:oMathParaPr>
+                      <m:jc m:val="centerGroup"/>
+                    </m:oMathParaPr>
+                    <m:oMath xmlns:m="http://schemas.openxmlformats.org/officeDocument/2006/math">
+                      <m:r>
+                        <a:rPr lang="en-US" sz="2400" b="0" i="1" smtClean="0">
+                          <a:latin typeface="Cambria Math" panose="02040503050406030204" pitchFamily="18" charset="0"/>
+                        </a:rPr>
+                        <m:t>𝑀𝐸</m:t>
+                      </m:r>
+                      <m:r>
+                        <a:rPr lang="en-US" sz="2400" b="0" i="1" smtClean="0">
+                          <a:latin typeface="Cambria Math" panose="02040503050406030204" pitchFamily="18" charset="0"/>
+                        </a:rPr>
+                        <m:t>=</m:t>
+                      </m:r>
+                      <m:func>
+                        <m:funcPr>
+                          <m:ctrlPr>
+                            <a:rPr lang="en-US" sz="2400" b="0" i="1" smtClean="0">
+                              <a:latin typeface="Cambria Math" panose="02040503050406030204" pitchFamily="18" charset="0"/>
+                            </a:rPr>
+                          </m:ctrlPr>
+                        </m:funcPr>
+                        <m:fName>
+                          <m:r>
+                            <a:rPr lang="en-US" sz="2400" b="0" i="1" smtClean="0">
+                              <a:latin typeface="Cambria Math" panose="02040503050406030204" pitchFamily="18" charset="0"/>
+                            </a:rPr>
+                            <m:t>𝑚𝑎𝑥</m:t>
+                          </m:r>
+                        </m:fName>
+                        <m:e>
+                          <m:r>
+                            <a:rPr lang="en-US" sz="2400" i="1">
+                              <a:latin typeface="Cambria Math" panose="02040503050406030204" pitchFamily="18" charset="0"/>
+                            </a:rPr>
+                            <m:t>|</m:t>
+                          </m:r>
+                          <m:sSub>
+                            <m:sSubPr>
+                              <m:ctrlPr>
+                                <a:rPr lang="en-US" sz="2400" i="1" smtClean="0">
+                                  <a:latin typeface="Cambria Math" panose="02040503050406030204" pitchFamily="18" charset="0"/>
+                                </a:rPr>
+                              </m:ctrlPr>
+                            </m:sSubPr>
+                            <m:e>
+                              <m:r>
+                                <a:rPr lang="en-US" sz="2400" b="0" i="1" smtClean="0">
+                                  <a:latin typeface="Cambria Math" panose="02040503050406030204" pitchFamily="18" charset="0"/>
+                                </a:rPr>
+                                <m:t>𝑦</m:t>
+                              </m:r>
+                            </m:e>
+                            <m:sub>
+                              <m:r>
+                                <a:rPr lang="en-US" sz="2400" b="0" i="1" smtClean="0">
+                                  <a:latin typeface="Cambria Math" panose="02040503050406030204" pitchFamily="18" charset="0"/>
+                                </a:rPr>
+                                <m:t>𝑗</m:t>
+                              </m:r>
+                            </m:sub>
+                          </m:sSub>
+                          <m:r>
+                            <a:rPr lang="en-US" sz="2400" b="0" i="1" smtClean="0">
+                              <a:latin typeface="Cambria Math" panose="02040503050406030204" pitchFamily="18" charset="0"/>
+                            </a:rPr>
+                            <m:t>−</m:t>
+                          </m:r>
+                          <m:sSub>
+                            <m:sSubPr>
+                              <m:ctrlPr>
+                                <a:rPr lang="en-US" sz="2400" i="1" smtClean="0">
+                                  <a:latin typeface="Cambria Math" panose="02040503050406030204" pitchFamily="18" charset="0"/>
+                                </a:rPr>
+                              </m:ctrlPr>
+                            </m:sSubPr>
+                            <m:e>
+                              <m:acc>
+                                <m:accPr>
+                                  <m:chr m:val="̂"/>
+                                  <m:ctrlPr>
+                                    <a:rPr lang="en-US" sz="2400" i="1">
+                                      <a:latin typeface="Cambria Math" panose="02040503050406030204" pitchFamily="18" charset="0"/>
+                                    </a:rPr>
+                                  </m:ctrlPr>
+                                </m:accPr>
+                                <m:e>
+                                  <m:r>
+                                    <a:rPr lang="en-US" sz="2400" i="1">
+                                      <a:latin typeface="Cambria Math" panose="02040503050406030204" pitchFamily="18" charset="0"/>
+                                    </a:rPr>
+                                    <m:t>𝑦</m:t>
+                                  </m:r>
+                                </m:e>
+                              </m:acc>
+                            </m:e>
+                            <m:sub>
+                              <m:r>
+                                <a:rPr lang="en-US" sz="2400" b="0" i="1" smtClean="0">
+                                  <a:latin typeface="Cambria Math" panose="02040503050406030204" pitchFamily="18" charset="0"/>
+                                </a:rPr>
+                                <m:t>𝑗</m:t>
+                              </m:r>
+                            </m:sub>
+                          </m:sSub>
+                          <m:r>
+                            <a:rPr lang="en-US" sz="2400" b="0" i="1" smtClean="0">
+                              <a:latin typeface="Cambria Math" panose="02040503050406030204" pitchFamily="18" charset="0"/>
+                            </a:rPr>
+                            <m:t>|</m:t>
+                          </m:r>
+                        </m:e>
+                      </m:func>
+                    </m:oMath>
+                  </m:oMathPara>
+                </a14:m>
+                <a:endParaRPr lang="en-US" sz="2400" dirty="0"/>
+              </a:p>
+            </p:txBody>
+          </p:sp>
+        </mc:Choice>
+        <mc:Fallback>
+          <p:sp>
+            <p:nvSpPr>
+              <p:cNvPr id="32" name="TextBox 31">
+                <a:extLst>
+                  <a:ext uri="{FF2B5EF4-FFF2-40B4-BE49-F238E27FC236}">
+                    <a16:creationId xmlns:a16="http://schemas.microsoft.com/office/drawing/2014/main" id="{6D87767D-EC41-D64E-BF08-10B9EB05E875}"/>
+                  </a:ext>
+                </a:extLst>
+              </p:cNvPr>
+              <p:cNvSpPr txBox="1">
+                <a:spLocks noRot="1" noChangeAspect="1" noMove="1" noResize="1" noEditPoints="1" noAdjustHandles="1" noChangeArrowheads="1" noChangeShapeType="1" noTextEdit="1"/>
+              </p:cNvSpPr>
+              <p:nvPr/>
+            </p:nvSpPr>
+            <p:spPr>
+              <a:xfrm>
+                <a:off x="5184180" y="1870004"/>
+                <a:ext cx="2691571" cy="399084"/>
+              </a:xfrm>
+              <a:prstGeom prst="rect">
+                <a:avLst/>
+              </a:prstGeom>
+              <a:blipFill>
+                <a:blip r:embed="rId3"/>
+                <a:stretch>
+                  <a:fillRect l="-2358" t="-9091" r="-3302" b="-24242"/>
+                </a:stretch>
+              </a:blipFill>
+            </p:spPr>
+            <p:txBody>
+              <a:bodyPr/>
+              <a:lstStyle/>
+              <a:p>
+                <a:r>
+                  <a:rPr lang="en-US">
+                    <a:noFill/>
+                  </a:rPr>
+                  <a:t> </a:t>
+                </a:r>
+              </a:p>
+            </p:txBody>
+          </p:sp>
+        </mc:Fallback>
+      </mc:AlternateContent>
+      <p:cxnSp>
+        <p:nvCxnSpPr>
+          <p:cNvPr id="39" name="Straight Connector 38">
+            <a:extLst>
+              <a:ext uri="{FF2B5EF4-FFF2-40B4-BE49-F238E27FC236}">
+                <a16:creationId xmlns:a16="http://schemas.microsoft.com/office/drawing/2014/main" id="{A971AC2F-35C1-BD4F-8A07-3D55A3E30B70}"/>
+              </a:ext>
+            </a:extLst>
+          </p:cNvPr>
+          <p:cNvCxnSpPr>
+            <a:cxnSpLocks/>
+          </p:cNvCxnSpPr>
+          <p:nvPr/>
+        </p:nvCxnSpPr>
+        <p:spPr>
+          <a:xfrm>
+            <a:off x="6931750" y="2301031"/>
+            <a:ext cx="0" cy="365534"/>
+          </a:xfrm>
+          <a:prstGeom prst="line">
+            <a:avLst/>
+          </a:prstGeom>
+          <a:ln w="9525" cap="flat" cmpd="sng" algn="ctr">
+            <a:solidFill>
+              <a:srgbClr val="C00000"/>
+            </a:solidFill>
+            <a:prstDash val="dash"/>
+            <a:round/>
+            <a:headEnd type="none" w="med" len="med"/>
+            <a:tailEnd type="none" w="med" len="med"/>
+          </a:ln>
+        </p:spPr>
+        <p:style>
+          <a:lnRef idx="0">
+            <a:scrgbClr r="0" g="0" b="0"/>
+          </a:lnRef>
+          <a:fillRef idx="0">
+            <a:scrgbClr r="0" g="0" b="0"/>
+          </a:fillRef>
+          <a:effectRef idx="0">
+            <a:scrgbClr r="0" g="0" b="0"/>
+          </a:effectRef>
+          <a:fontRef idx="minor">
+            <a:schemeClr val="tx1"/>
+          </a:fontRef>
+        </p:style>
+      </p:cxnSp>
+      <p:sp>
+        <p:nvSpPr>
+          <p:cNvPr id="40" name="Rectangle 39">
+            <a:extLst>
+              <a:ext uri="{FF2B5EF4-FFF2-40B4-BE49-F238E27FC236}">
+                <a16:creationId xmlns:a16="http://schemas.microsoft.com/office/drawing/2014/main" id="{A2C9CFE0-5FD7-7343-86EF-AF4B20202398}"/>
+              </a:ext>
+            </a:extLst>
+          </p:cNvPr>
+          <p:cNvSpPr/>
+          <p:nvPr/>
+        </p:nvSpPr>
+        <p:spPr>
+          <a:xfrm>
+            <a:off x="6532441" y="2640165"/>
+            <a:ext cx="798617" cy="523220"/>
+          </a:xfrm>
+          <a:prstGeom prst="rect">
+            <a:avLst/>
+          </a:prstGeom>
+        </p:spPr>
+        <p:txBody>
+          <a:bodyPr wrap="none">
+            <a:spAutoFit/>
+          </a:bodyPr>
+          <a:lstStyle/>
+          <a:p>
+            <a:pPr algn="ctr"/>
+            <a:r>
+              <a:rPr lang="en-US" sz="1400" dirty="0">
+                <a:solidFill>
+                  <a:srgbClr val="C00000"/>
+                </a:solidFill>
+                <a:latin typeface="Avenir Roman" panose="02000503020000020003" pitchFamily="2" charset="0"/>
+              </a:rPr>
+              <a:t>Ground</a:t>
+            </a:r>
+          </a:p>
+          <a:p>
+            <a:pPr algn="ctr"/>
+            <a:r>
+              <a:rPr lang="en-US" sz="1400" dirty="0">
+                <a:solidFill>
+                  <a:srgbClr val="C00000"/>
+                </a:solidFill>
+                <a:latin typeface="Avenir Roman" panose="02000503020000020003" pitchFamily="2" charset="0"/>
+              </a:rPr>
+              <a:t>truth</a:t>
+            </a:r>
+          </a:p>
+        </p:txBody>
+      </p:sp>
+      <p:sp>
+        <p:nvSpPr>
+          <p:cNvPr id="31" name="Rectangle 30">
+            <a:extLst>
+              <a:ext uri="{FF2B5EF4-FFF2-40B4-BE49-F238E27FC236}">
+                <a16:creationId xmlns:a16="http://schemas.microsoft.com/office/drawing/2014/main" id="{15C51377-0B67-BD45-8F2A-1379CE8179AD}"/>
+              </a:ext>
+            </a:extLst>
+          </p:cNvPr>
+          <p:cNvSpPr/>
+          <p:nvPr/>
+        </p:nvSpPr>
+        <p:spPr>
+          <a:xfrm>
+            <a:off x="7815889" y="1422898"/>
+            <a:ext cx="959109" cy="523220"/>
+          </a:xfrm>
+          <a:prstGeom prst="rect">
+            <a:avLst/>
+          </a:prstGeom>
+        </p:spPr>
+        <p:txBody>
+          <a:bodyPr wrap="none">
+            <a:spAutoFit/>
+          </a:bodyPr>
+          <a:lstStyle/>
+          <a:p>
+            <a:pPr algn="ctr"/>
+            <a:r>
+              <a:rPr lang="en-US" sz="1400" dirty="0">
+                <a:solidFill>
+                  <a:srgbClr val="C00000"/>
+                </a:solidFill>
+                <a:latin typeface="Avenir Roman" panose="02000503020000020003" pitchFamily="2" charset="0"/>
+              </a:rPr>
+              <a:t>Predicted</a:t>
+            </a:r>
+          </a:p>
+          <a:p>
+            <a:pPr algn="ctr"/>
+            <a:r>
+              <a:rPr lang="en-US" sz="1400" dirty="0">
+                <a:solidFill>
+                  <a:srgbClr val="C00000"/>
+                </a:solidFill>
+                <a:latin typeface="Avenir Roman" panose="02000503020000020003" pitchFamily="2" charset="0"/>
+              </a:rPr>
+              <a:t>value</a:t>
+            </a:r>
+          </a:p>
+        </p:txBody>
+      </p:sp>
+      <p:cxnSp>
+        <p:nvCxnSpPr>
+          <p:cNvPr id="36" name="Straight Connector 35">
+            <a:extLst>
+              <a:ext uri="{FF2B5EF4-FFF2-40B4-BE49-F238E27FC236}">
+                <a16:creationId xmlns:a16="http://schemas.microsoft.com/office/drawing/2014/main" id="{6FCD920E-E5DC-E24A-AE32-8D267DEF499E}"/>
+              </a:ext>
+            </a:extLst>
+          </p:cNvPr>
+          <p:cNvCxnSpPr>
+            <a:cxnSpLocks/>
+          </p:cNvCxnSpPr>
+          <p:nvPr/>
+        </p:nvCxnSpPr>
+        <p:spPr>
+          <a:xfrm flipH="1">
+            <a:off x="7631627" y="1725152"/>
+            <a:ext cx="320780" cy="216669"/>
+          </a:xfrm>
+          <a:prstGeom prst="line">
+            <a:avLst/>
+          </a:prstGeom>
+          <a:ln w="9525" cap="flat" cmpd="sng" algn="ctr">
+            <a:solidFill>
+              <a:srgbClr val="C00000"/>
+            </a:solidFill>
+            <a:prstDash val="dash"/>
+            <a:round/>
+            <a:headEnd type="none" w="med" len="med"/>
+            <a:tailEnd type="none" w="med" len="med"/>
+          </a:ln>
+        </p:spPr>
+        <p:style>
+          <a:lnRef idx="0">
+            <a:scrgbClr r="0" g="0" b="0"/>
+          </a:lnRef>
+          <a:fillRef idx="0">
+            <a:scrgbClr r="0" g="0" b="0"/>
+          </a:fillRef>
+          <a:effectRef idx="0">
+            <a:scrgbClr r="0" g="0" b="0"/>
+          </a:effectRef>
+          <a:fontRef idx="minor">
+            <a:schemeClr val="tx1"/>
+          </a:fontRef>
+        </p:style>
+      </p:cxnSp>
+      <p:sp>
+        <p:nvSpPr>
+          <p:cNvPr id="8" name="Rectangle 7">
+            <a:extLst>
+              <a:ext uri="{FF2B5EF4-FFF2-40B4-BE49-F238E27FC236}">
+                <a16:creationId xmlns:a16="http://schemas.microsoft.com/office/drawing/2014/main" id="{80766D77-34B3-934F-8759-6B9FC77443EB}"/>
+              </a:ext>
+            </a:extLst>
+          </p:cNvPr>
+          <p:cNvSpPr/>
+          <p:nvPr/>
+        </p:nvSpPr>
+        <p:spPr>
+          <a:xfrm>
+            <a:off x="5703008" y="560974"/>
+            <a:ext cx="1653914" cy="461665"/>
+          </a:xfrm>
+          <a:prstGeom prst="rect">
+            <a:avLst/>
+          </a:prstGeom>
+        </p:spPr>
+        <p:txBody>
+          <a:bodyPr wrap="none">
+            <a:spAutoFit/>
+          </a:bodyPr>
+          <a:lstStyle/>
+          <a:p>
+            <a:r>
+              <a:rPr lang="en-US" sz="2400" b="1" dirty="0">
+                <a:latin typeface="Avenir Black" panose="02000503020000020003" pitchFamily="2" charset="0"/>
+              </a:rPr>
+              <a:t>Max Error</a:t>
+            </a:r>
+            <a:endParaRPr lang="en-US" sz="2400" dirty="0"/>
+          </a:p>
+        </p:txBody>
+      </p:sp>
+      <p:cxnSp>
+        <p:nvCxnSpPr>
+          <p:cNvPr id="21" name="Straight Connector 20">
+            <a:extLst>
+              <a:ext uri="{FF2B5EF4-FFF2-40B4-BE49-F238E27FC236}">
+                <a16:creationId xmlns:a16="http://schemas.microsoft.com/office/drawing/2014/main" id="{8AE7D82D-447D-8E4B-89FF-1E0B29475074}"/>
+              </a:ext>
+            </a:extLst>
+          </p:cNvPr>
+          <p:cNvCxnSpPr>
+            <a:cxnSpLocks/>
+          </p:cNvCxnSpPr>
+          <p:nvPr/>
+        </p:nvCxnSpPr>
+        <p:spPr>
+          <a:xfrm>
+            <a:off x="5184180" y="4849055"/>
+            <a:ext cx="0" cy="484945"/>
+          </a:xfrm>
+          <a:prstGeom prst="line">
+            <a:avLst/>
+          </a:prstGeom>
+          <a:ln w="9525" cap="flat" cmpd="sng" algn="ctr">
+            <a:solidFill>
+              <a:srgbClr val="C00000"/>
+            </a:solidFill>
+            <a:prstDash val="dash"/>
+            <a:round/>
+            <a:headEnd type="none" w="med" len="med"/>
+            <a:tailEnd type="none" w="med" len="med"/>
+          </a:ln>
+        </p:spPr>
+        <p:style>
+          <a:lnRef idx="0">
+            <a:scrgbClr r="0" g="0" b="0"/>
+          </a:lnRef>
+          <a:fillRef idx="0">
+            <a:scrgbClr r="0" g="0" b="0"/>
+          </a:fillRef>
+          <a:effectRef idx="0">
+            <a:scrgbClr r="0" g="0" b="0"/>
+          </a:effectRef>
+          <a:fontRef idx="minor">
+            <a:schemeClr val="tx1"/>
+          </a:fontRef>
+        </p:style>
+      </p:cxnSp>
+      <p:cxnSp>
+        <p:nvCxnSpPr>
+          <p:cNvPr id="22" name="Straight Connector 21">
+            <a:extLst>
+              <a:ext uri="{FF2B5EF4-FFF2-40B4-BE49-F238E27FC236}">
+                <a16:creationId xmlns:a16="http://schemas.microsoft.com/office/drawing/2014/main" id="{03FAEABC-5727-C246-BD0E-AB0F79E6A86C}"/>
+              </a:ext>
+            </a:extLst>
+          </p:cNvPr>
+          <p:cNvCxnSpPr>
+            <a:cxnSpLocks/>
+          </p:cNvCxnSpPr>
+          <p:nvPr/>
+        </p:nvCxnSpPr>
+        <p:spPr>
+          <a:xfrm>
+            <a:off x="6335626" y="3835705"/>
+            <a:ext cx="0" cy="540296"/>
+          </a:xfrm>
+          <a:prstGeom prst="line">
+            <a:avLst/>
+          </a:prstGeom>
+          <a:ln w="9525" cap="flat" cmpd="sng" algn="ctr">
+            <a:solidFill>
+              <a:srgbClr val="C00000"/>
+            </a:solidFill>
+            <a:prstDash val="dash"/>
+            <a:round/>
+            <a:headEnd type="none" w="med" len="med"/>
+            <a:tailEnd type="none" w="med" len="med"/>
+          </a:ln>
+        </p:spPr>
+        <p:style>
+          <a:lnRef idx="0">
+            <a:scrgbClr r="0" g="0" b="0"/>
+          </a:lnRef>
+          <a:fillRef idx="0">
+            <a:scrgbClr r="0" g="0" b="0"/>
+          </a:fillRef>
+          <a:effectRef idx="0">
+            <a:scrgbClr r="0" g="0" b="0"/>
+          </a:effectRef>
+          <a:fontRef idx="minor">
+            <a:schemeClr val="tx1"/>
+          </a:fontRef>
+        </p:style>
+      </p:cxnSp>
+      <p:cxnSp>
+        <p:nvCxnSpPr>
+          <p:cNvPr id="24" name="Straight Connector 23">
+            <a:extLst>
+              <a:ext uri="{FF2B5EF4-FFF2-40B4-BE49-F238E27FC236}">
+                <a16:creationId xmlns:a16="http://schemas.microsoft.com/office/drawing/2014/main" id="{A05ECA55-E3FB-A046-9D74-4CE923D0FE9E}"/>
+              </a:ext>
+            </a:extLst>
+          </p:cNvPr>
+          <p:cNvCxnSpPr>
+            <a:cxnSpLocks/>
+          </p:cNvCxnSpPr>
+          <p:nvPr/>
+        </p:nvCxnSpPr>
+        <p:spPr>
+          <a:xfrm>
+            <a:off x="7503713" y="3226962"/>
+            <a:ext cx="0" cy="198871"/>
+          </a:xfrm>
+          <a:prstGeom prst="line">
+            <a:avLst/>
+          </a:prstGeom>
+          <a:ln w="9525" cap="flat" cmpd="sng" algn="ctr">
+            <a:solidFill>
+              <a:srgbClr val="C00000"/>
+            </a:solidFill>
+            <a:prstDash val="dash"/>
+            <a:round/>
+            <a:headEnd type="none" w="med" len="med"/>
+            <a:tailEnd type="none" w="med" len="med"/>
+          </a:ln>
+        </p:spPr>
+        <p:style>
+          <a:lnRef idx="0">
+            <a:scrgbClr r="0" g="0" b="0"/>
+          </a:lnRef>
+          <a:fillRef idx="0">
+            <a:scrgbClr r="0" g="0" b="0"/>
+          </a:fillRef>
+          <a:effectRef idx="0">
+            <a:scrgbClr r="0" g="0" b="0"/>
+          </a:effectRef>
+          <a:fontRef idx="minor">
+            <a:schemeClr val="tx1"/>
+          </a:fontRef>
+        </p:style>
+      </p:cxnSp>
+      <p:cxnSp>
+        <p:nvCxnSpPr>
+          <p:cNvPr id="27" name="Straight Connector 26">
+            <a:extLst>
+              <a:ext uri="{FF2B5EF4-FFF2-40B4-BE49-F238E27FC236}">
+                <a16:creationId xmlns:a16="http://schemas.microsoft.com/office/drawing/2014/main" id="{55C87802-90EB-B74E-B3D6-1796FB8ADCCD}"/>
+              </a:ext>
+            </a:extLst>
+          </p:cNvPr>
+          <p:cNvCxnSpPr>
+            <a:cxnSpLocks/>
+          </p:cNvCxnSpPr>
+          <p:nvPr/>
+        </p:nvCxnSpPr>
+        <p:spPr>
+          <a:xfrm>
+            <a:off x="7331058" y="3585699"/>
+            <a:ext cx="0" cy="250006"/>
+          </a:xfrm>
+          <a:prstGeom prst="line">
+            <a:avLst/>
+          </a:prstGeom>
+          <a:ln w="9525" cap="flat" cmpd="sng" algn="ctr">
+            <a:solidFill>
+              <a:srgbClr val="C00000"/>
+            </a:solidFill>
+            <a:prstDash val="dash"/>
+            <a:round/>
+            <a:headEnd type="none" w="med" len="med"/>
+            <a:tailEnd type="none" w="med" len="med"/>
+          </a:ln>
+        </p:spPr>
+        <p:style>
+          <a:lnRef idx="0">
+            <a:scrgbClr r="0" g="0" b="0"/>
+          </a:lnRef>
+          <a:fillRef idx="0">
+            <a:scrgbClr r="0" g="0" b="0"/>
+          </a:fillRef>
+          <a:effectRef idx="0">
+            <a:scrgbClr r="0" g="0" b="0"/>
+          </a:effectRef>
+          <a:fontRef idx="minor">
+            <a:schemeClr val="tx1"/>
+          </a:fontRef>
+        </p:style>
+      </p:cxnSp>
+    </p:spTree>
+    <p:extLst>
+      <p:ext uri="{BB962C8B-B14F-4D97-AF65-F5344CB8AC3E}">
+        <p14:creationId xmlns:p14="http://schemas.microsoft.com/office/powerpoint/2010/main" val="961068249"/>
+      </p:ext>
+    </p:extLst>
+  </p:cSld>
+  <p:clrMapOvr>
+    <a:masterClrMapping/>
+  </p:clrMapOvr>
+</p:sld>
+</file>
+
+<file path=ppt/slides/slide6.xml><?xml version="1.0" encoding="utf-8"?>
+<p:sld xmlns:a="http://schemas.openxmlformats.org/drawingml/2006/main" xmlns:r="http://schemas.openxmlformats.org/officeDocument/2006/relationships" xmlns:p="http://schemas.openxmlformats.org/presentationml/2006/main">
+  <p:cSld>
+    <p:spTree>
+      <p:nvGrpSpPr>
+        <p:cNvPr id="1" name=""/>
+        <p:cNvGrpSpPr/>
+        <p:nvPr/>
+      </p:nvGrpSpPr>
+      <p:grpSpPr>
+        <a:xfrm>
+          <a:off x="0" y="0"/>
+          <a:ext cx="0" cy="0"/>
+          <a:chOff x="0" y="0"/>
+          <a:chExt cx="0" cy="0"/>
+        </a:xfrm>
+      </p:grpSpPr>
+      <p:cxnSp>
+        <p:nvCxnSpPr>
+          <p:cNvPr id="5" name="Straight Arrow Connector 4">
+            <a:extLst>
+              <a:ext uri="{FF2B5EF4-FFF2-40B4-BE49-F238E27FC236}">
+                <a16:creationId xmlns:a16="http://schemas.microsoft.com/office/drawing/2014/main" id="{14C1BCF9-D974-F24A-9036-18381FE7B587}"/>
+              </a:ext>
+            </a:extLst>
+          </p:cNvPr>
+          <p:cNvCxnSpPr/>
+          <p:nvPr/>
+        </p:nvCxnSpPr>
+        <p:spPr>
+          <a:xfrm flipV="1">
+            <a:off x="4173136" y="2747567"/>
+            <a:ext cx="0" cy="3474720"/>
+          </a:xfrm>
+          <a:prstGeom prst="straightConnector1">
+            <a:avLst/>
+          </a:prstGeom>
+          <a:ln>
+            <a:tailEnd type="triangle"/>
+          </a:ln>
+        </p:spPr>
+        <p:style>
+          <a:lnRef idx="3">
+            <a:schemeClr val="dk1"/>
+          </a:lnRef>
+          <a:fillRef idx="0">
+            <a:schemeClr val="dk1"/>
+          </a:fillRef>
+          <a:effectRef idx="2">
+            <a:schemeClr val="dk1"/>
+          </a:effectRef>
+          <a:fontRef idx="minor">
+            <a:schemeClr val="tx1"/>
+          </a:fontRef>
+        </p:style>
+      </p:cxnSp>
+      <p:cxnSp>
+        <p:nvCxnSpPr>
+          <p:cNvPr id="6" name="Straight Arrow Connector 5">
+            <a:extLst>
+              <a:ext uri="{FF2B5EF4-FFF2-40B4-BE49-F238E27FC236}">
+                <a16:creationId xmlns:a16="http://schemas.microsoft.com/office/drawing/2014/main" id="{37758B7A-6393-9C4C-AF31-6AD235A42E1A}"/>
+              </a:ext>
+            </a:extLst>
+          </p:cNvPr>
+          <p:cNvCxnSpPr>
+            <a:cxnSpLocks/>
+          </p:cNvCxnSpPr>
+          <p:nvPr/>
+        </p:nvCxnSpPr>
+        <p:spPr>
+          <a:xfrm>
+            <a:off x="4173136" y="6222287"/>
+            <a:ext cx="4174274" cy="0"/>
+          </a:xfrm>
+          <a:prstGeom prst="straightConnector1">
+            <a:avLst/>
+          </a:prstGeom>
+          <a:ln>
+            <a:tailEnd type="triangle"/>
+          </a:ln>
+        </p:spPr>
+        <p:style>
+          <a:lnRef idx="3">
+            <a:schemeClr val="dk1"/>
+          </a:lnRef>
+          <a:fillRef idx="0">
+            <a:schemeClr val="dk1"/>
+          </a:fillRef>
+          <a:effectRef idx="2">
+            <a:schemeClr val="dk1"/>
+          </a:effectRef>
+          <a:fontRef idx="minor">
+            <a:schemeClr val="tx1"/>
+          </a:fontRef>
+        </p:style>
+      </p:cxnSp>
+      <p:cxnSp>
+        <p:nvCxnSpPr>
+          <p:cNvPr id="9" name="Straight Connector 8">
+            <a:extLst>
+              <a:ext uri="{FF2B5EF4-FFF2-40B4-BE49-F238E27FC236}">
+                <a16:creationId xmlns:a16="http://schemas.microsoft.com/office/drawing/2014/main" id="{D83F23B7-7093-794D-BF08-70933BB31108}"/>
+              </a:ext>
+            </a:extLst>
+          </p:cNvPr>
+          <p:cNvCxnSpPr>
+            <a:cxnSpLocks/>
+          </p:cNvCxnSpPr>
+          <p:nvPr/>
+        </p:nvCxnSpPr>
+        <p:spPr>
+          <a:xfrm flipV="1">
+            <a:off x="4322385" y="3026393"/>
+            <a:ext cx="3902721" cy="3315725"/>
+          </a:xfrm>
+          <a:prstGeom prst="line">
+            <a:avLst/>
+          </a:prstGeom>
+        </p:spPr>
+        <p:style>
+          <a:lnRef idx="3">
+            <a:schemeClr val="accent1"/>
+          </a:lnRef>
+          <a:fillRef idx="0">
+            <a:schemeClr val="accent1"/>
+          </a:fillRef>
+          <a:effectRef idx="2">
+            <a:schemeClr val="accent1"/>
+          </a:effectRef>
+          <a:fontRef idx="minor">
+            <a:schemeClr val="tx1"/>
+          </a:fontRef>
+        </p:style>
+      </p:cxnSp>
+      <p:sp>
+        <p:nvSpPr>
+          <p:cNvPr id="11" name="Oval 10">
+            <a:extLst>
+              <a:ext uri="{FF2B5EF4-FFF2-40B4-BE49-F238E27FC236}">
+                <a16:creationId xmlns:a16="http://schemas.microsoft.com/office/drawing/2014/main" id="{EA1EEF15-83FB-3D49-8865-7EAA71E3B6F7}"/>
+              </a:ext>
+            </a:extLst>
+          </p:cNvPr>
+          <p:cNvSpPr/>
+          <p:nvPr/>
+        </p:nvSpPr>
+        <p:spPr>
+          <a:xfrm>
+            <a:off x="7375005" y="3368427"/>
+            <a:ext cx="122304" cy="122304"/>
+          </a:xfrm>
+          <a:prstGeom prst="ellipse">
+            <a:avLst/>
+          </a:prstGeom>
+          <a:solidFill>
+            <a:schemeClr val="tx1"/>
+          </a:solidFill>
+          <a:ln>
+            <a:noFill/>
+          </a:ln>
+        </p:spPr>
+        <p:style>
+          <a:lnRef idx="2">
+            <a:schemeClr val="accent1">
+              <a:shade val="50000"/>
+            </a:schemeClr>
+          </a:lnRef>
+          <a:fillRef idx="1">
+            <a:schemeClr val="accent1"/>
+          </a:fillRef>
+          <a:effectRef idx="0">
+            <a:schemeClr val="accent1"/>
+          </a:effectRef>
+          <a:fontRef idx="minor">
+            <a:schemeClr val="lt1"/>
+          </a:fontRef>
+        </p:style>
+        <p:txBody>
+          <a:bodyPr rtlCol="0" anchor="ctr"/>
+          <a:lstStyle/>
+          <a:p>
+            <a:pPr algn="ctr"/>
+            <a:endParaRPr lang="en-US">
+              <a:solidFill>
+                <a:schemeClr val="tx1"/>
+              </a:solidFill>
+            </a:endParaRPr>
+          </a:p>
+        </p:txBody>
+      </p:sp>
+      <p:sp>
+        <p:nvSpPr>
+          <p:cNvPr id="12" name="Oval 11">
+            <a:extLst>
+              <a:ext uri="{FF2B5EF4-FFF2-40B4-BE49-F238E27FC236}">
+                <a16:creationId xmlns:a16="http://schemas.microsoft.com/office/drawing/2014/main" id="{C55F11FE-F439-754A-B7F8-591F8F1BBF8D}"/>
+              </a:ext>
+            </a:extLst>
+          </p:cNvPr>
+          <p:cNvSpPr/>
+          <p:nvPr/>
+        </p:nvSpPr>
+        <p:spPr>
+          <a:xfrm>
+            <a:off x="6199121" y="3977170"/>
+            <a:ext cx="122304" cy="122304"/>
+          </a:xfrm>
+          <a:prstGeom prst="ellipse">
+            <a:avLst/>
+          </a:prstGeom>
+          <a:solidFill>
+            <a:schemeClr val="tx1"/>
+          </a:solidFill>
+          <a:ln>
+            <a:noFill/>
+          </a:ln>
+        </p:spPr>
+        <p:style>
+          <a:lnRef idx="2">
+            <a:schemeClr val="accent1">
+              <a:shade val="50000"/>
+            </a:schemeClr>
+          </a:lnRef>
+          <a:fillRef idx="1">
+            <a:schemeClr val="accent1"/>
+          </a:fillRef>
+          <a:effectRef idx="0">
+            <a:schemeClr val="accent1"/>
+          </a:effectRef>
+          <a:fontRef idx="minor">
+            <a:schemeClr val="lt1"/>
+          </a:fontRef>
+        </p:style>
+        <p:txBody>
+          <a:bodyPr rtlCol="0" anchor="ctr"/>
+          <a:lstStyle/>
+          <a:p>
+            <a:pPr algn="ctr"/>
+            <a:endParaRPr lang="en-US">
+              <a:solidFill>
+                <a:schemeClr val="tx1"/>
+              </a:solidFill>
+            </a:endParaRPr>
+          </a:p>
+        </p:txBody>
+      </p:sp>
+      <p:sp>
+        <p:nvSpPr>
+          <p:cNvPr id="13" name="Oval 12">
+            <a:extLst>
+              <a:ext uri="{FF2B5EF4-FFF2-40B4-BE49-F238E27FC236}">
+                <a16:creationId xmlns:a16="http://schemas.microsoft.com/office/drawing/2014/main" id="{F070C116-D57E-8E46-B048-FB5B06D4551F}"/>
+              </a:ext>
+            </a:extLst>
+          </p:cNvPr>
+          <p:cNvSpPr/>
+          <p:nvPr/>
+        </p:nvSpPr>
+        <p:spPr>
+          <a:xfrm>
+            <a:off x="8225106" y="3503721"/>
+            <a:ext cx="122304" cy="122304"/>
+          </a:xfrm>
+          <a:prstGeom prst="ellipse">
+            <a:avLst/>
+          </a:prstGeom>
+          <a:solidFill>
+            <a:schemeClr val="tx1"/>
+          </a:solidFill>
+          <a:ln>
+            <a:noFill/>
+          </a:ln>
+        </p:spPr>
+        <p:style>
+          <a:lnRef idx="2">
+            <a:schemeClr val="accent1">
+              <a:shade val="50000"/>
+            </a:schemeClr>
+          </a:lnRef>
+          <a:fillRef idx="1">
+            <a:schemeClr val="accent1"/>
+          </a:fillRef>
+          <a:effectRef idx="0">
+            <a:schemeClr val="accent1"/>
+          </a:effectRef>
+          <a:fontRef idx="minor">
+            <a:schemeClr val="lt1"/>
+          </a:fontRef>
+        </p:style>
+        <p:txBody>
+          <a:bodyPr rtlCol="0" anchor="ctr"/>
+          <a:lstStyle/>
+          <a:p>
+            <a:pPr algn="ctr"/>
+            <a:endParaRPr lang="en-US">
+              <a:solidFill>
+                <a:schemeClr val="tx1"/>
+              </a:solidFill>
+            </a:endParaRPr>
+          </a:p>
+        </p:txBody>
+      </p:sp>
+      <p:sp>
+        <p:nvSpPr>
+          <p:cNvPr id="15" name="Oval 14">
+            <a:extLst>
+              <a:ext uri="{FF2B5EF4-FFF2-40B4-BE49-F238E27FC236}">
+                <a16:creationId xmlns:a16="http://schemas.microsoft.com/office/drawing/2014/main" id="{CCA56893-FA05-0E44-A526-2BB98AF6DDAC}"/>
+              </a:ext>
+            </a:extLst>
+          </p:cNvPr>
+          <p:cNvSpPr/>
+          <p:nvPr/>
+        </p:nvSpPr>
+        <p:spPr>
+          <a:xfrm>
+            <a:off x="6137969" y="5093505"/>
+            <a:ext cx="122304" cy="122304"/>
+          </a:xfrm>
+          <a:prstGeom prst="ellipse">
+            <a:avLst/>
+          </a:prstGeom>
+          <a:solidFill>
+            <a:schemeClr val="tx1"/>
+          </a:solidFill>
+          <a:ln>
+            <a:noFill/>
+          </a:ln>
+        </p:spPr>
+        <p:style>
+          <a:lnRef idx="2">
+            <a:schemeClr val="accent1">
+              <a:shade val="50000"/>
+            </a:schemeClr>
+          </a:lnRef>
+          <a:fillRef idx="1">
+            <a:schemeClr val="accent1"/>
+          </a:fillRef>
+          <a:effectRef idx="0">
+            <a:schemeClr val="accent1"/>
+          </a:effectRef>
+          <a:fontRef idx="minor">
+            <a:schemeClr val="lt1"/>
+          </a:fontRef>
+        </p:style>
+        <p:txBody>
+          <a:bodyPr rtlCol="0" anchor="ctr"/>
+          <a:lstStyle/>
+          <a:p>
+            <a:pPr algn="ctr"/>
+            <a:endParaRPr lang="en-US">
+              <a:solidFill>
+                <a:schemeClr val="tx1"/>
+              </a:solidFill>
+            </a:endParaRPr>
+          </a:p>
+        </p:txBody>
+      </p:sp>
+      <p:sp>
+        <p:nvSpPr>
+          <p:cNvPr id="17" name="Oval 16">
+            <a:extLst>
+              <a:ext uri="{FF2B5EF4-FFF2-40B4-BE49-F238E27FC236}">
+                <a16:creationId xmlns:a16="http://schemas.microsoft.com/office/drawing/2014/main" id="{C58F75B6-341D-6E40-B860-4A13EED4781C}"/>
+              </a:ext>
+            </a:extLst>
+          </p:cNvPr>
+          <p:cNvSpPr/>
+          <p:nvPr/>
+        </p:nvSpPr>
+        <p:spPr>
+          <a:xfrm>
+            <a:off x="5056848" y="4990520"/>
+            <a:ext cx="122304" cy="122304"/>
+          </a:xfrm>
+          <a:prstGeom prst="ellipse">
+            <a:avLst/>
+          </a:prstGeom>
+          <a:solidFill>
+            <a:schemeClr val="tx1"/>
+          </a:solidFill>
+          <a:ln>
+            <a:noFill/>
+          </a:ln>
+        </p:spPr>
+        <p:style>
+          <a:lnRef idx="2">
+            <a:schemeClr val="accent1">
+              <a:shade val="50000"/>
+            </a:schemeClr>
+          </a:lnRef>
+          <a:fillRef idx="1">
+            <a:schemeClr val="accent1"/>
+          </a:fillRef>
+          <a:effectRef idx="0">
+            <a:schemeClr val="accent1"/>
+          </a:effectRef>
+          <a:fontRef idx="minor">
+            <a:schemeClr val="lt1"/>
+          </a:fontRef>
+        </p:style>
+        <p:txBody>
+          <a:bodyPr rtlCol="0" anchor="ctr"/>
+          <a:lstStyle/>
+          <a:p>
+            <a:pPr algn="ctr"/>
+            <a:endParaRPr lang="en-US">
+              <a:solidFill>
+                <a:schemeClr val="tx1"/>
+              </a:solidFill>
+            </a:endParaRPr>
+          </a:p>
+        </p:txBody>
+      </p:sp>
+      <p:sp>
+        <p:nvSpPr>
+          <p:cNvPr id="19" name="Oval 18">
+            <a:extLst>
+              <a:ext uri="{FF2B5EF4-FFF2-40B4-BE49-F238E27FC236}">
+                <a16:creationId xmlns:a16="http://schemas.microsoft.com/office/drawing/2014/main" id="{62100974-AB9E-6546-A020-47E6973738A0}"/>
+              </a:ext>
+            </a:extLst>
+          </p:cNvPr>
+          <p:cNvSpPr/>
+          <p:nvPr/>
+        </p:nvSpPr>
+        <p:spPr>
+          <a:xfrm>
+            <a:off x="7048061" y="5278562"/>
+            <a:ext cx="122304" cy="122304"/>
+          </a:xfrm>
+          <a:prstGeom prst="ellipse">
+            <a:avLst/>
+          </a:prstGeom>
+          <a:solidFill>
+            <a:schemeClr val="tx1"/>
+          </a:solidFill>
+          <a:ln>
+            <a:noFill/>
+          </a:ln>
+        </p:spPr>
+        <p:style>
+          <a:lnRef idx="2">
+            <a:schemeClr val="accent1">
+              <a:shade val="50000"/>
+            </a:schemeClr>
+          </a:lnRef>
+          <a:fillRef idx="1">
+            <a:schemeClr val="accent1"/>
+          </a:fillRef>
+          <a:effectRef idx="0">
+            <a:schemeClr val="accent1"/>
+          </a:effectRef>
+          <a:fontRef idx="minor">
+            <a:schemeClr val="lt1"/>
+          </a:fontRef>
+        </p:style>
+        <p:txBody>
+          <a:bodyPr rtlCol="0" anchor="ctr"/>
+          <a:lstStyle/>
+          <a:p>
+            <a:pPr algn="ctr"/>
+            <a:endParaRPr lang="en-US">
+              <a:solidFill>
+                <a:schemeClr val="tx1"/>
+              </a:solidFill>
+            </a:endParaRPr>
+          </a:p>
+        </p:txBody>
+      </p:sp>
+      <p:sp>
+        <p:nvSpPr>
+          <p:cNvPr id="20" name="Oval 19">
+            <a:extLst>
+              <a:ext uri="{FF2B5EF4-FFF2-40B4-BE49-F238E27FC236}">
+                <a16:creationId xmlns:a16="http://schemas.microsoft.com/office/drawing/2014/main" id="{47AE051D-5677-EC4D-A11E-908731BC3089}"/>
+              </a:ext>
+            </a:extLst>
+          </p:cNvPr>
+          <p:cNvSpPr/>
+          <p:nvPr/>
+        </p:nvSpPr>
+        <p:spPr>
+          <a:xfrm>
+            <a:off x="7212113" y="4099474"/>
+            <a:ext cx="122304" cy="122304"/>
+          </a:xfrm>
+          <a:prstGeom prst="ellipse">
+            <a:avLst/>
+          </a:prstGeom>
+          <a:solidFill>
+            <a:schemeClr val="tx1"/>
+          </a:solidFill>
+          <a:ln>
+            <a:noFill/>
+          </a:ln>
+        </p:spPr>
+        <p:style>
+          <a:lnRef idx="2">
+            <a:schemeClr val="accent1">
+              <a:shade val="50000"/>
+            </a:schemeClr>
+          </a:lnRef>
+          <a:fillRef idx="1">
+            <a:schemeClr val="accent1"/>
+          </a:fillRef>
+          <a:effectRef idx="0">
+            <a:schemeClr val="accent1"/>
+          </a:effectRef>
+          <a:fontRef idx="minor">
+            <a:schemeClr val="lt1"/>
+          </a:fontRef>
+        </p:style>
+        <p:txBody>
+          <a:bodyPr rtlCol="0" anchor="ctr"/>
+          <a:lstStyle/>
+          <a:p>
+            <a:pPr algn="ctr"/>
+            <a:endParaRPr lang="en-US">
+              <a:solidFill>
+                <a:schemeClr val="tx1"/>
+              </a:solidFill>
+            </a:endParaRPr>
+          </a:p>
+        </p:txBody>
+      </p:sp>
+      <p:cxnSp>
+        <p:nvCxnSpPr>
           <p:cNvPr id="23" name="Straight Connector 22">
             <a:extLst>
               <a:ext uri="{FF2B5EF4-FFF2-40B4-BE49-F238E27FC236}">
@@ -10361,7 +13783,7 @@
         </p:nvCxnSpPr>
         <p:spPr>
           <a:xfrm>
-            <a:off x="7228566" y="3497593"/>
+            <a:off x="7087889" y="3989962"/>
             <a:ext cx="21324" cy="1410904"/>
           </a:xfrm>
           <a:prstGeom prst="line">
@@ -10408,7 +13830,7 @@
         </p:nvCxnSpPr>
         <p:spPr>
           <a:xfrm>
-            <a:off x="6403760" y="3497593"/>
+            <a:off x="6263083" y="3989962"/>
             <a:ext cx="10662" cy="705452"/>
           </a:xfrm>
           <a:prstGeom prst="line">
@@ -10453,7 +13875,7 @@
         </p:nvSpPr>
         <p:spPr>
           <a:xfrm>
-            <a:off x="7289718" y="4115759"/>
+            <a:off x="7149041" y="4608128"/>
             <a:ext cx="705642" cy="369332"/>
           </a:xfrm>
           <a:prstGeom prst="rect">
@@ -10478,8 +13900,8 @@
           </a:p>
         </p:txBody>
       </p:sp>
-      <mc:AlternateContent xmlns:mc="http://schemas.openxmlformats.org/markup-compatibility/2006" xmlns:a14="http://schemas.microsoft.com/office/drawing/2010/main">
-        <mc:Choice Requires="a14">
+      <mc:AlternateContent xmlns:mc="http://schemas.openxmlformats.org/markup-compatibility/2006">
+        <mc:Choice xmlns:a14="http://schemas.microsoft.com/office/drawing/2010/main" Requires="a14">
           <p:sp>
             <p:nvSpPr>
               <p:cNvPr id="32" name="TextBox 31">
@@ -10494,7 +13916,7 @@
             </p:nvSpPr>
             <p:spPr>
               <a:xfrm>
-                <a:off x="4931092" y="1548140"/>
+                <a:off x="4790415" y="2040509"/>
                 <a:ext cx="2939716" cy="894219"/>
               </a:xfrm>
               <a:prstGeom prst="rect">
@@ -10618,7 +14040,7 @@
             </p:txBody>
           </p:sp>
         </mc:Choice>
-        <mc:Fallback xmlns="">
+        <mc:Fallback>
           <p:sp>
             <p:nvSpPr>
               <p:cNvPr id="32" name="TextBox 31">
@@ -10635,7 +14057,7 @@
             </p:nvSpPr>
             <p:spPr>
               <a:xfrm>
-                <a:off x="4931092" y="1548140"/>
+                <a:off x="4790415" y="2040509"/>
                 <a:ext cx="2939716" cy="894219"/>
               </a:xfrm>
               <a:prstGeom prst="rect">
@@ -10644,7 +14066,7 @@
               <a:blipFill>
                 <a:blip r:embed="rId3"/>
                 <a:stretch>
-                  <a:fillRect l="-1288" t="-149296" r="-3004" b="-204225"/>
+                  <a:fillRect l="-1717" t="-149296" r="-2575" b="-204225"/>
                 </a:stretch>
               </a:blipFill>
             </p:spPr>
@@ -10677,7 +14099,7 @@
         </p:nvSpPr>
         <p:spPr>
           <a:xfrm>
-            <a:off x="6851309" y="1784195"/>
+            <a:off x="6710632" y="2276564"/>
             <a:ext cx="223025" cy="383602"/>
           </a:xfrm>
           <a:prstGeom prst="rect">
@@ -10727,7 +14149,7 @@
         </p:nvSpPr>
         <p:spPr>
           <a:xfrm>
-            <a:off x="7513797" y="1784195"/>
+            <a:off x="7373120" y="2276564"/>
             <a:ext cx="223025" cy="383602"/>
           </a:xfrm>
           <a:prstGeom prst="rect">
@@ -10779,7 +14201,7 @@
         </p:nvCxnSpPr>
         <p:spPr>
           <a:xfrm>
-            <a:off x="7625309" y="1405054"/>
+            <a:off x="7484632" y="1897423"/>
             <a:ext cx="0" cy="365534"/>
           </a:xfrm>
           <a:prstGeom prst="line">
@@ -10824,7 +14246,7 @@
         </p:nvSpPr>
         <p:spPr>
           <a:xfrm>
-            <a:off x="7222368" y="933255"/>
+            <a:off x="7081691" y="1425624"/>
             <a:ext cx="959109" cy="523220"/>
           </a:xfrm>
           <a:prstGeom prst="rect">
@@ -10878,7 +14300,7 @@
         </p:nvCxnSpPr>
         <p:spPr>
           <a:xfrm>
-            <a:off x="6962821" y="2167797"/>
+            <a:off x="6822144" y="2660166"/>
             <a:ext cx="0" cy="365534"/>
           </a:xfrm>
           <a:prstGeom prst="line">
@@ -10923,7 +14345,7 @@
         </p:nvSpPr>
         <p:spPr>
           <a:xfrm>
-            <a:off x="6512425" y="2472547"/>
+            <a:off x="6371748" y="2964916"/>
             <a:ext cx="798617" cy="523220"/>
           </a:xfrm>
           <a:prstGeom prst="rect">
@@ -10977,7 +14399,7 @@
         </p:nvCxnSpPr>
         <p:spPr>
           <a:xfrm>
-            <a:off x="6522089" y="1273708"/>
+            <a:off x="6381412" y="1766077"/>
             <a:ext cx="0" cy="365534"/>
           </a:xfrm>
           <a:prstGeom prst="line">
@@ -11022,7 +14444,7 @@
         </p:nvSpPr>
         <p:spPr>
           <a:xfrm>
-            <a:off x="6147627" y="1020528"/>
+            <a:off x="6006950" y="1512897"/>
             <a:ext cx="748924" cy="307777"/>
           </a:xfrm>
           <a:prstGeom prst="rect">
@@ -11062,7 +14484,7 @@
         </p:nvSpPr>
         <p:spPr>
           <a:xfrm>
-            <a:off x="6055176" y="1547850"/>
+            <a:off x="5914499" y="2040219"/>
             <a:ext cx="239966" cy="774485"/>
           </a:xfrm>
           <a:prstGeom prst="rect">
@@ -11115,7 +14537,7 @@
         </p:nvCxnSpPr>
         <p:spPr>
           <a:xfrm flipH="1">
-            <a:off x="5624817" y="2320352"/>
+            <a:off x="5484140" y="2812721"/>
             <a:ext cx="546936" cy="280809"/>
           </a:xfrm>
           <a:prstGeom prst="line">
@@ -11160,7 +14582,7 @@
         </p:nvSpPr>
         <p:spPr>
           <a:xfrm>
-            <a:off x="4974639" y="2601161"/>
+            <a:off x="4833962" y="3093530"/>
             <a:ext cx="1300356" cy="307777"/>
           </a:xfrm>
           <a:prstGeom prst="rect">
@@ -11200,7 +14622,7 @@
         </p:nvSpPr>
         <p:spPr>
           <a:xfrm>
-            <a:off x="6780806" y="1741972"/>
+            <a:off x="6640129" y="2234341"/>
             <a:ext cx="1090002" cy="490950"/>
           </a:xfrm>
           <a:prstGeom prst="rect">
@@ -11260,7 +14682,7 @@
         </p:nvCxnSpPr>
         <p:spPr>
           <a:xfrm flipH="1">
-            <a:off x="7840359" y="1975087"/>
+            <a:off x="7699682" y="2467456"/>
             <a:ext cx="492727" cy="0"/>
           </a:xfrm>
           <a:prstGeom prst="line">
@@ -11307,7 +14729,7 @@
         </p:nvSpPr>
         <p:spPr>
           <a:xfrm>
-            <a:off x="8301167" y="1731978"/>
+            <a:off x="8160490" y="2224347"/>
             <a:ext cx="998992" cy="523220"/>
           </a:xfrm>
           <a:prstGeom prst="rect">
@@ -11349,10 +14771,47 @@
           </a:p>
         </p:txBody>
       </p:sp>
+      <p:sp>
+        <p:nvSpPr>
+          <p:cNvPr id="31" name="Rectangle 30">
+            <a:extLst>
+              <a:ext uri="{FF2B5EF4-FFF2-40B4-BE49-F238E27FC236}">
+                <a16:creationId xmlns:a16="http://schemas.microsoft.com/office/drawing/2014/main" id="{1AF93F92-EEB8-704D-B948-FD682B7073FF}"/>
+              </a:ext>
+            </a:extLst>
+          </p:cNvPr>
+          <p:cNvSpPr/>
+          <p:nvPr/>
+        </p:nvSpPr>
+        <p:spPr>
+          <a:xfrm>
+            <a:off x="4927467" y="593714"/>
+            <a:ext cx="3236079" cy="461665"/>
+          </a:xfrm>
+          <a:prstGeom prst="rect">
+            <a:avLst/>
+          </a:prstGeom>
+        </p:spPr>
+        <p:txBody>
+          <a:bodyPr wrap="none">
+            <a:spAutoFit/>
+          </a:bodyPr>
+          <a:lstStyle/>
+          <a:p>
+            <a:r>
+              <a:rPr lang="en-US" sz="2400" b="1" dirty="0">
+                <a:latin typeface="Avenir Black" panose="02000503020000020003" pitchFamily="2" charset="0"/>
+              </a:rPr>
+              <a:t>Mean Absolute Error</a:t>
+            </a:r>
+            <a:endParaRPr lang="en-US" sz="2400" dirty="0"/>
+          </a:p>
+        </p:txBody>
+      </p:sp>
     </p:spTree>
     <p:extLst>
       <p:ext uri="{BB962C8B-B14F-4D97-AF65-F5344CB8AC3E}">
-        <p14:creationId xmlns:p14="http://schemas.microsoft.com/office/powerpoint/2010/main" val="3230042615"/>
+        <p14:creationId xmlns:p14="http://schemas.microsoft.com/office/powerpoint/2010/main" val="3866590721"/>
       </p:ext>
     </p:extLst>
   </p:cSld>
@@ -11362,7 +14821,7 @@
 </p:sld>
 </file>
 
-<file path=ppt/slides/slide5.xml><?xml version="1.0" encoding="utf-8"?>
+<file path=ppt/slides/slide7.xml><?xml version="1.0" encoding="utf-8"?>
 <p:sld xmlns:a="http://schemas.openxmlformats.org/drawingml/2006/main" xmlns:r="http://schemas.openxmlformats.org/officeDocument/2006/relationships" xmlns:p="http://schemas.openxmlformats.org/presentationml/2006/main">
   <p:cSld>
     <p:spTree>
@@ -11393,7 +14852,7 @@
         </p:nvCxnSpPr>
         <p:spPr>
           <a:xfrm flipV="1">
-            <a:off x="4313813" y="2255198"/>
+            <a:off x="4313813" y="2536552"/>
             <a:ext cx="0" cy="3474720"/>
           </a:xfrm>
           <a:prstGeom prst="straightConnector1">
@@ -11434,7 +14893,7 @@
         </p:nvCxnSpPr>
         <p:spPr>
           <a:xfrm>
-            <a:off x="4313813" y="5729918"/>
+            <a:off x="4313813" y="6011272"/>
             <a:ext cx="4174274" cy="0"/>
           </a:xfrm>
           <a:prstGeom prst="straightConnector1">
@@ -11475,7 +14934,7 @@
         </p:nvCxnSpPr>
         <p:spPr>
           <a:xfrm flipV="1">
-            <a:off x="4463062" y="2534024"/>
+            <a:off x="4463062" y="2815378"/>
             <a:ext cx="3902721" cy="3315725"/>
           </a:xfrm>
           <a:prstGeom prst="line">
@@ -11511,7 +14970,7 @@
         </p:nvSpPr>
         <p:spPr>
           <a:xfrm>
-            <a:off x="7515682" y="2876058"/>
+            <a:off x="7515682" y="3157412"/>
             <a:ext cx="122304" cy="122304"/>
           </a:xfrm>
           <a:prstGeom prst="ellipse">
@@ -11567,7 +15026,7 @@
         </p:nvSpPr>
         <p:spPr>
           <a:xfrm>
-            <a:off x="6339798" y="3484801"/>
+            <a:off x="6339798" y="3766155"/>
             <a:ext cx="122304" cy="122304"/>
           </a:xfrm>
           <a:prstGeom prst="ellipse">
@@ -11623,7 +15082,7 @@
         </p:nvSpPr>
         <p:spPr>
           <a:xfrm>
-            <a:off x="8365783" y="3011352"/>
+            <a:off x="8365783" y="3292706"/>
             <a:ext cx="122304" cy="122304"/>
           </a:xfrm>
           <a:prstGeom prst="ellipse">
@@ -11679,7 +15138,7 @@
         </p:nvSpPr>
         <p:spPr>
           <a:xfrm>
-            <a:off x="6278646" y="4601136"/>
+            <a:off x="6278646" y="4882490"/>
             <a:ext cx="122304" cy="122304"/>
           </a:xfrm>
           <a:prstGeom prst="ellipse">
@@ -11735,7 +15194,7 @@
         </p:nvSpPr>
         <p:spPr>
           <a:xfrm>
-            <a:off x="5197525" y="4498151"/>
+            <a:off x="5197525" y="4779505"/>
             <a:ext cx="122304" cy="122304"/>
           </a:xfrm>
           <a:prstGeom prst="ellipse">
@@ -11791,7 +15250,7 @@
         </p:nvSpPr>
         <p:spPr>
           <a:xfrm>
-            <a:off x="7188738" y="4786193"/>
+            <a:off x="7188738" y="5067547"/>
             <a:ext cx="122304" cy="122304"/>
           </a:xfrm>
           <a:prstGeom prst="ellipse">
@@ -11847,7 +15306,7 @@
         </p:nvSpPr>
         <p:spPr>
           <a:xfrm>
-            <a:off x="7352790" y="3607105"/>
+            <a:off x="7352790" y="3888459"/>
             <a:ext cx="122304" cy="122304"/>
           </a:xfrm>
           <a:prstGeom prst="ellipse">
@@ -11889,8 +15348,8 @@
           </a:p>
         </p:txBody>
       </p:sp>
-      <mc:AlternateContent xmlns:mc="http://schemas.openxmlformats.org/markup-compatibility/2006" xmlns:a14="http://schemas.microsoft.com/office/drawing/2010/main">
-        <mc:Choice Requires="a14">
+      <mc:AlternateContent xmlns:mc="http://schemas.openxmlformats.org/markup-compatibility/2006">
+        <mc:Choice xmlns:a14="http://schemas.microsoft.com/office/drawing/2010/main" Requires="a14">
           <p:sp>
             <p:nvSpPr>
               <p:cNvPr id="32" name="TextBox 31">
@@ -11905,7 +15364,7 @@
             </p:nvSpPr>
             <p:spPr>
               <a:xfrm>
-                <a:off x="4931092" y="1548140"/>
+                <a:off x="4931092" y="1829494"/>
                 <a:ext cx="3030060" cy="894219"/>
               </a:xfrm>
               <a:prstGeom prst="rect">
@@ -12034,7 +15493,7 @@
             </p:txBody>
           </p:sp>
         </mc:Choice>
-        <mc:Fallback xmlns="">
+        <mc:Fallback>
           <p:sp>
             <p:nvSpPr>
               <p:cNvPr id="32" name="TextBox 31">
@@ -12051,7 +15510,7 @@
             </p:nvSpPr>
             <p:spPr>
               <a:xfrm>
-                <a:off x="4931092" y="1548140"/>
+                <a:off x="4931092" y="1829494"/>
                 <a:ext cx="3030060" cy="894219"/>
               </a:xfrm>
               <a:prstGeom prst="rect">
@@ -12060,7 +15519,7 @@
               <a:blipFill>
                 <a:blip r:embed="rId3"/>
                 <a:stretch>
-                  <a:fillRect l="-1250" t="-149296" r="-417" b="-204225"/>
+                  <a:fillRect l="-1250" t="-152857" r="-417" b="-208571"/>
                 </a:stretch>
               </a:blipFill>
             </p:spPr>
@@ -12093,7 +15552,7 @@
         </p:nvSpPr>
         <p:spPr>
           <a:xfrm>
-            <a:off x="6811547" y="1784195"/>
+            <a:off x="6811547" y="2065549"/>
             <a:ext cx="209523" cy="383602"/>
           </a:xfrm>
           <a:prstGeom prst="rect">
@@ -12143,7 +15602,7 @@
         </p:nvSpPr>
         <p:spPr>
           <a:xfrm>
-            <a:off x="7471467" y="1784195"/>
+            <a:off x="7471467" y="2065549"/>
             <a:ext cx="217282" cy="383602"/>
           </a:xfrm>
           <a:prstGeom prst="rect">
@@ -12195,7 +15654,7 @@
         </p:nvCxnSpPr>
         <p:spPr>
           <a:xfrm>
-            <a:off x="7625309" y="1405054"/>
+            <a:off x="7625309" y="1686408"/>
             <a:ext cx="0" cy="365534"/>
           </a:xfrm>
           <a:prstGeom prst="line">
@@ -12240,7 +15699,7 @@
         </p:nvSpPr>
         <p:spPr>
           <a:xfrm>
-            <a:off x="7222368" y="933255"/>
+            <a:off x="7222368" y="1214609"/>
             <a:ext cx="959109" cy="523220"/>
           </a:xfrm>
           <a:prstGeom prst="rect">
@@ -12294,7 +15753,7 @@
         </p:nvCxnSpPr>
         <p:spPr>
           <a:xfrm>
-            <a:off x="6962821" y="2167797"/>
+            <a:off x="6962821" y="2449151"/>
             <a:ext cx="0" cy="365534"/>
           </a:xfrm>
           <a:prstGeom prst="line">
@@ -12339,7 +15798,7 @@
         </p:nvSpPr>
         <p:spPr>
           <a:xfrm>
-            <a:off x="6512425" y="2472547"/>
+            <a:off x="6512425" y="2753901"/>
             <a:ext cx="798617" cy="523220"/>
           </a:xfrm>
           <a:prstGeom prst="rect">
@@ -12393,7 +15852,7 @@
         </p:nvCxnSpPr>
         <p:spPr>
           <a:xfrm>
-            <a:off x="6522089" y="1273708"/>
+            <a:off x="6522089" y="1555062"/>
             <a:ext cx="0" cy="365534"/>
           </a:xfrm>
           <a:prstGeom prst="line">
@@ -12438,7 +15897,7 @@
         </p:nvSpPr>
         <p:spPr>
           <a:xfrm>
-            <a:off x="6147627" y="1020528"/>
+            <a:off x="6147627" y="1301882"/>
             <a:ext cx="748924" cy="307777"/>
           </a:xfrm>
           <a:prstGeom prst="rect">
@@ -12478,7 +15937,7 @@
         </p:nvSpPr>
         <p:spPr>
           <a:xfrm>
-            <a:off x="6055176" y="1547850"/>
+            <a:off x="6055176" y="1829204"/>
             <a:ext cx="239966" cy="774485"/>
           </a:xfrm>
           <a:prstGeom prst="rect">
@@ -12531,7 +15990,7 @@
         </p:nvCxnSpPr>
         <p:spPr>
           <a:xfrm flipH="1">
-            <a:off x="5624817" y="2320352"/>
+            <a:off x="5624817" y="2601706"/>
             <a:ext cx="546936" cy="280809"/>
           </a:xfrm>
           <a:prstGeom prst="line">
@@ -12576,7 +16035,7 @@
         </p:nvSpPr>
         <p:spPr>
           <a:xfrm>
-            <a:off x="4974639" y="2601161"/>
+            <a:off x="4974639" y="2882515"/>
             <a:ext cx="1300356" cy="307777"/>
           </a:xfrm>
           <a:prstGeom prst="rect">
@@ -12616,7 +16075,7 @@
         </p:nvSpPr>
         <p:spPr>
           <a:xfrm>
-            <a:off x="6725502" y="1741972"/>
+            <a:off x="6725502" y="2023326"/>
             <a:ext cx="1235650" cy="490950"/>
           </a:xfrm>
           <a:prstGeom prst="rect">
@@ -12676,7 +16135,7 @@
         </p:nvCxnSpPr>
         <p:spPr>
           <a:xfrm flipH="1">
-            <a:off x="7961152" y="1992779"/>
+            <a:off x="7961152" y="2274133"/>
             <a:ext cx="492727" cy="0"/>
           </a:xfrm>
           <a:prstGeom prst="line">
@@ -12723,7 +16182,7 @@
         </p:nvSpPr>
         <p:spPr>
           <a:xfrm>
-            <a:off x="8351237" y="1733203"/>
+            <a:off x="8351237" y="2014557"/>
             <a:ext cx="853118" cy="523220"/>
           </a:xfrm>
           <a:prstGeom prst="rect">
@@ -12779,7 +16238,7 @@
         </p:nvSpPr>
         <p:spPr>
           <a:xfrm>
-            <a:off x="7251768" y="3483495"/>
+            <a:off x="7251768" y="3764849"/>
             <a:ext cx="1285770" cy="1285770"/>
           </a:xfrm>
           <a:prstGeom prst="rect">
@@ -12837,7 +16296,7 @@
         </p:nvSpPr>
         <p:spPr>
           <a:xfrm>
-            <a:off x="7549891" y="3908123"/>
+            <a:off x="7549891" y="4189477"/>
             <a:ext cx="671979" cy="369332"/>
           </a:xfrm>
           <a:prstGeom prst="rect">
@@ -12859,6 +16318,43 @@
               </a:rPr>
               <a:t>MSE</a:t>
             </a:r>
+          </a:p>
+        </p:txBody>
+      </p:sp>
+      <p:sp>
+        <p:nvSpPr>
+          <p:cNvPr id="29" name="Rectangle 28">
+            <a:extLst>
+              <a:ext uri="{FF2B5EF4-FFF2-40B4-BE49-F238E27FC236}">
+                <a16:creationId xmlns:a16="http://schemas.microsoft.com/office/drawing/2014/main" id="{97FB50FB-ED0F-FE49-8D68-D78F8AAB4D36}"/>
+              </a:ext>
+            </a:extLst>
+          </p:cNvPr>
+          <p:cNvSpPr/>
+          <p:nvPr/>
+        </p:nvSpPr>
+        <p:spPr>
+          <a:xfrm>
+            <a:off x="5247469" y="542976"/>
+            <a:ext cx="2934008" cy="461665"/>
+          </a:xfrm>
+          <a:prstGeom prst="rect">
+            <a:avLst/>
+          </a:prstGeom>
+        </p:spPr>
+        <p:txBody>
+          <a:bodyPr wrap="none">
+            <a:spAutoFit/>
+          </a:bodyPr>
+          <a:lstStyle/>
+          <a:p>
+            <a:r>
+              <a:rPr lang="en-US" sz="2400" b="1" dirty="0">
+                <a:latin typeface="Avenir Black" panose="02000503020000020003" pitchFamily="2" charset="0"/>
+              </a:rPr>
+              <a:t>Mean Square Error</a:t>
+            </a:r>
+            <a:endParaRPr lang="en-US" sz="2400" dirty="0"/>
           </a:p>
         </p:txBody>
       </p:sp>
@@ -12875,7 +16371,7 @@
 </p:sld>
 </file>
 
-<file path=ppt/slides/slide6.xml><?xml version="1.0" encoding="utf-8"?>
+<file path=ppt/slides/slide8.xml><?xml version="1.0" encoding="utf-8"?>
 <p:sld xmlns:a="http://schemas.openxmlformats.org/drawingml/2006/main" xmlns:r="http://schemas.openxmlformats.org/officeDocument/2006/relationships" xmlns:p="http://schemas.openxmlformats.org/presentationml/2006/main">
   <p:cSld>
     <p:spTree>
